--- a/Project_framework.pptx
+++ b/Project_framework.pptx
@@ -5,19 +5,21 @@
     <p:sldMasterId id="2147483660" r:id="rId1"/>
   </p:sldMasterIdLst>
   <p:notesMasterIdLst>
-    <p:notesMasterId r:id="rId9"/>
+    <p:notesMasterId r:id="rId11"/>
   </p:notesMasterIdLst>
   <p:handoutMasterIdLst>
-    <p:handoutMasterId r:id="rId10"/>
+    <p:handoutMasterId r:id="rId12"/>
   </p:handoutMasterIdLst>
   <p:sldIdLst>
     <p:sldId id="265" r:id="rId2"/>
     <p:sldId id="259" r:id="rId3"/>
-    <p:sldId id="266" r:id="rId4"/>
-    <p:sldId id="267" r:id="rId5"/>
-    <p:sldId id="270" r:id="rId6"/>
-    <p:sldId id="271" r:id="rId7"/>
-    <p:sldId id="260" r:id="rId8"/>
+    <p:sldId id="272" r:id="rId4"/>
+    <p:sldId id="266" r:id="rId5"/>
+    <p:sldId id="267" r:id="rId6"/>
+    <p:sldId id="270" r:id="rId7"/>
+    <p:sldId id="271" r:id="rId8"/>
+    <p:sldId id="260" r:id="rId9"/>
+    <p:sldId id="273" r:id="rId10"/>
   </p:sldIdLst>
   <p:sldSz cx="9144000" cy="5143500" type="screen16x9"/>
   <p:notesSz cx="6858000" cy="9144000"/>
@@ -118,7 +120,7 @@
   </p:defaultTextStyle>
   <p:extLst>
     <p:ext uri="{EFAFB233-063F-42B5-8137-9DF3F51BA10A}">
-      <p15:sldGuideLst xmlns:p15="http://schemas.microsoft.com/office/powerpoint/2012/main">
+      <p15:sldGuideLst xmlns:p15="http://schemas.microsoft.com/office/powerpoint/2012/main" xmlns="">
         <p15:guide id="3" pos="294" userDrawn="1">
           <p15:clr>
             <a:srgbClr val="A4A3A4"/>
@@ -132,7 +134,7 @@
       </p15:sldGuideLst>
     </p:ext>
     <p:ext uri="{2D200454-40CA-4A62-9FC3-DE9A4176ACB9}">
-      <p15:notesGuideLst xmlns:p15="http://schemas.microsoft.com/office/powerpoint/2012/main"/>
+      <p15:notesGuideLst xmlns:p15="http://schemas.microsoft.com/office/powerpoint/2012/main" xmlns=""/>
     </p:ext>
   </p:extLst>
 </p:presentation>
@@ -895,7 +897,7 @@
         <a:bodyPr/>
         <a:lstStyle/>
         <a:p>
-          <a:endParaRPr lang="en-DE"/>
+          <a:endParaRPr lang="x-none"/>
         </a:p>
       </dgm:t>
     </dgm:pt>
@@ -910,7 +912,7 @@
             <a:rPr lang="de-DE" dirty="0"/>
             <a:t>Week 1</a:t>
           </a:r>
-          <a:endParaRPr lang="en-DE" dirty="0"/>
+          <a:endParaRPr lang="x-none" dirty="0"/>
         </a:p>
       </dgm:t>
     </dgm:pt>
@@ -921,7 +923,7 @@
         <a:bodyPr/>
         <a:lstStyle/>
         <a:p>
-          <a:endParaRPr lang="en-DE"/>
+          <a:endParaRPr lang="x-none"/>
         </a:p>
       </dgm:t>
     </dgm:pt>
@@ -932,7 +934,7 @@
         <a:bodyPr/>
         <a:lstStyle/>
         <a:p>
-          <a:endParaRPr lang="en-DE"/>
+          <a:endParaRPr lang="x-none"/>
         </a:p>
       </dgm:t>
     </dgm:pt>
@@ -967,7 +969,7 @@
             <a:rPr lang="de-DE" dirty="0" err="1"/>
             <a:t>diagram</a:t>
           </a:r>
-          <a:endParaRPr lang="en-DE" dirty="0"/>
+          <a:endParaRPr lang="x-none" dirty="0"/>
         </a:p>
       </dgm:t>
     </dgm:pt>
@@ -978,7 +980,7 @@
         <a:bodyPr/>
         <a:lstStyle/>
         <a:p>
-          <a:endParaRPr lang="en-DE"/>
+          <a:endParaRPr lang="x-none"/>
         </a:p>
       </dgm:t>
     </dgm:pt>
@@ -989,7 +991,7 @@
         <a:bodyPr/>
         <a:lstStyle/>
         <a:p>
-          <a:endParaRPr lang="en-DE"/>
+          <a:endParaRPr lang="x-none"/>
         </a:p>
       </dgm:t>
     </dgm:pt>
@@ -1004,7 +1006,7 @@
             <a:rPr lang="de-DE" dirty="0"/>
             <a:t>Week 2</a:t>
           </a:r>
-          <a:endParaRPr lang="en-DE" dirty="0"/>
+          <a:endParaRPr lang="x-none" dirty="0"/>
         </a:p>
       </dgm:t>
     </dgm:pt>
@@ -1015,7 +1017,7 @@
         <a:bodyPr/>
         <a:lstStyle/>
         <a:p>
-          <a:endParaRPr lang="en-DE"/>
+          <a:endParaRPr lang="x-none"/>
         </a:p>
       </dgm:t>
     </dgm:pt>
@@ -1026,7 +1028,7 @@
         <a:bodyPr/>
         <a:lstStyle/>
         <a:p>
-          <a:endParaRPr lang="en-DE"/>
+          <a:endParaRPr lang="x-none"/>
         </a:p>
       </dgm:t>
     </dgm:pt>
@@ -1041,7 +1043,7 @@
             <a:rPr lang="de-DE" dirty="0"/>
             <a:t>Week 3</a:t>
           </a:r>
-          <a:endParaRPr lang="en-DE" dirty="0"/>
+          <a:endParaRPr lang="x-none" dirty="0"/>
         </a:p>
       </dgm:t>
     </dgm:pt>
@@ -1052,7 +1054,7 @@
         <a:bodyPr/>
         <a:lstStyle/>
         <a:p>
-          <a:endParaRPr lang="en-DE"/>
+          <a:endParaRPr lang="x-none"/>
         </a:p>
       </dgm:t>
     </dgm:pt>
@@ -1063,7 +1065,7 @@
         <a:bodyPr/>
         <a:lstStyle/>
         <a:p>
-          <a:endParaRPr lang="en-DE"/>
+          <a:endParaRPr lang="x-none"/>
         </a:p>
       </dgm:t>
     </dgm:pt>
@@ -1078,7 +1080,7 @@
             <a:rPr lang="de-DE" dirty="0"/>
             <a:t>Week 4</a:t>
           </a:r>
-          <a:endParaRPr lang="en-DE" dirty="0"/>
+          <a:endParaRPr lang="x-none" dirty="0"/>
         </a:p>
       </dgm:t>
     </dgm:pt>
@@ -1089,7 +1091,7 @@
         <a:bodyPr/>
         <a:lstStyle/>
         <a:p>
-          <a:endParaRPr lang="en-DE"/>
+          <a:endParaRPr lang="x-none"/>
         </a:p>
       </dgm:t>
     </dgm:pt>
@@ -1100,7 +1102,7 @@
         <a:bodyPr/>
         <a:lstStyle/>
         <a:p>
-          <a:endParaRPr lang="en-DE"/>
+          <a:endParaRPr lang="x-none"/>
         </a:p>
       </dgm:t>
     </dgm:pt>
@@ -1115,7 +1117,7 @@
             <a:rPr lang="de-DE" dirty="0"/>
             <a:t>Week 5</a:t>
           </a:r>
-          <a:endParaRPr lang="en-DE" dirty="0"/>
+          <a:endParaRPr lang="x-none" dirty="0"/>
         </a:p>
       </dgm:t>
     </dgm:pt>
@@ -1126,7 +1128,7 @@
         <a:bodyPr/>
         <a:lstStyle/>
         <a:p>
-          <a:endParaRPr lang="en-DE"/>
+          <a:endParaRPr lang="x-none"/>
         </a:p>
       </dgm:t>
     </dgm:pt>
@@ -1137,7 +1139,7 @@
         <a:bodyPr/>
         <a:lstStyle/>
         <a:p>
-          <a:endParaRPr lang="en-DE"/>
+          <a:endParaRPr lang="x-none"/>
         </a:p>
       </dgm:t>
     </dgm:pt>
@@ -1152,7 +1154,7 @@
             <a:rPr lang="de-DE" dirty="0"/>
             <a:t>Week 6</a:t>
           </a:r>
-          <a:endParaRPr lang="en-DE" dirty="0"/>
+          <a:endParaRPr lang="x-none" dirty="0"/>
         </a:p>
       </dgm:t>
     </dgm:pt>
@@ -1163,7 +1165,7 @@
         <a:bodyPr/>
         <a:lstStyle/>
         <a:p>
-          <a:endParaRPr lang="en-DE"/>
+          <a:endParaRPr lang="x-none"/>
         </a:p>
       </dgm:t>
     </dgm:pt>
@@ -1174,7 +1176,7 @@
         <a:bodyPr/>
         <a:lstStyle/>
         <a:p>
-          <a:endParaRPr lang="en-DE"/>
+          <a:endParaRPr lang="x-none"/>
         </a:p>
       </dgm:t>
     </dgm:pt>
@@ -1189,7 +1191,7 @@
             <a:rPr lang="de-DE" dirty="0"/>
             <a:t>Week 7</a:t>
           </a:r>
-          <a:endParaRPr lang="en-DE" dirty="0"/>
+          <a:endParaRPr lang="x-none" dirty="0"/>
         </a:p>
       </dgm:t>
     </dgm:pt>
@@ -1200,7 +1202,7 @@
         <a:bodyPr/>
         <a:lstStyle/>
         <a:p>
-          <a:endParaRPr lang="en-DE"/>
+          <a:endParaRPr lang="x-none"/>
         </a:p>
       </dgm:t>
     </dgm:pt>
@@ -1211,7 +1213,7 @@
         <a:bodyPr/>
         <a:lstStyle/>
         <a:p>
-          <a:endParaRPr lang="en-DE"/>
+          <a:endParaRPr lang="x-none"/>
         </a:p>
       </dgm:t>
     </dgm:pt>
@@ -1254,7 +1256,7 @@
             <a:rPr lang="de-DE" dirty="0" err="1"/>
             <a:t>presentation</a:t>
           </a:r>
-          <a:endParaRPr lang="en-DE" dirty="0"/>
+          <a:endParaRPr lang="x-none" dirty="0"/>
         </a:p>
       </dgm:t>
     </dgm:pt>
@@ -1265,7 +1267,7 @@
         <a:bodyPr/>
         <a:lstStyle/>
         <a:p>
-          <a:endParaRPr lang="en-DE"/>
+          <a:endParaRPr lang="x-none"/>
         </a:p>
       </dgm:t>
     </dgm:pt>
@@ -1276,7 +1278,7 @@
         <a:bodyPr/>
         <a:lstStyle/>
         <a:p>
-          <a:endParaRPr lang="en-DE"/>
+          <a:endParaRPr lang="x-none"/>
         </a:p>
       </dgm:t>
     </dgm:pt>
@@ -1299,7 +1301,7 @@
             <a:rPr lang="de-DE" dirty="0"/>
             <a:t>: Deadline</a:t>
           </a:r>
-          <a:endParaRPr lang="en-DE" dirty="0"/>
+          <a:endParaRPr lang="x-none" dirty="0"/>
         </a:p>
       </dgm:t>
     </dgm:pt>
@@ -1310,7 +1312,7 @@
         <a:bodyPr/>
         <a:lstStyle/>
         <a:p>
-          <a:endParaRPr lang="en-DE"/>
+          <a:endParaRPr lang="x-none"/>
         </a:p>
       </dgm:t>
     </dgm:pt>
@@ -1321,7 +1323,7 @@
         <a:bodyPr/>
         <a:lstStyle/>
         <a:p>
-          <a:endParaRPr lang="en-DE"/>
+          <a:endParaRPr lang="x-none"/>
         </a:p>
       </dgm:t>
     </dgm:pt>
@@ -1344,7 +1346,7 @@
             <a:rPr lang="de-DE" dirty="0" err="1"/>
             <a:t>presentation</a:t>
           </a:r>
-          <a:endParaRPr lang="en-DE" dirty="0"/>
+          <a:endParaRPr lang="x-none" dirty="0"/>
         </a:p>
       </dgm:t>
     </dgm:pt>
@@ -1355,7 +1357,7 @@
         <a:bodyPr/>
         <a:lstStyle/>
         <a:p>
-          <a:endParaRPr lang="en-DE"/>
+          <a:endParaRPr lang="x-none"/>
         </a:p>
       </dgm:t>
     </dgm:pt>
@@ -1366,7 +1368,7 @@
         <a:bodyPr/>
         <a:lstStyle/>
         <a:p>
-          <a:endParaRPr lang="en-DE"/>
+          <a:endParaRPr lang="x-none"/>
         </a:p>
       </dgm:t>
     </dgm:pt>
@@ -1397,7 +1399,7 @@
             <a:rPr lang="de-DE" dirty="0"/>
             <a:t> code </a:t>
           </a:r>
-          <a:endParaRPr lang="en-DE" dirty="0"/>
+          <a:endParaRPr lang="x-none" dirty="0"/>
         </a:p>
       </dgm:t>
     </dgm:pt>
@@ -1408,7 +1410,7 @@
         <a:bodyPr/>
         <a:lstStyle/>
         <a:p>
-          <a:endParaRPr lang="en-DE"/>
+          <a:endParaRPr lang="x-none"/>
         </a:p>
       </dgm:t>
     </dgm:pt>
@@ -1419,7 +1421,7 @@
         <a:bodyPr/>
         <a:lstStyle/>
         <a:p>
-          <a:endParaRPr lang="en-DE"/>
+          <a:endParaRPr lang="x-none"/>
         </a:p>
       </dgm:t>
     </dgm:pt>
@@ -1438,7 +1440,7 @@
             <a:rPr lang="de-DE" dirty="0" err="1"/>
             <a:t>components</a:t>
           </a:r>
-          <a:endParaRPr lang="en-DE" dirty="0"/>
+          <a:endParaRPr lang="x-none" dirty="0"/>
         </a:p>
       </dgm:t>
     </dgm:pt>
@@ -1449,7 +1451,7 @@
         <a:bodyPr/>
         <a:lstStyle/>
         <a:p>
-          <a:endParaRPr lang="en-DE"/>
+          <a:endParaRPr lang="x-none"/>
         </a:p>
       </dgm:t>
     </dgm:pt>
@@ -1460,7 +1462,7 @@
         <a:bodyPr/>
         <a:lstStyle/>
         <a:p>
-          <a:endParaRPr lang="en-DE"/>
+          <a:endParaRPr lang="x-none"/>
         </a:p>
       </dgm:t>
     </dgm:pt>
@@ -1475,7 +1477,7 @@
             <a:rPr lang="de-DE" dirty="0"/>
             <a:t>Finish code + Readme</a:t>
           </a:r>
-          <a:endParaRPr lang="en-DE" dirty="0"/>
+          <a:endParaRPr lang="x-none" dirty="0"/>
         </a:p>
       </dgm:t>
     </dgm:pt>
@@ -1486,7 +1488,7 @@
         <a:bodyPr/>
         <a:lstStyle/>
         <a:p>
-          <a:endParaRPr lang="en-DE"/>
+          <a:endParaRPr lang="x-none"/>
         </a:p>
       </dgm:t>
     </dgm:pt>
@@ -1497,7 +1499,7 @@
         <a:bodyPr/>
         <a:lstStyle/>
         <a:p>
-          <a:endParaRPr lang="en-DE"/>
+          <a:endParaRPr lang="x-none"/>
         </a:p>
       </dgm:t>
     </dgm:pt>
@@ -1512,7 +1514,7 @@
             <a:rPr lang="de-DE" dirty="0"/>
             <a:t>Problems, Questions</a:t>
           </a:r>
-          <a:endParaRPr lang="en-DE" dirty="0"/>
+          <a:endParaRPr lang="x-none" dirty="0"/>
         </a:p>
       </dgm:t>
     </dgm:pt>
@@ -1523,7 +1525,7 @@
         <a:bodyPr/>
         <a:lstStyle/>
         <a:p>
-          <a:endParaRPr lang="en-DE"/>
+          <a:endParaRPr lang="x-none"/>
         </a:p>
       </dgm:t>
     </dgm:pt>
@@ -1534,7 +1536,7 @@
         <a:bodyPr/>
         <a:lstStyle/>
         <a:p>
-          <a:endParaRPr lang="en-DE"/>
+          <a:endParaRPr lang="x-none"/>
         </a:p>
       </dgm:t>
     </dgm:pt>
@@ -1553,7 +1555,7 @@
             <a:rPr lang="de-DE" dirty="0" err="1"/>
             <a:t>Script</a:t>
           </a:r>
-          <a:endParaRPr lang="en-DE" dirty="0"/>
+          <a:endParaRPr lang="x-none" dirty="0"/>
         </a:p>
       </dgm:t>
     </dgm:pt>
@@ -1564,7 +1566,7 @@
         <a:bodyPr/>
         <a:lstStyle/>
         <a:p>
-          <a:endParaRPr lang="en-DE"/>
+          <a:endParaRPr lang="x-none"/>
         </a:p>
       </dgm:t>
     </dgm:pt>
@@ -1575,7 +1577,7 @@
         <a:bodyPr/>
         <a:lstStyle/>
         <a:p>
-          <a:endParaRPr lang="en-DE"/>
+          <a:endParaRPr lang="x-none"/>
         </a:p>
       </dgm:t>
     </dgm:pt>
@@ -1588,6 +1590,13 @@
         </dgm:presLayoutVars>
       </dgm:prSet>
       <dgm:spPr/>
+      <dgm:t>
+        <a:bodyPr/>
+        <a:lstStyle/>
+        <a:p>
+          <a:endParaRPr lang="en-US"/>
+        </a:p>
+      </dgm:t>
     </dgm:pt>
     <dgm:pt modelId="{1436BD30-04DA-4637-B2C2-19DEEE7A3456}" type="pres">
       <dgm:prSet presAssocID="{90B81757-F72A-4E57-BEE2-097C679ACC8F}" presName="composite" presStyleCnt="0"/>
@@ -1601,6 +1610,13 @@
         </dgm:presLayoutVars>
       </dgm:prSet>
       <dgm:spPr/>
+      <dgm:t>
+        <a:bodyPr/>
+        <a:lstStyle/>
+        <a:p>
+          <a:endParaRPr lang="en-US"/>
+        </a:p>
+      </dgm:t>
     </dgm:pt>
     <dgm:pt modelId="{9C091BD7-0B8A-429F-9E26-EBEFCABEC360}" type="pres">
       <dgm:prSet presAssocID="{90B81757-F72A-4E57-BEE2-097C679ACC8F}" presName="descendantText" presStyleLbl="alignAcc1" presStyleIdx="0" presStyleCnt="7" custScaleY="100000" custLinFactNeighborX="0">
@@ -1609,6 +1625,13 @@
         </dgm:presLayoutVars>
       </dgm:prSet>
       <dgm:spPr/>
+      <dgm:t>
+        <a:bodyPr/>
+        <a:lstStyle/>
+        <a:p>
+          <a:endParaRPr lang="en-US"/>
+        </a:p>
+      </dgm:t>
     </dgm:pt>
     <dgm:pt modelId="{482F4FCF-5450-4D47-BFD2-6B95E2E20084}" type="pres">
       <dgm:prSet presAssocID="{A7244ED6-D82E-43C3-A9AF-E3F0661E7E9A}" presName="sp" presStyleCnt="0"/>
@@ -1626,6 +1649,13 @@
         </dgm:presLayoutVars>
       </dgm:prSet>
       <dgm:spPr/>
+      <dgm:t>
+        <a:bodyPr/>
+        <a:lstStyle/>
+        <a:p>
+          <a:endParaRPr lang="en-US"/>
+        </a:p>
+      </dgm:t>
     </dgm:pt>
     <dgm:pt modelId="{11CE23A6-ED7A-4FC0-8D3B-6745A4F47170}" type="pres">
       <dgm:prSet presAssocID="{16524B13-18AB-4346-AB88-4154BE6D18E8}" presName="descendantText" presStyleLbl="alignAcc1" presStyleIdx="1" presStyleCnt="7">
@@ -1634,6 +1664,13 @@
         </dgm:presLayoutVars>
       </dgm:prSet>
       <dgm:spPr/>
+      <dgm:t>
+        <a:bodyPr/>
+        <a:lstStyle/>
+        <a:p>
+          <a:endParaRPr lang="en-US"/>
+        </a:p>
+      </dgm:t>
     </dgm:pt>
     <dgm:pt modelId="{E7851DCC-8791-4FF1-8ADF-66743A753F74}" type="pres">
       <dgm:prSet presAssocID="{12A223D5-C7EF-466C-A1BE-D7FA4FE20F5F}" presName="sp" presStyleCnt="0"/>
@@ -1651,6 +1688,13 @@
         </dgm:presLayoutVars>
       </dgm:prSet>
       <dgm:spPr/>
+      <dgm:t>
+        <a:bodyPr/>
+        <a:lstStyle/>
+        <a:p>
+          <a:endParaRPr lang="en-US"/>
+        </a:p>
+      </dgm:t>
     </dgm:pt>
     <dgm:pt modelId="{1041BBDB-1B19-4D22-8E7C-41E0E21EEA29}" type="pres">
       <dgm:prSet presAssocID="{F0DC2C40-1A30-4E67-9200-2EE002B64F9C}" presName="descendantText" presStyleLbl="alignAcc1" presStyleIdx="2" presStyleCnt="7">
@@ -1659,6 +1703,13 @@
         </dgm:presLayoutVars>
       </dgm:prSet>
       <dgm:spPr/>
+      <dgm:t>
+        <a:bodyPr/>
+        <a:lstStyle/>
+        <a:p>
+          <a:endParaRPr lang="en-US"/>
+        </a:p>
+      </dgm:t>
     </dgm:pt>
     <dgm:pt modelId="{1007C131-8719-43FE-8000-DE4FB4249E11}" type="pres">
       <dgm:prSet presAssocID="{BD3BD49F-D392-4FD1-8960-9C96D250983A}" presName="sp" presStyleCnt="0"/>
@@ -1676,6 +1727,13 @@
         </dgm:presLayoutVars>
       </dgm:prSet>
       <dgm:spPr/>
+      <dgm:t>
+        <a:bodyPr/>
+        <a:lstStyle/>
+        <a:p>
+          <a:endParaRPr lang="en-US"/>
+        </a:p>
+      </dgm:t>
     </dgm:pt>
     <dgm:pt modelId="{5EC66E7E-310B-4D46-B68B-03E4394E990F}" type="pres">
       <dgm:prSet presAssocID="{0BB608D9-5A71-4B69-8CE4-E407A5444030}" presName="descendantText" presStyleLbl="alignAcc1" presStyleIdx="3" presStyleCnt="7">
@@ -1684,6 +1742,13 @@
         </dgm:presLayoutVars>
       </dgm:prSet>
       <dgm:spPr/>
+      <dgm:t>
+        <a:bodyPr/>
+        <a:lstStyle/>
+        <a:p>
+          <a:endParaRPr lang="en-US"/>
+        </a:p>
+      </dgm:t>
     </dgm:pt>
     <dgm:pt modelId="{1DC152DD-DB00-475F-BBE7-7B1F683688D1}" type="pres">
       <dgm:prSet presAssocID="{ED932E32-5241-4D1B-9E6D-805A468F2B2F}" presName="sp" presStyleCnt="0"/>
@@ -1701,6 +1766,13 @@
         </dgm:presLayoutVars>
       </dgm:prSet>
       <dgm:spPr/>
+      <dgm:t>
+        <a:bodyPr/>
+        <a:lstStyle/>
+        <a:p>
+          <a:endParaRPr lang="en-US"/>
+        </a:p>
+      </dgm:t>
     </dgm:pt>
     <dgm:pt modelId="{42AF0750-A695-41F6-A24D-696F96B659EF}" type="pres">
       <dgm:prSet presAssocID="{14090BA4-0AD6-43FE-AA0C-84A74498A43A}" presName="descendantText" presStyleLbl="alignAcc1" presStyleIdx="4" presStyleCnt="7" custLinFactNeighborX="0" custLinFactNeighborY="0">
@@ -1709,6 +1781,13 @@
         </dgm:presLayoutVars>
       </dgm:prSet>
       <dgm:spPr/>
+      <dgm:t>
+        <a:bodyPr/>
+        <a:lstStyle/>
+        <a:p>
+          <a:endParaRPr lang="en-US"/>
+        </a:p>
+      </dgm:t>
     </dgm:pt>
     <dgm:pt modelId="{ED586907-6347-424D-9F5D-820BBCC9644E}" type="pres">
       <dgm:prSet presAssocID="{C9C2E0CD-8572-4F1F-8DC9-561761F98666}" presName="sp" presStyleCnt="0"/>
@@ -1726,6 +1805,13 @@
         </dgm:presLayoutVars>
       </dgm:prSet>
       <dgm:spPr/>
+      <dgm:t>
+        <a:bodyPr/>
+        <a:lstStyle/>
+        <a:p>
+          <a:endParaRPr lang="en-US"/>
+        </a:p>
+      </dgm:t>
     </dgm:pt>
     <dgm:pt modelId="{FEFA7A05-F076-40C7-9B01-96941BBBB772}" type="pres">
       <dgm:prSet presAssocID="{FFA4FF39-5B15-4480-917D-C8B9E327D686}" presName="descendantText" presStyleLbl="alignAcc1" presStyleIdx="5" presStyleCnt="7" custLinFactNeighborX="0" custLinFactNeighborY="0">
@@ -1734,6 +1820,13 @@
         </dgm:presLayoutVars>
       </dgm:prSet>
       <dgm:spPr/>
+      <dgm:t>
+        <a:bodyPr/>
+        <a:lstStyle/>
+        <a:p>
+          <a:endParaRPr lang="en-US"/>
+        </a:p>
+      </dgm:t>
     </dgm:pt>
     <dgm:pt modelId="{55BC9B72-AC7F-477A-B300-1FAEDA6B5611}" type="pres">
       <dgm:prSet presAssocID="{80CE0B4F-B7E0-4E04-9249-59930F7FEB25}" presName="sp" presStyleCnt="0"/>
@@ -1751,6 +1844,13 @@
         </dgm:presLayoutVars>
       </dgm:prSet>
       <dgm:spPr/>
+      <dgm:t>
+        <a:bodyPr/>
+        <a:lstStyle/>
+        <a:p>
+          <a:endParaRPr lang="en-US"/>
+        </a:p>
+      </dgm:t>
     </dgm:pt>
     <dgm:pt modelId="{1B750526-8DBA-4FBF-B094-62CC5145921A}" type="pres">
       <dgm:prSet presAssocID="{1D441A2F-3D8D-4FAB-90F4-89B25ED96275}" presName="descendantText" presStyleLbl="alignAcc1" presStyleIdx="6" presStyleCnt="7">
@@ -1759,42 +1859,49 @@
         </dgm:presLayoutVars>
       </dgm:prSet>
       <dgm:spPr/>
+      <dgm:t>
+        <a:bodyPr/>
+        <a:lstStyle/>
+        <a:p>
+          <a:endParaRPr lang="en-US"/>
+        </a:p>
+      </dgm:t>
     </dgm:pt>
   </dgm:ptLst>
   <dgm:cxnLst>
+    <dgm:cxn modelId="{7811519F-C656-4C7F-9593-B4D677ED3B4C}" type="presOf" srcId="{D3ACA224-CCB0-4362-A72A-AD3B1518852D}" destId="{1D2B7855-7865-4717-BDEC-BA7D759A1775}" srcOrd="0" destOrd="0" presId="urn:microsoft.com/office/officeart/2005/8/layout/chevron2"/>
+    <dgm:cxn modelId="{EBAB85A5-37D1-4421-B959-DEC8479909F6}" srcId="{F0DC2C40-1A30-4E67-9200-2EE002B64F9C}" destId="{50E4F905-0867-4FC8-BA4C-11B2CB2538EF}" srcOrd="0" destOrd="0" parTransId="{4F0B07EA-85C9-422B-AC41-3F88C35D3CD8}" sibTransId="{841EF340-F10E-44D1-9CF5-C8328947C9C8}"/>
+    <dgm:cxn modelId="{5BDC126E-4EFC-425E-8251-059D38F30B2F}" srcId="{D3ACA224-CCB0-4362-A72A-AD3B1518852D}" destId="{1D441A2F-3D8D-4FAB-90F4-89B25ED96275}" srcOrd="6" destOrd="0" parTransId="{B9C37442-D0BD-4991-B088-6C2D5AFA1AF8}" sibTransId="{197795FD-1414-461B-87AF-1DD08EC81F04}"/>
+    <dgm:cxn modelId="{DB69831D-2C2E-4CD7-80E6-E54CD1602AF8}" type="presOf" srcId="{14090BA4-0AD6-43FE-AA0C-84A74498A43A}" destId="{C8306769-4303-48AF-815A-24E6186B11B1}" srcOrd="0" destOrd="0" presId="urn:microsoft.com/office/officeart/2005/8/layout/chevron2"/>
+    <dgm:cxn modelId="{DE2C73EB-A612-4715-A4D8-00B651B6D623}" srcId="{D3ACA224-CCB0-4362-A72A-AD3B1518852D}" destId="{14090BA4-0AD6-43FE-AA0C-84A74498A43A}" srcOrd="4" destOrd="0" parTransId="{C2A7EAE7-090D-4B05-9F4C-A1C6AAA7DD6B}" sibTransId="{C9C2E0CD-8572-4F1F-8DC9-561761F98666}"/>
+    <dgm:cxn modelId="{0E3A3D5F-46A2-4C66-803A-E0AA3AF30E76}" type="presOf" srcId="{63BDA745-D9DE-493B-B72F-F2E21B3B4007}" destId="{11CE23A6-ED7A-4FC0-8D3B-6745A4F47170}" srcOrd="0" destOrd="0" presId="urn:microsoft.com/office/officeart/2005/8/layout/chevron2"/>
+    <dgm:cxn modelId="{2B94A53F-2D70-4478-8E72-0679636F2038}" type="presOf" srcId="{1D441A2F-3D8D-4FAB-90F4-89B25ED96275}" destId="{B0D15E94-D5F8-48E4-B664-B8775A2D3EC2}" srcOrd="0" destOrd="0" presId="urn:microsoft.com/office/officeart/2005/8/layout/chevron2"/>
+    <dgm:cxn modelId="{67CE77A6-8718-4230-B31E-EE7D5363E11B}" srcId="{14090BA4-0AD6-43FE-AA0C-84A74498A43A}" destId="{42B1F57A-F084-4056-B31B-A2CDAB4EC97C}" srcOrd="0" destOrd="0" parTransId="{E3027C48-C745-42EA-831D-EE4E0FD864AC}" sibTransId="{79000544-582A-4672-8176-B012558D7767}"/>
+    <dgm:cxn modelId="{714AC458-DF80-475A-8B52-8D2C88335F9D}" srcId="{D3ACA224-CCB0-4362-A72A-AD3B1518852D}" destId="{90B81757-F72A-4E57-BEE2-097C679ACC8F}" srcOrd="0" destOrd="0" parTransId="{8028A4D9-D9D6-4C29-88F9-806982158AC9}" sibTransId="{A7244ED6-D82E-43C3-A9AF-E3F0661E7E9A}"/>
+    <dgm:cxn modelId="{A1BFEFD9-9DB5-4EAB-88A8-2C02E7B3384B}" type="presOf" srcId="{9871A614-1EEA-42F6-BC04-4A6D437249C0}" destId="{5EC66E7E-310B-4D46-B68B-03E4394E990F}" srcOrd="0" destOrd="1" presId="urn:microsoft.com/office/officeart/2005/8/layout/chevron2"/>
+    <dgm:cxn modelId="{29CD9BEF-3C89-47E8-BC9A-3DD4D6D18676}" type="presOf" srcId="{85C7206A-2695-49D7-B012-7F8E9759C6EA}" destId="{1B750526-8DBA-4FBF-B094-62CC5145921A}" srcOrd="0" destOrd="1" presId="urn:microsoft.com/office/officeart/2005/8/layout/chevron2"/>
+    <dgm:cxn modelId="{1C4D9DE4-A92D-40D1-9A71-B7EDD77D0FF4}" type="presOf" srcId="{24F2D8E2-1610-4D16-B8F6-7E122088FDB5}" destId="{1B750526-8DBA-4FBF-B094-62CC5145921A}" srcOrd="0" destOrd="0" presId="urn:microsoft.com/office/officeart/2005/8/layout/chevron2"/>
+    <dgm:cxn modelId="{7B0448E2-535F-459C-80F9-4ED7D9FF3BF5}" srcId="{D3ACA224-CCB0-4362-A72A-AD3B1518852D}" destId="{FFA4FF39-5B15-4480-917D-C8B9E327D686}" srcOrd="5" destOrd="0" parTransId="{3E1F36A6-7539-4ECA-BBA3-3C9E1BF71F18}" sibTransId="{80CE0B4F-B7E0-4E04-9249-59930F7FEB25}"/>
+    <dgm:cxn modelId="{C0201FB1-19AA-4857-AA5B-69B5EA93B93C}" srcId="{1D441A2F-3D8D-4FAB-90F4-89B25ED96275}" destId="{85C7206A-2695-49D7-B012-7F8E9759C6EA}" srcOrd="1" destOrd="0" parTransId="{AB3577CF-A896-4B78-A9C4-3649932DB529}" sibTransId="{DC7911F2-C843-431F-8CB5-2867331D937C}"/>
+    <dgm:cxn modelId="{C4981130-5724-49EB-BAFA-A5BCA80FF129}" srcId="{1D441A2F-3D8D-4FAB-90F4-89B25ED96275}" destId="{24F2D8E2-1610-4D16-B8F6-7E122088FDB5}" srcOrd="0" destOrd="0" parTransId="{B4712EC9-066A-4396-BC50-4AA177CDD9DC}" sibTransId="{A305B4D7-5822-4153-8E29-BD026F0C7A6F}"/>
     <dgm:cxn modelId="{03711104-5A60-4D9C-91EA-6AF3E311F9BE}" srcId="{D3ACA224-CCB0-4362-A72A-AD3B1518852D}" destId="{0BB608D9-5A71-4B69-8CE4-E407A5444030}" srcOrd="3" destOrd="0" parTransId="{45BFA4E5-D3FA-4590-9189-9B7E526B0F34}" sibTransId="{ED932E32-5241-4D1B-9E6D-805A468F2B2F}"/>
+    <dgm:cxn modelId="{B28D7B7B-3F09-4768-A396-B3695B018BC4}" type="presOf" srcId="{90B81757-F72A-4E57-BEE2-097C679ACC8F}" destId="{87977FD5-C5EB-4B1D-A7F8-89A163B04A1F}" srcOrd="0" destOrd="0" presId="urn:microsoft.com/office/officeart/2005/8/layout/chevron2"/>
+    <dgm:cxn modelId="{E367CCA0-194B-4D09-A555-BA19A8067783}" type="presOf" srcId="{2636222A-1F0C-44EF-9999-49C763DAEF30}" destId="{9C091BD7-0B8A-429F-9E26-EBEFCABEC360}" srcOrd="0" destOrd="0" presId="urn:microsoft.com/office/officeart/2005/8/layout/chevron2"/>
+    <dgm:cxn modelId="{6A460D9B-D527-4012-978D-97BC36A85965}" srcId="{90B81757-F72A-4E57-BEE2-097C679ACC8F}" destId="{2636222A-1F0C-44EF-9999-49C763DAEF30}" srcOrd="0" destOrd="0" parTransId="{872EF847-E97E-45F8-9CB5-E4E9528140C2}" sibTransId="{A32ECC9D-A05E-43B7-A823-C000CA586C7B}"/>
+    <dgm:cxn modelId="{8C87AA2C-A6EC-40F8-A30A-B66E32E7A79B}" type="presOf" srcId="{417F4790-9978-4955-91A3-FB1C1C9E4EE6}" destId="{FEFA7A05-F076-40C7-9B01-96941BBBB772}" srcOrd="0" destOrd="0" presId="urn:microsoft.com/office/officeart/2005/8/layout/chevron2"/>
+    <dgm:cxn modelId="{BE229EEB-7BA7-40EF-9CCA-01F7C2662EDC}" srcId="{D3ACA224-CCB0-4362-A72A-AD3B1518852D}" destId="{16524B13-18AB-4346-AB88-4154BE6D18E8}" srcOrd="1" destOrd="0" parTransId="{289206DD-4365-4418-8665-6301BBFEE80A}" sibTransId="{12A223D5-C7EF-466C-A1BE-D7FA4FE20F5F}"/>
+    <dgm:cxn modelId="{71B083FF-E8D1-4834-B55C-046E1AC0E7E1}" srcId="{16524B13-18AB-4346-AB88-4154BE6D18E8}" destId="{63BDA745-D9DE-493B-B72F-F2E21B3B4007}" srcOrd="0" destOrd="0" parTransId="{FDEABCD1-16F7-49EB-9AE8-B08B2DB7752E}" sibTransId="{CB20E41D-B675-4F0A-832B-7DF284B37C65}"/>
+    <dgm:cxn modelId="{F9626BEF-463C-4F64-BABB-C8E9C3D36B69}" srcId="{0BB608D9-5A71-4B69-8CE4-E407A5444030}" destId="{9871A614-1EEA-42F6-BC04-4A6D437249C0}" srcOrd="1" destOrd="0" parTransId="{C353483E-7DDB-475D-85BF-5390A22F1561}" sibTransId="{9666EF56-8FB4-4C3D-A347-723CB29FEAA3}"/>
+    <dgm:cxn modelId="{E1C58285-43B5-4DB6-BD30-936234E79EE7}" type="presOf" srcId="{BDD1532D-8FBE-40D6-99FA-B1C9B927B626}" destId="{5EC66E7E-310B-4D46-B68B-03E4394E990F}" srcOrd="0" destOrd="0" presId="urn:microsoft.com/office/officeart/2005/8/layout/chevron2"/>
+    <dgm:cxn modelId="{9E3FF6DA-9D60-440F-9F68-526D822C5C4A}" srcId="{D3ACA224-CCB0-4362-A72A-AD3B1518852D}" destId="{F0DC2C40-1A30-4E67-9200-2EE002B64F9C}" srcOrd="2" destOrd="0" parTransId="{82807521-F4D6-471E-96A3-CE2BDBC5F50E}" sibTransId="{BD3BD49F-D392-4FD1-8960-9C96D250983A}"/>
+    <dgm:cxn modelId="{8135507D-3C34-4D5E-9513-EFC6D9CA060C}" type="presOf" srcId="{50E4F905-0867-4FC8-BA4C-11B2CB2538EF}" destId="{1041BBDB-1B19-4D22-8E7C-41E0E21EEA29}" srcOrd="0" destOrd="0" presId="urn:microsoft.com/office/officeart/2005/8/layout/chevron2"/>
     <dgm:cxn modelId="{26DEF005-4742-4C6F-880E-92D3C0A20249}" type="presOf" srcId="{FFA4FF39-5B15-4480-917D-C8B9E327D686}" destId="{09C2A08C-9F7C-456F-93EA-62CCBB7E0342}" srcOrd="0" destOrd="0" presId="urn:microsoft.com/office/officeart/2005/8/layout/chevron2"/>
-    <dgm:cxn modelId="{DB69831D-2C2E-4CD7-80E6-E54CD1602AF8}" type="presOf" srcId="{14090BA4-0AD6-43FE-AA0C-84A74498A43A}" destId="{C8306769-4303-48AF-815A-24E6186B11B1}" srcOrd="0" destOrd="0" presId="urn:microsoft.com/office/officeart/2005/8/layout/chevron2"/>
-    <dgm:cxn modelId="{8C87AA2C-A6EC-40F8-A30A-B66E32E7A79B}" type="presOf" srcId="{417F4790-9978-4955-91A3-FB1C1C9E4EE6}" destId="{FEFA7A05-F076-40C7-9B01-96941BBBB772}" srcOrd="0" destOrd="0" presId="urn:microsoft.com/office/officeart/2005/8/layout/chevron2"/>
-    <dgm:cxn modelId="{C4981130-5724-49EB-BAFA-A5BCA80FF129}" srcId="{1D441A2F-3D8D-4FAB-90F4-89B25ED96275}" destId="{24F2D8E2-1610-4D16-B8F6-7E122088FDB5}" srcOrd="0" destOrd="0" parTransId="{B4712EC9-066A-4396-BC50-4AA177CDD9DC}" sibTransId="{A305B4D7-5822-4153-8E29-BD026F0C7A6F}"/>
+    <dgm:cxn modelId="{FA4A4D84-2397-4D91-8EBD-1B856F0FBADF}" type="presOf" srcId="{42B1F57A-F084-4056-B31B-A2CDAB4EC97C}" destId="{42AF0750-A695-41F6-A24D-696F96B659EF}" srcOrd="0" destOrd="0" presId="urn:microsoft.com/office/officeart/2005/8/layout/chevron2"/>
+    <dgm:cxn modelId="{295D05F3-8B73-4AD1-875C-10C8A7C8F84E}" srcId="{FFA4FF39-5B15-4480-917D-C8B9E327D686}" destId="{417F4790-9978-4955-91A3-FB1C1C9E4EE6}" srcOrd="0" destOrd="0" parTransId="{92EABD23-F739-47B6-B266-4971166FA14E}" sibTransId="{FA27405A-89DA-4AA2-9FB9-61F03F7F821C}"/>
+    <dgm:cxn modelId="{0DAA3853-7E21-488E-BA64-E075A70C33F3}" type="presOf" srcId="{0BB608D9-5A71-4B69-8CE4-E407A5444030}" destId="{A5B56CFB-48B4-422F-B3D8-619CDC977282}" srcOrd="0" destOrd="0" presId="urn:microsoft.com/office/officeart/2005/8/layout/chevron2"/>
+    <dgm:cxn modelId="{974E00A0-2852-4661-B100-EBCAE66E4888}" srcId="{0BB608D9-5A71-4B69-8CE4-E407A5444030}" destId="{BDD1532D-8FBE-40D6-99FA-B1C9B927B626}" srcOrd="0" destOrd="0" parTransId="{057BE69A-F795-4A2B-B3A3-E6956E9C05B5}" sibTransId="{03059672-4EF5-444D-A9AB-2B5DA9C24C03}"/>
     <dgm:cxn modelId="{39342538-6D21-4335-8CDB-DC8EBC993932}" type="presOf" srcId="{16524B13-18AB-4346-AB88-4154BE6D18E8}" destId="{ED74D17C-4C38-4B19-A32C-83584370BC8D}" srcOrd="0" destOrd="0" presId="urn:microsoft.com/office/officeart/2005/8/layout/chevron2"/>
-    <dgm:cxn modelId="{2B94A53F-2D70-4478-8E72-0679636F2038}" type="presOf" srcId="{1D441A2F-3D8D-4FAB-90F4-89B25ED96275}" destId="{B0D15E94-D5F8-48E4-B664-B8775A2D3EC2}" srcOrd="0" destOrd="0" presId="urn:microsoft.com/office/officeart/2005/8/layout/chevron2"/>
-    <dgm:cxn modelId="{0E3A3D5F-46A2-4C66-803A-E0AA3AF30E76}" type="presOf" srcId="{63BDA745-D9DE-493B-B72F-F2E21B3B4007}" destId="{11CE23A6-ED7A-4FC0-8D3B-6745A4F47170}" srcOrd="0" destOrd="0" presId="urn:microsoft.com/office/officeart/2005/8/layout/chevron2"/>
     <dgm:cxn modelId="{5DC39642-A87E-4D57-ABCB-892419757974}" type="presOf" srcId="{F0DC2C40-1A30-4E67-9200-2EE002B64F9C}" destId="{DCAE814F-1F3C-41E3-9CD9-3C0CFA9A3D93}" srcOrd="0" destOrd="0" presId="urn:microsoft.com/office/officeart/2005/8/layout/chevron2"/>
-    <dgm:cxn modelId="{5BDC126E-4EFC-425E-8251-059D38F30B2F}" srcId="{D3ACA224-CCB0-4362-A72A-AD3B1518852D}" destId="{1D441A2F-3D8D-4FAB-90F4-89B25ED96275}" srcOrd="6" destOrd="0" parTransId="{B9C37442-D0BD-4991-B088-6C2D5AFA1AF8}" sibTransId="{197795FD-1414-461B-87AF-1DD08EC81F04}"/>
-    <dgm:cxn modelId="{0DAA3853-7E21-488E-BA64-E075A70C33F3}" type="presOf" srcId="{0BB608D9-5A71-4B69-8CE4-E407A5444030}" destId="{A5B56CFB-48B4-422F-B3D8-619CDC977282}" srcOrd="0" destOrd="0" presId="urn:microsoft.com/office/officeart/2005/8/layout/chevron2"/>
-    <dgm:cxn modelId="{714AC458-DF80-475A-8B52-8D2C88335F9D}" srcId="{D3ACA224-CCB0-4362-A72A-AD3B1518852D}" destId="{90B81757-F72A-4E57-BEE2-097C679ACC8F}" srcOrd="0" destOrd="0" parTransId="{8028A4D9-D9D6-4C29-88F9-806982158AC9}" sibTransId="{A7244ED6-D82E-43C3-A9AF-E3F0661E7E9A}"/>
-    <dgm:cxn modelId="{B28D7B7B-3F09-4768-A396-B3695B018BC4}" type="presOf" srcId="{90B81757-F72A-4E57-BEE2-097C679ACC8F}" destId="{87977FD5-C5EB-4B1D-A7F8-89A163B04A1F}" srcOrd="0" destOrd="0" presId="urn:microsoft.com/office/officeart/2005/8/layout/chevron2"/>
-    <dgm:cxn modelId="{8135507D-3C34-4D5E-9513-EFC6D9CA060C}" type="presOf" srcId="{50E4F905-0867-4FC8-BA4C-11B2CB2538EF}" destId="{1041BBDB-1B19-4D22-8E7C-41E0E21EEA29}" srcOrd="0" destOrd="0" presId="urn:microsoft.com/office/officeart/2005/8/layout/chevron2"/>
-    <dgm:cxn modelId="{FA4A4D84-2397-4D91-8EBD-1B856F0FBADF}" type="presOf" srcId="{42B1F57A-F084-4056-B31B-A2CDAB4EC97C}" destId="{42AF0750-A695-41F6-A24D-696F96B659EF}" srcOrd="0" destOrd="0" presId="urn:microsoft.com/office/officeart/2005/8/layout/chevron2"/>
-    <dgm:cxn modelId="{E1C58285-43B5-4DB6-BD30-936234E79EE7}" type="presOf" srcId="{BDD1532D-8FBE-40D6-99FA-B1C9B927B626}" destId="{5EC66E7E-310B-4D46-B68B-03E4394E990F}" srcOrd="0" destOrd="0" presId="urn:microsoft.com/office/officeart/2005/8/layout/chevron2"/>
-    <dgm:cxn modelId="{6A460D9B-D527-4012-978D-97BC36A85965}" srcId="{90B81757-F72A-4E57-BEE2-097C679ACC8F}" destId="{2636222A-1F0C-44EF-9999-49C763DAEF30}" srcOrd="0" destOrd="0" parTransId="{872EF847-E97E-45F8-9CB5-E4E9528140C2}" sibTransId="{A32ECC9D-A05E-43B7-A823-C000CA586C7B}"/>
-    <dgm:cxn modelId="{7811519F-C656-4C7F-9593-B4D677ED3B4C}" type="presOf" srcId="{D3ACA224-CCB0-4362-A72A-AD3B1518852D}" destId="{1D2B7855-7865-4717-BDEC-BA7D759A1775}" srcOrd="0" destOrd="0" presId="urn:microsoft.com/office/officeart/2005/8/layout/chevron2"/>
-    <dgm:cxn modelId="{974E00A0-2852-4661-B100-EBCAE66E4888}" srcId="{0BB608D9-5A71-4B69-8CE4-E407A5444030}" destId="{BDD1532D-8FBE-40D6-99FA-B1C9B927B626}" srcOrd="0" destOrd="0" parTransId="{057BE69A-F795-4A2B-B3A3-E6956E9C05B5}" sibTransId="{03059672-4EF5-444D-A9AB-2B5DA9C24C03}"/>
-    <dgm:cxn modelId="{E367CCA0-194B-4D09-A555-BA19A8067783}" type="presOf" srcId="{2636222A-1F0C-44EF-9999-49C763DAEF30}" destId="{9C091BD7-0B8A-429F-9E26-EBEFCABEC360}" srcOrd="0" destOrd="0" presId="urn:microsoft.com/office/officeart/2005/8/layout/chevron2"/>
-    <dgm:cxn modelId="{EBAB85A5-37D1-4421-B959-DEC8479909F6}" srcId="{F0DC2C40-1A30-4E67-9200-2EE002B64F9C}" destId="{50E4F905-0867-4FC8-BA4C-11B2CB2538EF}" srcOrd="0" destOrd="0" parTransId="{4F0B07EA-85C9-422B-AC41-3F88C35D3CD8}" sibTransId="{841EF340-F10E-44D1-9CF5-C8328947C9C8}"/>
-    <dgm:cxn modelId="{67CE77A6-8718-4230-B31E-EE7D5363E11B}" srcId="{14090BA4-0AD6-43FE-AA0C-84A74498A43A}" destId="{42B1F57A-F084-4056-B31B-A2CDAB4EC97C}" srcOrd="0" destOrd="0" parTransId="{E3027C48-C745-42EA-831D-EE4E0FD864AC}" sibTransId="{79000544-582A-4672-8176-B012558D7767}"/>
-    <dgm:cxn modelId="{C0201FB1-19AA-4857-AA5B-69B5EA93B93C}" srcId="{1D441A2F-3D8D-4FAB-90F4-89B25ED96275}" destId="{85C7206A-2695-49D7-B012-7F8E9759C6EA}" srcOrd="1" destOrd="0" parTransId="{AB3577CF-A896-4B78-A9C4-3649932DB529}" sibTransId="{DC7911F2-C843-431F-8CB5-2867331D937C}"/>
-    <dgm:cxn modelId="{A1BFEFD9-9DB5-4EAB-88A8-2C02E7B3384B}" type="presOf" srcId="{9871A614-1EEA-42F6-BC04-4A6D437249C0}" destId="{5EC66E7E-310B-4D46-B68B-03E4394E990F}" srcOrd="0" destOrd="1" presId="urn:microsoft.com/office/officeart/2005/8/layout/chevron2"/>
-    <dgm:cxn modelId="{9E3FF6DA-9D60-440F-9F68-526D822C5C4A}" srcId="{D3ACA224-CCB0-4362-A72A-AD3B1518852D}" destId="{F0DC2C40-1A30-4E67-9200-2EE002B64F9C}" srcOrd="2" destOrd="0" parTransId="{82807521-F4D6-471E-96A3-CE2BDBC5F50E}" sibTransId="{BD3BD49F-D392-4FD1-8960-9C96D250983A}"/>
-    <dgm:cxn modelId="{7B0448E2-535F-459C-80F9-4ED7D9FF3BF5}" srcId="{D3ACA224-CCB0-4362-A72A-AD3B1518852D}" destId="{FFA4FF39-5B15-4480-917D-C8B9E327D686}" srcOrd="5" destOrd="0" parTransId="{3E1F36A6-7539-4ECA-BBA3-3C9E1BF71F18}" sibTransId="{80CE0B4F-B7E0-4E04-9249-59930F7FEB25}"/>
-    <dgm:cxn modelId="{1C4D9DE4-A92D-40D1-9A71-B7EDD77D0FF4}" type="presOf" srcId="{24F2D8E2-1610-4D16-B8F6-7E122088FDB5}" destId="{1B750526-8DBA-4FBF-B094-62CC5145921A}" srcOrd="0" destOrd="0" presId="urn:microsoft.com/office/officeart/2005/8/layout/chevron2"/>
-    <dgm:cxn modelId="{DE2C73EB-A612-4715-A4D8-00B651B6D623}" srcId="{D3ACA224-CCB0-4362-A72A-AD3B1518852D}" destId="{14090BA4-0AD6-43FE-AA0C-84A74498A43A}" srcOrd="4" destOrd="0" parTransId="{C2A7EAE7-090D-4B05-9F4C-A1C6AAA7DD6B}" sibTransId="{C9C2E0CD-8572-4F1F-8DC9-561761F98666}"/>
-    <dgm:cxn modelId="{BE229EEB-7BA7-40EF-9CCA-01F7C2662EDC}" srcId="{D3ACA224-CCB0-4362-A72A-AD3B1518852D}" destId="{16524B13-18AB-4346-AB88-4154BE6D18E8}" srcOrd="1" destOrd="0" parTransId="{289206DD-4365-4418-8665-6301BBFEE80A}" sibTransId="{12A223D5-C7EF-466C-A1BE-D7FA4FE20F5F}"/>
-    <dgm:cxn modelId="{F9626BEF-463C-4F64-BABB-C8E9C3D36B69}" srcId="{0BB608D9-5A71-4B69-8CE4-E407A5444030}" destId="{9871A614-1EEA-42F6-BC04-4A6D437249C0}" srcOrd="1" destOrd="0" parTransId="{C353483E-7DDB-475D-85BF-5390A22F1561}" sibTransId="{9666EF56-8FB4-4C3D-A347-723CB29FEAA3}"/>
-    <dgm:cxn modelId="{29CD9BEF-3C89-47E8-BC9A-3DD4D6D18676}" type="presOf" srcId="{85C7206A-2695-49D7-B012-7F8E9759C6EA}" destId="{1B750526-8DBA-4FBF-B094-62CC5145921A}" srcOrd="0" destOrd="1" presId="urn:microsoft.com/office/officeart/2005/8/layout/chevron2"/>
-    <dgm:cxn modelId="{295D05F3-8B73-4AD1-875C-10C8A7C8F84E}" srcId="{FFA4FF39-5B15-4480-917D-C8B9E327D686}" destId="{417F4790-9978-4955-91A3-FB1C1C9E4EE6}" srcOrd="0" destOrd="0" parTransId="{92EABD23-F739-47B6-B266-4971166FA14E}" sibTransId="{FA27405A-89DA-4AA2-9FB9-61F03F7F821C}"/>
-    <dgm:cxn modelId="{71B083FF-E8D1-4834-B55C-046E1AC0E7E1}" srcId="{16524B13-18AB-4346-AB88-4154BE6D18E8}" destId="{63BDA745-D9DE-493B-B72F-F2E21B3B4007}" srcOrd="0" destOrd="0" parTransId="{FDEABCD1-16F7-49EB-9AE8-B08B2DB7752E}" sibTransId="{CB20E41D-B675-4F0A-832B-7DF284B37C65}"/>
     <dgm:cxn modelId="{529B00DB-13B8-44DE-B7DA-0E4AC1C1497B}" type="presParOf" srcId="{1D2B7855-7865-4717-BDEC-BA7D759A1775}" destId="{1436BD30-04DA-4637-B2C2-19DEEE7A3456}" srcOrd="0" destOrd="0" presId="urn:microsoft.com/office/officeart/2005/8/layout/chevron2"/>
     <dgm:cxn modelId="{4B42B810-45E7-4D6F-975F-C4045C3F6EBF}" type="presParOf" srcId="{1436BD30-04DA-4637-B2C2-19DEEE7A3456}" destId="{87977FD5-C5EB-4B1D-A7F8-89A163B04A1F}" srcOrd="0" destOrd="0" presId="urn:microsoft.com/office/officeart/2005/8/layout/chevron2"/>
     <dgm:cxn modelId="{BFD673FF-2E32-4802-A35E-E61D8CBA1746}" type="presParOf" srcId="{1436BD30-04DA-4637-B2C2-19DEEE7A3456}" destId="{9C091BD7-0B8A-429F-9E26-EBEFCABEC360}" srcOrd="1" destOrd="0" presId="urn:microsoft.com/office/officeart/2005/8/layout/chevron2"/>
@@ -1896,7 +2003,7 @@
         </a:bodyPr>
         <a:lstStyle/>
         <a:p>
-          <a:pPr marL="0" lvl="0" indent="0" algn="ctr" defTabSz="444500">
+          <a:pPr lvl="0" algn="ctr" defTabSz="444500">
             <a:lnSpc>
               <a:spcPct val="90000"/>
             </a:lnSpc>
@@ -1906,13 +2013,12 @@
             <a:spcAft>
               <a:spcPct val="35000"/>
             </a:spcAft>
-            <a:buNone/>
           </a:pPr>
           <a:r>
             <a:rPr lang="de-DE" sz="1000" kern="1200" dirty="0"/>
             <a:t>Week 1</a:t>
           </a:r>
-          <a:endParaRPr lang="en-DE" sz="1000" kern="1200" dirty="0"/>
+          <a:endParaRPr lang="x-none" sz="1000" kern="1200" dirty="0"/>
         </a:p>
       </dsp:txBody>
       <dsp:txXfrm rot="-5400000">
@@ -1984,7 +2090,7 @@
             <a:spcAft>
               <a:spcPct val="15000"/>
             </a:spcAft>
-            <a:buChar char="•"/>
+            <a:buChar char="••"/>
           </a:pPr>
           <a:r>
             <a:rPr lang="de-DE" sz="1200" kern="1200" dirty="0"/>
@@ -2010,7 +2116,7 @@
             <a:rPr lang="de-DE" sz="1200" kern="1200" dirty="0" err="1"/>
             <a:t>diagram</a:t>
           </a:r>
-          <a:endParaRPr lang="en-DE" sz="1200" kern="1200" dirty="0"/>
+          <a:endParaRPr lang="x-none" sz="1200" kern="1200" dirty="0"/>
         </a:p>
       </dsp:txBody>
       <dsp:txXfrm rot="-5400000">
@@ -2073,7 +2179,7 @@
         </a:bodyPr>
         <a:lstStyle/>
         <a:p>
-          <a:pPr marL="0" lvl="0" indent="0" algn="ctr" defTabSz="444500">
+          <a:pPr lvl="0" algn="ctr" defTabSz="444500">
             <a:lnSpc>
               <a:spcPct val="90000"/>
             </a:lnSpc>
@@ -2083,13 +2189,12 @@
             <a:spcAft>
               <a:spcPct val="35000"/>
             </a:spcAft>
-            <a:buNone/>
           </a:pPr>
           <a:r>
             <a:rPr lang="de-DE" sz="1000" kern="1200" dirty="0"/>
             <a:t>Week 2</a:t>
           </a:r>
-          <a:endParaRPr lang="en-DE" sz="1000" kern="1200" dirty="0"/>
+          <a:endParaRPr lang="x-none" sz="1000" kern="1200" dirty="0"/>
         </a:p>
       </dsp:txBody>
       <dsp:txXfrm rot="-5400000">
@@ -2161,7 +2266,7 @@
             <a:spcAft>
               <a:spcPct val="15000"/>
             </a:spcAft>
-            <a:buChar char="•"/>
+            <a:buChar char="••"/>
           </a:pPr>
           <a:r>
             <a:rPr lang="de-DE" sz="1200" kern="1200" dirty="0"/>
@@ -2171,7 +2276,7 @@
             <a:rPr lang="de-DE" sz="1200" kern="1200" dirty="0" err="1"/>
             <a:t>components</a:t>
           </a:r>
-          <a:endParaRPr lang="en-DE" sz="1200" kern="1200" dirty="0"/>
+          <a:endParaRPr lang="x-none" sz="1200" kern="1200" dirty="0"/>
         </a:p>
       </dsp:txBody>
       <dsp:txXfrm rot="-5400000">
@@ -2234,7 +2339,7 @@
         </a:bodyPr>
         <a:lstStyle/>
         <a:p>
-          <a:pPr marL="0" lvl="0" indent="0" algn="ctr" defTabSz="444500">
+          <a:pPr lvl="0" algn="ctr" defTabSz="444500">
             <a:lnSpc>
               <a:spcPct val="90000"/>
             </a:lnSpc>
@@ -2244,13 +2349,12 @@
             <a:spcAft>
               <a:spcPct val="35000"/>
             </a:spcAft>
-            <a:buNone/>
           </a:pPr>
           <a:r>
             <a:rPr lang="de-DE" sz="1000" kern="1200" dirty="0"/>
             <a:t>Week 3</a:t>
           </a:r>
-          <a:endParaRPr lang="en-DE" sz="1000" kern="1200" dirty="0"/>
+          <a:endParaRPr lang="x-none" sz="1000" kern="1200" dirty="0"/>
         </a:p>
       </dsp:txBody>
       <dsp:txXfrm rot="-5400000">
@@ -2322,7 +2426,7 @@
             <a:spcAft>
               <a:spcPct val="15000"/>
             </a:spcAft>
-            <a:buChar char="•"/>
+            <a:buChar char="••"/>
           </a:pPr>
           <a:r>
             <a:rPr lang="de-DE" sz="1200" kern="1200" dirty="0"/>
@@ -2332,7 +2436,7 @@
             <a:rPr lang="de-DE" sz="1200" kern="1200" dirty="0" err="1"/>
             <a:t>Script</a:t>
           </a:r>
-          <a:endParaRPr lang="en-DE" sz="1200" kern="1200" dirty="0"/>
+          <a:endParaRPr lang="x-none" sz="1200" kern="1200" dirty="0"/>
         </a:p>
       </dsp:txBody>
       <dsp:txXfrm rot="-5400000">
@@ -2395,7 +2499,7 @@
         </a:bodyPr>
         <a:lstStyle/>
         <a:p>
-          <a:pPr marL="0" lvl="0" indent="0" algn="ctr" defTabSz="444500">
+          <a:pPr lvl="0" algn="ctr" defTabSz="444500">
             <a:lnSpc>
               <a:spcPct val="90000"/>
             </a:lnSpc>
@@ -2405,13 +2509,12 @@
             <a:spcAft>
               <a:spcPct val="35000"/>
             </a:spcAft>
-            <a:buNone/>
           </a:pPr>
           <a:r>
             <a:rPr lang="de-DE" sz="1000" kern="1200" dirty="0"/>
             <a:t>Week 4</a:t>
           </a:r>
-          <a:endParaRPr lang="en-DE" sz="1000" kern="1200" dirty="0"/>
+          <a:endParaRPr lang="x-none" sz="1000" kern="1200" dirty="0"/>
         </a:p>
       </dsp:txBody>
       <dsp:txXfrm rot="-5400000">
@@ -2483,13 +2586,13 @@
             <a:spcAft>
               <a:spcPct val="15000"/>
             </a:spcAft>
-            <a:buChar char="•"/>
+            <a:buChar char="••"/>
           </a:pPr>
           <a:r>
             <a:rPr lang="de-DE" sz="1200" kern="1200" dirty="0"/>
             <a:t>Problems, Questions</a:t>
           </a:r>
-          <a:endParaRPr lang="en-DE" sz="1200" kern="1200" dirty="0"/>
+          <a:endParaRPr lang="x-none" sz="1200" kern="1200" dirty="0"/>
         </a:p>
         <a:p>
           <a:pPr marL="114300" lvl="1" indent="-114300" algn="l" defTabSz="533400">
@@ -2502,7 +2605,7 @@
             <a:spcAft>
               <a:spcPct val="15000"/>
             </a:spcAft>
-            <a:buChar char="•"/>
+            <a:buChar char="••"/>
           </a:pPr>
           <a:r>
             <a:rPr lang="de-DE" sz="1200" kern="1200" dirty="0" err="1"/>
@@ -2516,7 +2619,7 @@
             <a:rPr lang="de-DE" sz="1200" kern="1200" dirty="0" err="1"/>
             <a:t>presentation</a:t>
           </a:r>
-          <a:endParaRPr lang="en-DE" sz="1200" kern="1200" dirty="0"/>
+          <a:endParaRPr lang="x-none" sz="1200" kern="1200" dirty="0"/>
         </a:p>
       </dsp:txBody>
       <dsp:txXfrm rot="-5400000">
@@ -2579,7 +2682,7 @@
         </a:bodyPr>
         <a:lstStyle/>
         <a:p>
-          <a:pPr marL="0" lvl="0" indent="0" algn="ctr" defTabSz="444500">
+          <a:pPr lvl="0" algn="ctr" defTabSz="444500">
             <a:lnSpc>
               <a:spcPct val="90000"/>
             </a:lnSpc>
@@ -2589,13 +2692,12 @@
             <a:spcAft>
               <a:spcPct val="35000"/>
             </a:spcAft>
-            <a:buNone/>
           </a:pPr>
           <a:r>
             <a:rPr lang="de-DE" sz="1000" kern="1200" dirty="0"/>
             <a:t>Week 5</a:t>
           </a:r>
-          <a:endParaRPr lang="en-DE" sz="1000" kern="1200" dirty="0"/>
+          <a:endParaRPr lang="x-none" sz="1000" kern="1200" dirty="0"/>
         </a:p>
       </dsp:txBody>
       <dsp:txXfrm rot="-5400000">
@@ -2667,7 +2769,7 @@
             <a:spcAft>
               <a:spcPct val="15000"/>
             </a:spcAft>
-            <a:buChar char="•"/>
+            <a:buChar char="••"/>
           </a:pPr>
           <a:r>
             <a:rPr lang="de-DE" sz="1200" kern="1200" dirty="0">
@@ -2701,7 +2803,7 @@
             <a:rPr lang="de-DE" sz="1200" kern="1200" dirty="0" err="1"/>
             <a:t>presentation</a:t>
           </a:r>
-          <a:endParaRPr lang="en-DE" sz="1200" kern="1200" dirty="0"/>
+          <a:endParaRPr lang="x-none" sz="1200" kern="1200" dirty="0"/>
         </a:p>
       </dsp:txBody>
       <dsp:txXfrm rot="-5400000">
@@ -2764,7 +2866,7 @@
         </a:bodyPr>
         <a:lstStyle/>
         <a:p>
-          <a:pPr marL="0" lvl="0" indent="0" algn="ctr" defTabSz="444500">
+          <a:pPr lvl="0" algn="ctr" defTabSz="444500">
             <a:lnSpc>
               <a:spcPct val="90000"/>
             </a:lnSpc>
@@ -2774,13 +2876,12 @@
             <a:spcAft>
               <a:spcPct val="35000"/>
             </a:spcAft>
-            <a:buNone/>
           </a:pPr>
           <a:r>
             <a:rPr lang="de-DE" sz="1000" kern="1200" dirty="0"/>
             <a:t>Week 6</a:t>
           </a:r>
-          <a:endParaRPr lang="en-DE" sz="1000" kern="1200" dirty="0"/>
+          <a:endParaRPr lang="x-none" sz="1000" kern="1200" dirty="0"/>
         </a:p>
       </dsp:txBody>
       <dsp:txXfrm rot="-5400000">
@@ -2852,13 +2953,13 @@
             <a:spcAft>
               <a:spcPct val="15000"/>
             </a:spcAft>
-            <a:buChar char="•"/>
+            <a:buChar char="••"/>
           </a:pPr>
           <a:r>
             <a:rPr lang="de-DE" sz="1200" kern="1200" dirty="0"/>
             <a:t>Finish code + Readme</a:t>
           </a:r>
-          <a:endParaRPr lang="en-DE" sz="1200" kern="1200" dirty="0"/>
+          <a:endParaRPr lang="x-none" sz="1200" kern="1200" dirty="0"/>
         </a:p>
       </dsp:txBody>
       <dsp:txXfrm rot="-5400000">
@@ -2921,7 +3022,7 @@
         </a:bodyPr>
         <a:lstStyle/>
         <a:p>
-          <a:pPr marL="0" lvl="0" indent="0" algn="ctr" defTabSz="444500">
+          <a:pPr lvl="0" algn="ctr" defTabSz="444500">
             <a:lnSpc>
               <a:spcPct val="90000"/>
             </a:lnSpc>
@@ -2931,13 +3032,12 @@
             <a:spcAft>
               <a:spcPct val="35000"/>
             </a:spcAft>
-            <a:buNone/>
           </a:pPr>
           <a:r>
             <a:rPr lang="de-DE" sz="1000" kern="1200" dirty="0"/>
             <a:t>Week 7</a:t>
           </a:r>
-          <a:endParaRPr lang="en-DE" sz="1000" kern="1200" dirty="0"/>
+          <a:endParaRPr lang="x-none" sz="1000" kern="1200" dirty="0"/>
         </a:p>
       </dsp:txBody>
       <dsp:txXfrm rot="-5400000">
@@ -3009,7 +3109,7 @@
             <a:spcAft>
               <a:spcPct val="15000"/>
             </a:spcAft>
-            <a:buChar char="•"/>
+            <a:buChar char="••"/>
           </a:pPr>
           <a:r>
             <a:rPr lang="de-DE" sz="1200" kern="1200" dirty="0"/>
@@ -3031,7 +3131,7 @@
             <a:rPr lang="de-DE" sz="1200" kern="1200" dirty="0"/>
             <a:t> code </a:t>
           </a:r>
-          <a:endParaRPr lang="en-DE" sz="1200" kern="1200" dirty="0"/>
+          <a:endParaRPr lang="x-none" sz="1200" kern="1200" dirty="0"/>
         </a:p>
         <a:p>
           <a:pPr marL="114300" lvl="1" indent="-114300" algn="l" defTabSz="533400">
@@ -3044,7 +3144,7 @@
             <a:spcAft>
               <a:spcPct val="15000"/>
             </a:spcAft>
-            <a:buChar char="•"/>
+            <a:buChar char="••"/>
           </a:pPr>
           <a:r>
             <a:rPr lang="de-DE" sz="1200" kern="1200" dirty="0">
@@ -3058,7 +3158,7 @@
             <a:rPr lang="de-DE" sz="1200" kern="1200" dirty="0"/>
             <a:t>: Deadline</a:t>
           </a:r>
-          <a:endParaRPr lang="en-DE" sz="1200" kern="1200" dirty="0"/>
+          <a:endParaRPr lang="x-none" sz="1200" kern="1200" dirty="0"/>
         </a:p>
       </dsp:txBody>
       <dsp:txXfrm rot="-5400000">
@@ -4446,7 +4546,7 @@
             <a:pPr algn="l"/>
             <a:fld id="{5ED5F780-471C-4CCE-BB88-8634FF48E50C}" type="datetime1">
               <a:rPr lang="de-DE" sz="800" smtClean="0"/>
-              <a:t>04.01.2021</a:t>
+              <a:t>05.01.2021</a:t>
             </a:fld>
             <a:endParaRPr lang="en-US" sz="800"/>
           </a:p>
@@ -4534,7 +4634,7 @@
   <p:hf/>
   <p:extLst>
     <p:ext uri="{56416CCD-93CA-4268-BC5B-53C4BB910035}">
-      <p15:sldGuideLst xmlns:p15="http://schemas.microsoft.com/office/powerpoint/2012/main">
+      <p15:sldGuideLst xmlns:p15="http://schemas.microsoft.com/office/powerpoint/2012/main" xmlns="">
         <p15:guide id="1" orient="horz" pos="2880" userDrawn="1">
           <p15:clr>
             <a:srgbClr val="F26B43"/>
@@ -4641,7 +4741,7 @@
           <a:p>
             <a:fld id="{C284191B-A352-458B-81F0-1FA2149F7941}" type="datetime1">
               <a:rPr lang="de-DE" smtClean="0"/>
-              <a:t>04.01.2021</a:t>
+              <a:t>05.01.2021</a:t>
             </a:fld>
             <a:endParaRPr lang="en-US"/>
           </a:p>
@@ -4942,7 +5042,7 @@
   </p:notesStyle>
   <p:extLst>
     <p:ext uri="{620B2872-D7B9-4A21-9093-7833F8D536E1}">
-      <p15:sldGuideLst xmlns:p15="http://schemas.microsoft.com/office/powerpoint/2012/main">
+      <p15:sldGuideLst xmlns:p15="http://schemas.microsoft.com/office/powerpoint/2012/main" xmlns="">
         <p15:guide id="1" orient="horz" pos="2880" userDrawn="1">
           <p15:clr>
             <a:srgbClr val="F26B43"/>
@@ -5008,7 +5108,7 @@
           <a:bodyPr/>
           <a:lstStyle/>
           <a:p>
-            <a:endParaRPr lang="en-DE" dirty="0"/>
+            <a:endParaRPr lang="x-none" dirty="0"/>
           </a:p>
         </p:txBody>
       </p:sp>
@@ -5051,7 +5151,7 @@
           <a:p>
             <a:fld id="{C284191B-A352-458B-81F0-1FA2149F7941}" type="datetime1">
               <a:rPr lang="de-DE" smtClean="0"/>
-              <a:t>04.01.2021</a:t>
+              <a:t>05.01.2021</a:t>
             </a:fld>
             <a:endParaRPr lang="en-US"/>
           </a:p>
@@ -5161,7 +5261,7 @@
           <a:bodyPr/>
           <a:lstStyle/>
           <a:p>
-            <a:endParaRPr lang="en-DE" dirty="0"/>
+            <a:endParaRPr lang="x-none" dirty="0"/>
           </a:p>
         </p:txBody>
       </p:sp>
@@ -5204,7 +5304,7 @@
           <a:p>
             <a:fld id="{C284191B-A352-458B-81F0-1FA2149F7941}" type="datetime1">
               <a:rPr lang="de-DE" smtClean="0"/>
-              <a:t>04.01.2021</a:t>
+              <a:t>05.01.2021</a:t>
             </a:fld>
             <a:endParaRPr lang="en-US"/>
           </a:p>
@@ -5251,7 +5351,7 @@
             <a:fld id="{05DD1DF0-DD4E-4B0C-B0FD-D16D9D2A9750}" type="slidenum">
               <a:rPr lang="en-US" smtClean="0"/>
               <a:pPr/>
-              <a:t>4</a:t>
+              <a:t>5</a:t>
             </a:fld>
             <a:endParaRPr lang="en-US" dirty="0"/>
           </a:p>
@@ -5314,7 +5414,7 @@
           <a:bodyPr/>
           <a:lstStyle/>
           <a:p>
-            <a:endParaRPr lang="en-DE" dirty="0"/>
+            <a:endParaRPr lang="x-none" dirty="0"/>
           </a:p>
         </p:txBody>
       </p:sp>
@@ -5357,7 +5457,7 @@
           <a:p>
             <a:fld id="{C284191B-A352-458B-81F0-1FA2149F7941}" type="datetime1">
               <a:rPr lang="de-DE" smtClean="0"/>
-              <a:t>04.01.2021</a:t>
+              <a:t>05.01.2021</a:t>
             </a:fld>
             <a:endParaRPr lang="en-US"/>
           </a:p>
@@ -5404,7 +5504,7 @@
             <a:fld id="{05DD1DF0-DD4E-4B0C-B0FD-D16D9D2A9750}" type="slidenum">
               <a:rPr lang="en-US" smtClean="0"/>
               <a:pPr/>
-              <a:t>5</a:t>
+              <a:t>6</a:t>
             </a:fld>
             <a:endParaRPr lang="en-US" dirty="0"/>
           </a:p>
@@ -5445,10 +5545,10 @@
           <p:cNvPr id="7" name="Grafik 6">
             <a:extLst>
               <a:ext uri="{FF2B5EF4-FFF2-40B4-BE49-F238E27FC236}">
-                <a16:creationId xmlns:a16="http://schemas.microsoft.com/office/drawing/2014/main" id="{18916216-B032-4200-99C8-5BA3A21F8800}"/>
+                <a16:creationId xmlns:a16="http://schemas.microsoft.com/office/drawing/2014/main" xmlns="" id="{18916216-B032-4200-99C8-5BA3A21F8800}"/>
               </a:ext>
               <a:ext uri="{C183D7F6-B498-43B3-948B-1728B52AA6E4}">
-                <adec:decorative xmlns:adec="http://schemas.microsoft.com/office/drawing/2017/decorative" val="1"/>
+                <adec:decorative xmlns:adec="http://schemas.microsoft.com/office/drawing/2017/decorative" xmlns="" val="1"/>
               </a:ext>
             </a:extLst>
           </p:cNvPr>
@@ -5484,10 +5584,10 @@
           <p:cNvPr id="8" name="Grafik 7">
             <a:extLst>
               <a:ext uri="{FF2B5EF4-FFF2-40B4-BE49-F238E27FC236}">
-                <a16:creationId xmlns:a16="http://schemas.microsoft.com/office/drawing/2014/main" id="{A72007CB-CD36-48DD-9918-1BFC87D15E94}"/>
+                <a16:creationId xmlns:a16="http://schemas.microsoft.com/office/drawing/2014/main" xmlns="" id="{A72007CB-CD36-48DD-9918-1BFC87D15E94}"/>
               </a:ext>
               <a:ext uri="{C183D7F6-B498-43B3-948B-1728B52AA6E4}">
-                <adec:decorative xmlns:adec="http://schemas.microsoft.com/office/drawing/2017/decorative" val="1"/>
+                <adec:decorative xmlns:adec="http://schemas.microsoft.com/office/drawing/2017/decorative" xmlns="" val="1"/>
               </a:ext>
             </a:extLst>
           </p:cNvPr>
@@ -5560,7 +5660,7 @@
           <p:cNvPr id="3" name="Titel 2">
             <a:extLst>
               <a:ext uri="{FF2B5EF4-FFF2-40B4-BE49-F238E27FC236}">
-                <a16:creationId xmlns:a16="http://schemas.microsoft.com/office/drawing/2014/main" id="{86BA6808-8CD4-4528-935A-3978EF1718CF}"/>
+                <a16:creationId xmlns:a16="http://schemas.microsoft.com/office/drawing/2014/main" xmlns="" id="{86BA6808-8CD4-4528-935A-3978EF1718CF}"/>
               </a:ext>
             </a:extLst>
           </p:cNvPr>
@@ -5695,7 +5795,7 @@
           <p:cNvPr id="14" name="Textplatzhalter 10">
             <a:extLst>
               <a:ext uri="{FF2B5EF4-FFF2-40B4-BE49-F238E27FC236}">
-                <a16:creationId xmlns:a16="http://schemas.microsoft.com/office/drawing/2014/main" id="{3A6FC492-F4FE-474B-9BFE-DAAE645B98B7}"/>
+                <a16:creationId xmlns:a16="http://schemas.microsoft.com/office/drawing/2014/main" xmlns="" id="{3A6FC492-F4FE-474B-9BFE-DAAE645B98B7}"/>
               </a:ext>
             </a:extLst>
           </p:cNvPr>
@@ -5789,10 +5889,10 @@
           <p:cNvPr id="10" name="Freihandform: Form 9">
             <a:extLst>
               <a:ext uri="{FF2B5EF4-FFF2-40B4-BE49-F238E27FC236}">
-                <a16:creationId xmlns:a16="http://schemas.microsoft.com/office/drawing/2014/main" id="{15285CE5-013A-4554-99D3-E6E1B753071F}"/>
+                <a16:creationId xmlns:a16="http://schemas.microsoft.com/office/drawing/2014/main" xmlns="" id="{15285CE5-013A-4554-99D3-E6E1B753071F}"/>
               </a:ext>
               <a:ext uri="{C183D7F6-B498-43B3-948B-1728B52AA6E4}">
-                <adec:decorative xmlns:adec="http://schemas.microsoft.com/office/drawing/2017/decorative" val="1"/>
+                <adec:decorative xmlns:adec="http://schemas.microsoft.com/office/drawing/2017/decorative" xmlns="" val="1"/>
               </a:ext>
             </a:extLst>
           </p:cNvPr>
@@ -6207,7 +6307,7 @@
           <p:cNvPr id="6" name="object 3">
             <a:extLst>
               <a:ext uri="{C183D7F6-B498-43B3-948B-1728B52AA6E4}">
-                <adec:decorative xmlns:adec="http://schemas.microsoft.com/office/drawing/2017/decorative" val="1"/>
+                <adec:decorative xmlns:adec="http://schemas.microsoft.com/office/drawing/2017/decorative" xmlns="" val="1"/>
               </a:ext>
             </a:extLst>
           </p:cNvPr>
@@ -6493,10 +6593,10 @@
           <p:cNvPr id="8" name="Grafik 7">
             <a:extLst>
               <a:ext uri="{FF2B5EF4-FFF2-40B4-BE49-F238E27FC236}">
-                <a16:creationId xmlns:a16="http://schemas.microsoft.com/office/drawing/2014/main" id="{0B21D629-C43C-4D84-9C1B-3D969EC17A69}"/>
+                <a16:creationId xmlns:a16="http://schemas.microsoft.com/office/drawing/2014/main" xmlns="" id="{0B21D629-C43C-4D84-9C1B-3D969EC17A69}"/>
               </a:ext>
               <a:ext uri="{C183D7F6-B498-43B3-948B-1728B52AA6E4}">
-                <adec:decorative xmlns:adec="http://schemas.microsoft.com/office/drawing/2017/decorative" val="1"/>
+                <adec:decorative xmlns:adec="http://schemas.microsoft.com/office/drawing/2017/decorative" xmlns="" val="1"/>
               </a:ext>
             </a:extLst>
           </p:cNvPr>
@@ -6636,10 +6736,10 @@
           <p:cNvPr id="5" name="Datumsplatzhalter 4">
             <a:extLst>
               <a:ext uri="{FF2B5EF4-FFF2-40B4-BE49-F238E27FC236}">
-                <a16:creationId xmlns:a16="http://schemas.microsoft.com/office/drawing/2014/main" id="{B6086A93-C998-4DD4-907D-8C07509ABF98}"/>
+                <a16:creationId xmlns:a16="http://schemas.microsoft.com/office/drawing/2014/main" xmlns="" id="{B6086A93-C998-4DD4-907D-8C07509ABF98}"/>
               </a:ext>
               <a:ext uri="{C183D7F6-B498-43B3-948B-1728B52AA6E4}">
-                <adec:decorative xmlns:adec="http://schemas.microsoft.com/office/drawing/2017/decorative" val="1"/>
+                <adec:decorative xmlns:adec="http://schemas.microsoft.com/office/drawing/2017/decorative" xmlns="" val="1"/>
               </a:ext>
             </a:extLst>
           </p:cNvPr>
@@ -6668,10 +6768,10 @@
           <p:cNvPr id="7" name="Fußzeilenplatzhalter 6">
             <a:extLst>
               <a:ext uri="{FF2B5EF4-FFF2-40B4-BE49-F238E27FC236}">
-                <a16:creationId xmlns:a16="http://schemas.microsoft.com/office/drawing/2014/main" id="{422A565F-39ED-4357-84FF-EA09854AF259}"/>
+                <a16:creationId xmlns:a16="http://schemas.microsoft.com/office/drawing/2014/main" xmlns="" id="{422A565F-39ED-4357-84FF-EA09854AF259}"/>
               </a:ext>
               <a:ext uri="{C183D7F6-B498-43B3-948B-1728B52AA6E4}">
-                <adec:decorative xmlns:adec="http://schemas.microsoft.com/office/drawing/2017/decorative" val="1"/>
+                <adec:decorative xmlns:adec="http://schemas.microsoft.com/office/drawing/2017/decorative" xmlns="" val="1"/>
               </a:ext>
             </a:extLst>
           </p:cNvPr>
@@ -6700,10 +6800,10 @@
           <p:cNvPr id="12" name="Foliennummernplatzhalter 11">
             <a:extLst>
               <a:ext uri="{FF2B5EF4-FFF2-40B4-BE49-F238E27FC236}">
-                <a16:creationId xmlns:a16="http://schemas.microsoft.com/office/drawing/2014/main" id="{E5BB86C6-1C9A-466D-9CE1-51ACECEC4AA9}"/>
+                <a16:creationId xmlns:a16="http://schemas.microsoft.com/office/drawing/2014/main" xmlns="" id="{E5BB86C6-1C9A-466D-9CE1-51ACECEC4AA9}"/>
               </a:ext>
               <a:ext uri="{C183D7F6-B498-43B3-948B-1728B52AA6E4}">
-                <adec:decorative xmlns:adec="http://schemas.microsoft.com/office/drawing/2017/decorative" val="1"/>
+                <adec:decorative xmlns:adec="http://schemas.microsoft.com/office/drawing/2017/decorative" xmlns="" val="1"/>
               </a:ext>
             </a:extLst>
           </p:cNvPr>
@@ -6763,7 +6863,7 @@
           <p:cNvPr id="9" name="Titel 8">
             <a:extLst>
               <a:ext uri="{FF2B5EF4-FFF2-40B4-BE49-F238E27FC236}">
-                <a16:creationId xmlns:a16="http://schemas.microsoft.com/office/drawing/2014/main" id="{622D3E87-4D5E-42EE-BFAA-DEFADCE546B4}"/>
+                <a16:creationId xmlns:a16="http://schemas.microsoft.com/office/drawing/2014/main" xmlns="" id="{622D3E87-4D5E-42EE-BFAA-DEFADCE546B4}"/>
               </a:ext>
             </a:extLst>
           </p:cNvPr>
@@ -6792,7 +6892,7 @@
           <p:cNvPr id="10" name="Textplatzhalter 7">
             <a:extLst>
               <a:ext uri="{FF2B5EF4-FFF2-40B4-BE49-F238E27FC236}">
-                <a16:creationId xmlns:a16="http://schemas.microsoft.com/office/drawing/2014/main" id="{5900F60D-1768-48E3-A1B5-14BBCB67FE0A}"/>
+                <a16:creationId xmlns:a16="http://schemas.microsoft.com/office/drawing/2014/main" xmlns="" id="{5900F60D-1768-48E3-A1B5-14BBCB67FE0A}"/>
               </a:ext>
             </a:extLst>
           </p:cNvPr>
@@ -6943,10 +7043,10 @@
           <p:cNvPr id="2" name="Datumsplatzhalter 1">
             <a:extLst>
               <a:ext uri="{FF2B5EF4-FFF2-40B4-BE49-F238E27FC236}">
-                <a16:creationId xmlns:a16="http://schemas.microsoft.com/office/drawing/2014/main" id="{B26C1CE2-380C-47E9-8B35-F134CD44F6C6}"/>
+                <a16:creationId xmlns:a16="http://schemas.microsoft.com/office/drawing/2014/main" xmlns="" id="{B26C1CE2-380C-47E9-8B35-F134CD44F6C6}"/>
               </a:ext>
               <a:ext uri="{C183D7F6-B498-43B3-948B-1728B52AA6E4}">
-                <adec:decorative xmlns:adec="http://schemas.microsoft.com/office/drawing/2017/decorative" val="1"/>
+                <adec:decorative xmlns:adec="http://schemas.microsoft.com/office/drawing/2017/decorative" xmlns="" val="1"/>
               </a:ext>
             </a:extLst>
           </p:cNvPr>
@@ -6975,10 +7075,10 @@
           <p:cNvPr id="8" name="Fußzeilenplatzhalter 7">
             <a:extLst>
               <a:ext uri="{FF2B5EF4-FFF2-40B4-BE49-F238E27FC236}">
-                <a16:creationId xmlns:a16="http://schemas.microsoft.com/office/drawing/2014/main" id="{9F59A20B-DB44-4B88-8F73-16D397003E7C}"/>
+                <a16:creationId xmlns:a16="http://schemas.microsoft.com/office/drawing/2014/main" xmlns="" id="{9F59A20B-DB44-4B88-8F73-16D397003E7C}"/>
               </a:ext>
               <a:ext uri="{C183D7F6-B498-43B3-948B-1728B52AA6E4}">
-                <adec:decorative xmlns:adec="http://schemas.microsoft.com/office/drawing/2017/decorative" val="1"/>
+                <adec:decorative xmlns:adec="http://schemas.microsoft.com/office/drawing/2017/decorative" xmlns="" val="1"/>
               </a:ext>
             </a:extLst>
           </p:cNvPr>
@@ -7007,10 +7107,10 @@
           <p:cNvPr id="11" name="Foliennummernplatzhalter 10">
             <a:extLst>
               <a:ext uri="{FF2B5EF4-FFF2-40B4-BE49-F238E27FC236}">
-                <a16:creationId xmlns:a16="http://schemas.microsoft.com/office/drawing/2014/main" id="{32D1C785-1D2F-41C8-A2D0-E08EFC817535}"/>
+                <a16:creationId xmlns:a16="http://schemas.microsoft.com/office/drawing/2014/main" xmlns="" id="{32D1C785-1D2F-41C8-A2D0-E08EFC817535}"/>
               </a:ext>
               <a:ext uri="{C183D7F6-B498-43B3-948B-1728B52AA6E4}">
-                <adec:decorative xmlns:adec="http://schemas.microsoft.com/office/drawing/2017/decorative" val="1"/>
+                <adec:decorative xmlns:adec="http://schemas.microsoft.com/office/drawing/2017/decorative" xmlns="" val="1"/>
               </a:ext>
             </a:extLst>
           </p:cNvPr>
@@ -7070,7 +7170,7 @@
           <p:cNvPr id="2" name="Titel 1">
             <a:extLst>
               <a:ext uri="{FF2B5EF4-FFF2-40B4-BE49-F238E27FC236}">
-                <a16:creationId xmlns:a16="http://schemas.microsoft.com/office/drawing/2014/main" id="{A65E59DF-9C98-443E-93E0-C25D5A93D369}"/>
+                <a16:creationId xmlns:a16="http://schemas.microsoft.com/office/drawing/2014/main" xmlns="" id="{A65E59DF-9C98-443E-93E0-C25D5A93D369}"/>
               </a:ext>
             </a:extLst>
           </p:cNvPr>
@@ -7099,7 +7199,7 @@
           <p:cNvPr id="12" name="Textplatzhalter 7">
             <a:extLst>
               <a:ext uri="{FF2B5EF4-FFF2-40B4-BE49-F238E27FC236}">
-                <a16:creationId xmlns:a16="http://schemas.microsoft.com/office/drawing/2014/main" id="{2FF756D6-45BE-4CA9-8D73-7DC21CF7EB0A}"/>
+                <a16:creationId xmlns:a16="http://schemas.microsoft.com/office/drawing/2014/main" xmlns="" id="{2FF756D6-45BE-4CA9-8D73-7DC21CF7EB0A}"/>
               </a:ext>
             </a:extLst>
           </p:cNvPr>
@@ -7388,10 +7488,10 @@
           <p:cNvPr id="5" name="Datumsplatzhalter 4">
             <a:extLst>
               <a:ext uri="{FF2B5EF4-FFF2-40B4-BE49-F238E27FC236}">
-                <a16:creationId xmlns:a16="http://schemas.microsoft.com/office/drawing/2014/main" id="{E90AF344-C881-4077-8537-07C2F8DC9A74}"/>
+                <a16:creationId xmlns:a16="http://schemas.microsoft.com/office/drawing/2014/main" xmlns="" id="{E90AF344-C881-4077-8537-07C2F8DC9A74}"/>
               </a:ext>
               <a:ext uri="{C183D7F6-B498-43B3-948B-1728B52AA6E4}">
-                <adec:decorative xmlns:adec="http://schemas.microsoft.com/office/drawing/2017/decorative" val="1"/>
+                <adec:decorative xmlns:adec="http://schemas.microsoft.com/office/drawing/2017/decorative" xmlns="" val="1"/>
               </a:ext>
             </a:extLst>
           </p:cNvPr>
@@ -7420,10 +7520,10 @@
           <p:cNvPr id="6" name="Fußzeilenplatzhalter 5">
             <a:extLst>
               <a:ext uri="{FF2B5EF4-FFF2-40B4-BE49-F238E27FC236}">
-                <a16:creationId xmlns:a16="http://schemas.microsoft.com/office/drawing/2014/main" id="{65369630-FBC8-4C3D-BCE7-36D2FE5C7307}"/>
+                <a16:creationId xmlns:a16="http://schemas.microsoft.com/office/drawing/2014/main" xmlns="" id="{65369630-FBC8-4C3D-BCE7-36D2FE5C7307}"/>
               </a:ext>
               <a:ext uri="{C183D7F6-B498-43B3-948B-1728B52AA6E4}">
-                <adec:decorative xmlns:adec="http://schemas.microsoft.com/office/drawing/2017/decorative" val="1"/>
+                <adec:decorative xmlns:adec="http://schemas.microsoft.com/office/drawing/2017/decorative" xmlns="" val="1"/>
               </a:ext>
             </a:extLst>
           </p:cNvPr>
@@ -7452,10 +7552,10 @@
           <p:cNvPr id="10" name="Foliennummernplatzhalter 9">
             <a:extLst>
               <a:ext uri="{FF2B5EF4-FFF2-40B4-BE49-F238E27FC236}">
-                <a16:creationId xmlns:a16="http://schemas.microsoft.com/office/drawing/2014/main" id="{8CFDF553-C627-44C0-80CA-525DD4D48F4D}"/>
+                <a16:creationId xmlns:a16="http://schemas.microsoft.com/office/drawing/2014/main" xmlns="" id="{8CFDF553-C627-44C0-80CA-525DD4D48F4D}"/>
               </a:ext>
               <a:ext uri="{C183D7F6-B498-43B3-948B-1728B52AA6E4}">
-                <adec:decorative xmlns:adec="http://schemas.microsoft.com/office/drawing/2017/decorative" val="1"/>
+                <adec:decorative xmlns:adec="http://schemas.microsoft.com/office/drawing/2017/decorative" xmlns="" val="1"/>
               </a:ext>
             </a:extLst>
           </p:cNvPr>
@@ -7515,7 +7615,7 @@
           <p:cNvPr id="4" name="Titel 3">
             <a:extLst>
               <a:ext uri="{FF2B5EF4-FFF2-40B4-BE49-F238E27FC236}">
-                <a16:creationId xmlns:a16="http://schemas.microsoft.com/office/drawing/2014/main" id="{03E3249F-FD38-4D4D-9020-0251E0AF5910}"/>
+                <a16:creationId xmlns:a16="http://schemas.microsoft.com/office/drawing/2014/main" xmlns="" id="{03E3249F-FD38-4D4D-9020-0251E0AF5910}"/>
               </a:ext>
             </a:extLst>
           </p:cNvPr>
@@ -7544,7 +7644,7 @@
           <p:cNvPr id="15" name="Textplatzhalter 7">
             <a:extLst>
               <a:ext uri="{FF2B5EF4-FFF2-40B4-BE49-F238E27FC236}">
-                <a16:creationId xmlns:a16="http://schemas.microsoft.com/office/drawing/2014/main" id="{5501507C-4075-4224-82B8-ACF0E98687D5}"/>
+                <a16:creationId xmlns:a16="http://schemas.microsoft.com/office/drawing/2014/main" xmlns="" id="{5501507C-4075-4224-82B8-ACF0E98687D5}"/>
               </a:ext>
             </a:extLst>
           </p:cNvPr>
@@ -7705,10 +7805,10 @@
           <p:cNvPr id="2" name="Datumsplatzhalter 1">
             <a:extLst>
               <a:ext uri="{FF2B5EF4-FFF2-40B4-BE49-F238E27FC236}">
-                <a16:creationId xmlns:a16="http://schemas.microsoft.com/office/drawing/2014/main" id="{525B685E-EB8C-4F4E-80A6-C9FD90B4C788}"/>
+                <a16:creationId xmlns:a16="http://schemas.microsoft.com/office/drawing/2014/main" xmlns="" id="{525B685E-EB8C-4F4E-80A6-C9FD90B4C788}"/>
               </a:ext>
               <a:ext uri="{C183D7F6-B498-43B3-948B-1728B52AA6E4}">
-                <adec:decorative xmlns:adec="http://schemas.microsoft.com/office/drawing/2017/decorative" val="1"/>
+                <adec:decorative xmlns:adec="http://schemas.microsoft.com/office/drawing/2017/decorative" xmlns="" val="1"/>
               </a:ext>
             </a:extLst>
           </p:cNvPr>
@@ -7737,10 +7837,10 @@
           <p:cNvPr id="8" name="Fußzeilenplatzhalter 7">
             <a:extLst>
               <a:ext uri="{FF2B5EF4-FFF2-40B4-BE49-F238E27FC236}">
-                <a16:creationId xmlns:a16="http://schemas.microsoft.com/office/drawing/2014/main" id="{F0794A1E-3BA0-4D9C-A222-8EBDB4DA20C9}"/>
+                <a16:creationId xmlns:a16="http://schemas.microsoft.com/office/drawing/2014/main" xmlns="" id="{F0794A1E-3BA0-4D9C-A222-8EBDB4DA20C9}"/>
               </a:ext>
               <a:ext uri="{C183D7F6-B498-43B3-948B-1728B52AA6E4}">
-                <adec:decorative xmlns:adec="http://schemas.microsoft.com/office/drawing/2017/decorative" val="1"/>
+                <adec:decorative xmlns:adec="http://schemas.microsoft.com/office/drawing/2017/decorative" xmlns="" val="1"/>
               </a:ext>
             </a:extLst>
           </p:cNvPr>
@@ -7769,10 +7869,10 @@
           <p:cNvPr id="9" name="Foliennummernplatzhalter 8">
             <a:extLst>
               <a:ext uri="{FF2B5EF4-FFF2-40B4-BE49-F238E27FC236}">
-                <a16:creationId xmlns:a16="http://schemas.microsoft.com/office/drawing/2014/main" id="{03483C74-DCE9-454D-9C95-024DD98FAE14}"/>
+                <a16:creationId xmlns:a16="http://schemas.microsoft.com/office/drawing/2014/main" xmlns="" id="{03483C74-DCE9-454D-9C95-024DD98FAE14}"/>
               </a:ext>
               <a:ext uri="{C183D7F6-B498-43B3-948B-1728B52AA6E4}">
-                <adec:decorative xmlns:adec="http://schemas.microsoft.com/office/drawing/2017/decorative" val="1"/>
+                <adec:decorative xmlns:adec="http://schemas.microsoft.com/office/drawing/2017/decorative" xmlns="" val="1"/>
               </a:ext>
             </a:extLst>
           </p:cNvPr>
@@ -7832,7 +7932,7 @@
           <p:cNvPr id="2" name="Titel 1">
             <a:extLst>
               <a:ext uri="{FF2B5EF4-FFF2-40B4-BE49-F238E27FC236}">
-                <a16:creationId xmlns:a16="http://schemas.microsoft.com/office/drawing/2014/main" id="{62301769-7A5F-4726-A7DE-F0F6415EC062}"/>
+                <a16:creationId xmlns:a16="http://schemas.microsoft.com/office/drawing/2014/main" xmlns="" id="{62301769-7A5F-4726-A7DE-F0F6415EC062}"/>
               </a:ext>
             </a:extLst>
           </p:cNvPr>
@@ -7861,7 +7961,7 @@
           <p:cNvPr id="12" name="Textplatzhalter 7">
             <a:extLst>
               <a:ext uri="{FF2B5EF4-FFF2-40B4-BE49-F238E27FC236}">
-                <a16:creationId xmlns:a16="http://schemas.microsoft.com/office/drawing/2014/main" id="{6BEED840-629E-4E70-924A-3F5FA272B6BC}"/>
+                <a16:creationId xmlns:a16="http://schemas.microsoft.com/office/drawing/2014/main" xmlns="" id="{6BEED840-629E-4E70-924A-3F5FA272B6BC}"/>
               </a:ext>
             </a:extLst>
           </p:cNvPr>
@@ -7989,10 +8089,10 @@
           <p:cNvPr id="4" name="Datumsplatzhalter 3">
             <a:extLst>
               <a:ext uri="{FF2B5EF4-FFF2-40B4-BE49-F238E27FC236}">
-                <a16:creationId xmlns:a16="http://schemas.microsoft.com/office/drawing/2014/main" id="{65B32AC5-E9DE-4649-B1AC-9A62A340C736}"/>
+                <a16:creationId xmlns:a16="http://schemas.microsoft.com/office/drawing/2014/main" xmlns="" id="{65B32AC5-E9DE-4649-B1AC-9A62A340C736}"/>
               </a:ext>
               <a:ext uri="{C183D7F6-B498-43B3-948B-1728B52AA6E4}">
-                <adec:decorative xmlns:adec="http://schemas.microsoft.com/office/drawing/2017/decorative" val="1"/>
+                <adec:decorative xmlns:adec="http://schemas.microsoft.com/office/drawing/2017/decorative" xmlns="" val="1"/>
               </a:ext>
             </a:extLst>
           </p:cNvPr>
@@ -8021,10 +8121,10 @@
           <p:cNvPr id="8" name="Fußzeilenplatzhalter 7">
             <a:extLst>
               <a:ext uri="{FF2B5EF4-FFF2-40B4-BE49-F238E27FC236}">
-                <a16:creationId xmlns:a16="http://schemas.microsoft.com/office/drawing/2014/main" id="{385FC210-A7D0-48A0-965B-FED973105A9B}"/>
+                <a16:creationId xmlns:a16="http://schemas.microsoft.com/office/drawing/2014/main" xmlns="" id="{385FC210-A7D0-48A0-965B-FED973105A9B}"/>
               </a:ext>
               <a:ext uri="{C183D7F6-B498-43B3-948B-1728B52AA6E4}">
-                <adec:decorative xmlns:adec="http://schemas.microsoft.com/office/drawing/2017/decorative" val="1"/>
+                <adec:decorative xmlns:adec="http://schemas.microsoft.com/office/drawing/2017/decorative" xmlns="" val="1"/>
               </a:ext>
             </a:extLst>
           </p:cNvPr>
@@ -8053,10 +8153,10 @@
           <p:cNvPr id="9" name="Foliennummernplatzhalter 8">
             <a:extLst>
               <a:ext uri="{FF2B5EF4-FFF2-40B4-BE49-F238E27FC236}">
-                <a16:creationId xmlns:a16="http://schemas.microsoft.com/office/drawing/2014/main" id="{94CA4BF4-EDC6-4CFF-AE4B-CB671709F924}"/>
+                <a16:creationId xmlns:a16="http://schemas.microsoft.com/office/drawing/2014/main" xmlns="" id="{94CA4BF4-EDC6-4CFF-AE4B-CB671709F924}"/>
               </a:ext>
               <a:ext uri="{C183D7F6-B498-43B3-948B-1728B52AA6E4}">
-                <adec:decorative xmlns:adec="http://schemas.microsoft.com/office/drawing/2017/decorative" val="1"/>
+                <adec:decorative xmlns:adec="http://schemas.microsoft.com/office/drawing/2017/decorative" xmlns="" val="1"/>
               </a:ext>
             </a:extLst>
           </p:cNvPr>
@@ -8116,7 +8216,7 @@
           <p:cNvPr id="3" name="Titel 2">
             <a:extLst>
               <a:ext uri="{FF2B5EF4-FFF2-40B4-BE49-F238E27FC236}">
-                <a16:creationId xmlns:a16="http://schemas.microsoft.com/office/drawing/2014/main" id="{63CA99B5-A2F2-4F10-9CFB-140C563A4A28}"/>
+                <a16:creationId xmlns:a16="http://schemas.microsoft.com/office/drawing/2014/main" xmlns="" id="{63CA99B5-A2F2-4F10-9CFB-140C563A4A28}"/>
               </a:ext>
             </a:extLst>
           </p:cNvPr>
@@ -8145,7 +8245,7 @@
           <p:cNvPr id="15" name="Textplatzhalter 7">
             <a:extLst>
               <a:ext uri="{FF2B5EF4-FFF2-40B4-BE49-F238E27FC236}">
-                <a16:creationId xmlns:a16="http://schemas.microsoft.com/office/drawing/2014/main" id="{F23A02F9-9EFB-40DA-A6A9-B4AB8316E8D8}"/>
+                <a16:creationId xmlns:a16="http://schemas.microsoft.com/office/drawing/2014/main" xmlns="" id="{F23A02F9-9EFB-40DA-A6A9-B4AB8316E8D8}"/>
               </a:ext>
             </a:extLst>
           </p:cNvPr>
@@ -8379,7 +8479,7 @@
           <p:cNvPr id="6" name="Titel 5">
             <a:extLst>
               <a:ext uri="{FF2B5EF4-FFF2-40B4-BE49-F238E27FC236}">
-                <a16:creationId xmlns:a16="http://schemas.microsoft.com/office/drawing/2014/main" id="{3A8DCC85-4928-492C-BEE7-FC5B55B32E11}"/>
+                <a16:creationId xmlns:a16="http://schemas.microsoft.com/office/drawing/2014/main" xmlns="" id="{3A8DCC85-4928-492C-BEE7-FC5B55B32E11}"/>
               </a:ext>
             </a:extLst>
           </p:cNvPr>
@@ -8726,10 +8826,10 @@
           <p:cNvPr id="2" name="Datumsplatzhalter 1">
             <a:extLst>
               <a:ext uri="{FF2B5EF4-FFF2-40B4-BE49-F238E27FC236}">
-                <a16:creationId xmlns:a16="http://schemas.microsoft.com/office/drawing/2014/main" id="{9E3799E2-3C23-4EE3-8932-7D8BEC42B9DA}"/>
+                <a16:creationId xmlns:a16="http://schemas.microsoft.com/office/drawing/2014/main" xmlns="" id="{9E3799E2-3C23-4EE3-8932-7D8BEC42B9DA}"/>
               </a:ext>
               <a:ext uri="{C183D7F6-B498-43B3-948B-1728B52AA6E4}">
-                <adec:decorative xmlns:adec="http://schemas.microsoft.com/office/drawing/2017/decorative" val="1"/>
+                <adec:decorative xmlns:adec="http://schemas.microsoft.com/office/drawing/2017/decorative" xmlns="" val="1"/>
               </a:ext>
             </a:extLst>
           </p:cNvPr>
@@ -8758,10 +8858,10 @@
           <p:cNvPr id="7" name="Fußzeilenplatzhalter 6">
             <a:extLst>
               <a:ext uri="{FF2B5EF4-FFF2-40B4-BE49-F238E27FC236}">
-                <a16:creationId xmlns:a16="http://schemas.microsoft.com/office/drawing/2014/main" id="{FAAF8D85-2BDA-4B6B-9739-948CC7B45B04}"/>
+                <a16:creationId xmlns:a16="http://schemas.microsoft.com/office/drawing/2014/main" xmlns="" id="{FAAF8D85-2BDA-4B6B-9739-948CC7B45B04}"/>
               </a:ext>
               <a:ext uri="{C183D7F6-B498-43B3-948B-1728B52AA6E4}">
-                <adec:decorative xmlns:adec="http://schemas.microsoft.com/office/drawing/2017/decorative" val="1"/>
+                <adec:decorative xmlns:adec="http://schemas.microsoft.com/office/drawing/2017/decorative" xmlns="" val="1"/>
               </a:ext>
             </a:extLst>
           </p:cNvPr>
@@ -8790,10 +8890,10 @@
           <p:cNvPr id="9" name="Foliennummernplatzhalter 8">
             <a:extLst>
               <a:ext uri="{FF2B5EF4-FFF2-40B4-BE49-F238E27FC236}">
-                <a16:creationId xmlns:a16="http://schemas.microsoft.com/office/drawing/2014/main" id="{49B14986-AEF7-4911-8AC9-241E2F85323A}"/>
+                <a16:creationId xmlns:a16="http://schemas.microsoft.com/office/drawing/2014/main" xmlns="" id="{49B14986-AEF7-4911-8AC9-241E2F85323A}"/>
               </a:ext>
               <a:ext uri="{C183D7F6-B498-43B3-948B-1728B52AA6E4}">
-                <adec:decorative xmlns:adec="http://schemas.microsoft.com/office/drawing/2017/decorative" val="1"/>
+                <adec:decorative xmlns:adec="http://schemas.microsoft.com/office/drawing/2017/decorative" xmlns="" val="1"/>
               </a:ext>
             </a:extLst>
           </p:cNvPr>
@@ -8853,7 +8953,7 @@
           <p:cNvPr id="6" name="Titel 5">
             <a:extLst>
               <a:ext uri="{FF2B5EF4-FFF2-40B4-BE49-F238E27FC236}">
-                <a16:creationId xmlns:a16="http://schemas.microsoft.com/office/drawing/2014/main" id="{E792EEEF-D15B-42F6-B267-A355CF4E4DBF}"/>
+                <a16:creationId xmlns:a16="http://schemas.microsoft.com/office/drawing/2014/main" xmlns="" id="{E792EEEF-D15B-42F6-B267-A355CF4E4DBF}"/>
               </a:ext>
             </a:extLst>
           </p:cNvPr>
@@ -9200,10 +9300,10 @@
           <p:cNvPr id="2" name="Datumsplatzhalter 1">
             <a:extLst>
               <a:ext uri="{FF2B5EF4-FFF2-40B4-BE49-F238E27FC236}">
-                <a16:creationId xmlns:a16="http://schemas.microsoft.com/office/drawing/2014/main" id="{424AC54E-2FE8-44FD-8448-789AC527CD62}"/>
+                <a16:creationId xmlns:a16="http://schemas.microsoft.com/office/drawing/2014/main" xmlns="" id="{424AC54E-2FE8-44FD-8448-789AC527CD62}"/>
               </a:ext>
               <a:ext uri="{C183D7F6-B498-43B3-948B-1728B52AA6E4}">
-                <adec:decorative xmlns:adec="http://schemas.microsoft.com/office/drawing/2017/decorative" val="1"/>
+                <adec:decorative xmlns:adec="http://schemas.microsoft.com/office/drawing/2017/decorative" xmlns="" val="1"/>
               </a:ext>
             </a:extLst>
           </p:cNvPr>
@@ -9232,10 +9332,10 @@
           <p:cNvPr id="7" name="Fußzeilenplatzhalter 6">
             <a:extLst>
               <a:ext uri="{FF2B5EF4-FFF2-40B4-BE49-F238E27FC236}">
-                <a16:creationId xmlns:a16="http://schemas.microsoft.com/office/drawing/2014/main" id="{FD788027-74D9-4A2C-99EF-860F4806E5B7}"/>
+                <a16:creationId xmlns:a16="http://schemas.microsoft.com/office/drawing/2014/main" xmlns="" id="{FD788027-74D9-4A2C-99EF-860F4806E5B7}"/>
               </a:ext>
               <a:ext uri="{C183D7F6-B498-43B3-948B-1728B52AA6E4}">
-                <adec:decorative xmlns:adec="http://schemas.microsoft.com/office/drawing/2017/decorative" val="1"/>
+                <adec:decorative xmlns:adec="http://schemas.microsoft.com/office/drawing/2017/decorative" xmlns="" val="1"/>
               </a:ext>
             </a:extLst>
           </p:cNvPr>
@@ -9264,10 +9364,10 @@
           <p:cNvPr id="9" name="Foliennummernplatzhalter 8">
             <a:extLst>
               <a:ext uri="{FF2B5EF4-FFF2-40B4-BE49-F238E27FC236}">
-                <a16:creationId xmlns:a16="http://schemas.microsoft.com/office/drawing/2014/main" id="{1E67A0A4-F964-4E95-B836-83B9DA51486C}"/>
+                <a16:creationId xmlns:a16="http://schemas.microsoft.com/office/drawing/2014/main" xmlns="" id="{1E67A0A4-F964-4E95-B836-83B9DA51486C}"/>
               </a:ext>
               <a:ext uri="{C183D7F6-B498-43B3-948B-1728B52AA6E4}">
-                <adec:decorative xmlns:adec="http://schemas.microsoft.com/office/drawing/2017/decorative" val="1"/>
+                <adec:decorative xmlns:adec="http://schemas.microsoft.com/office/drawing/2017/decorative" xmlns="" val="1"/>
               </a:ext>
             </a:extLst>
           </p:cNvPr>
@@ -9327,7 +9427,7 @@
           <p:cNvPr id="6" name="Titel 5">
             <a:extLst>
               <a:ext uri="{FF2B5EF4-FFF2-40B4-BE49-F238E27FC236}">
-                <a16:creationId xmlns:a16="http://schemas.microsoft.com/office/drawing/2014/main" id="{2369BABE-C34D-4B71-ABE7-625BE220F249}"/>
+                <a16:creationId xmlns:a16="http://schemas.microsoft.com/office/drawing/2014/main" xmlns="" id="{2369BABE-C34D-4B71-ABE7-625BE220F249}"/>
               </a:ext>
             </a:extLst>
           </p:cNvPr>
@@ -9356,7 +9456,7 @@
           <p:cNvPr id="16" name="Textplatzhalter 7">
             <a:extLst>
               <a:ext uri="{FF2B5EF4-FFF2-40B4-BE49-F238E27FC236}">
-                <a16:creationId xmlns:a16="http://schemas.microsoft.com/office/drawing/2014/main" id="{4F73F404-72E1-4BC9-B71C-D15CC679050E}"/>
+                <a16:creationId xmlns:a16="http://schemas.microsoft.com/office/drawing/2014/main" xmlns="" id="{4F73F404-72E1-4BC9-B71C-D15CC679050E}"/>
               </a:ext>
             </a:extLst>
           </p:cNvPr>
@@ -9395,7 +9495,7 @@
           <p:cNvPr id="9" name="Rechteck 8">
             <a:extLst>
               <a:ext uri="{C183D7F6-B498-43B3-948B-1728B52AA6E4}">
-                <adec:decorative xmlns:adec="http://schemas.microsoft.com/office/drawing/2017/decorative" val="1"/>
+                <adec:decorative xmlns:adec="http://schemas.microsoft.com/office/drawing/2017/decorative" xmlns="" val="1"/>
               </a:ext>
             </a:extLst>
           </p:cNvPr>
@@ -9447,7 +9547,7 @@
           <p:cNvPr id="8" name="Bildplatzhalter 7">
             <a:extLst>
               <a:ext uri="{C183D7F6-B498-43B3-948B-1728B52AA6E4}">
-                <adec:decorative xmlns:adec="http://schemas.microsoft.com/office/drawing/2017/decorative" val="1"/>
+                <adec:decorative xmlns:adec="http://schemas.microsoft.com/office/drawing/2017/decorative" xmlns="" val="1"/>
               </a:ext>
             </a:extLst>
           </p:cNvPr>
@@ -9627,7 +9727,7 @@
           <p:cNvPr id="21" name="Rechteck 20">
             <a:extLst>
               <a:ext uri="{C183D7F6-B498-43B3-948B-1728B52AA6E4}">
-                <adec:decorative xmlns:adec="http://schemas.microsoft.com/office/drawing/2017/decorative" val="1"/>
+                <adec:decorative xmlns:adec="http://schemas.microsoft.com/office/drawing/2017/decorative" xmlns="" val="1"/>
               </a:ext>
             </a:extLst>
           </p:cNvPr>
@@ -9679,7 +9779,7 @@
           <p:cNvPr id="22" name="Bildplatzhalter 7">
             <a:extLst>
               <a:ext uri="{C183D7F6-B498-43B3-948B-1728B52AA6E4}">
-                <adec:decorative xmlns:adec="http://schemas.microsoft.com/office/drawing/2017/decorative" val="1"/>
+                <adec:decorative xmlns:adec="http://schemas.microsoft.com/office/drawing/2017/decorative" xmlns="" val="1"/>
               </a:ext>
             </a:extLst>
           </p:cNvPr>
@@ -9859,10 +9959,10 @@
           <p:cNvPr id="2" name="Datumsplatzhalter 1">
             <a:extLst>
               <a:ext uri="{FF2B5EF4-FFF2-40B4-BE49-F238E27FC236}">
-                <a16:creationId xmlns:a16="http://schemas.microsoft.com/office/drawing/2014/main" id="{67891870-DFB4-45E6-9383-4A10E76B3D6A}"/>
+                <a16:creationId xmlns:a16="http://schemas.microsoft.com/office/drawing/2014/main" xmlns="" id="{67891870-DFB4-45E6-9383-4A10E76B3D6A}"/>
               </a:ext>
               <a:ext uri="{C183D7F6-B498-43B3-948B-1728B52AA6E4}">
-                <adec:decorative xmlns:adec="http://schemas.microsoft.com/office/drawing/2017/decorative" val="1"/>
+                <adec:decorative xmlns:adec="http://schemas.microsoft.com/office/drawing/2017/decorative" xmlns="" val="1"/>
               </a:ext>
             </a:extLst>
           </p:cNvPr>
@@ -9891,10 +9991,10 @@
           <p:cNvPr id="7" name="Fußzeilenplatzhalter 6">
             <a:extLst>
               <a:ext uri="{FF2B5EF4-FFF2-40B4-BE49-F238E27FC236}">
-                <a16:creationId xmlns:a16="http://schemas.microsoft.com/office/drawing/2014/main" id="{5B04DB42-8004-4EC2-BA6C-C35BBD8F5FAD}"/>
+                <a16:creationId xmlns:a16="http://schemas.microsoft.com/office/drawing/2014/main" xmlns="" id="{5B04DB42-8004-4EC2-BA6C-C35BBD8F5FAD}"/>
               </a:ext>
               <a:ext uri="{C183D7F6-B498-43B3-948B-1728B52AA6E4}">
-                <adec:decorative xmlns:adec="http://schemas.microsoft.com/office/drawing/2017/decorative" val="1"/>
+                <adec:decorative xmlns:adec="http://schemas.microsoft.com/office/drawing/2017/decorative" xmlns="" val="1"/>
               </a:ext>
             </a:extLst>
           </p:cNvPr>
@@ -9923,10 +10023,10 @@
           <p:cNvPr id="10" name="Foliennummernplatzhalter 9">
             <a:extLst>
               <a:ext uri="{FF2B5EF4-FFF2-40B4-BE49-F238E27FC236}">
-                <a16:creationId xmlns:a16="http://schemas.microsoft.com/office/drawing/2014/main" id="{2AC375FE-0D6A-422E-9BA2-D4859CDA8902}"/>
+                <a16:creationId xmlns:a16="http://schemas.microsoft.com/office/drawing/2014/main" xmlns="" id="{2AC375FE-0D6A-422E-9BA2-D4859CDA8902}"/>
               </a:ext>
               <a:ext uri="{C183D7F6-B498-43B3-948B-1728B52AA6E4}">
-                <adec:decorative xmlns:adec="http://schemas.microsoft.com/office/drawing/2017/decorative" val="1"/>
+                <adec:decorative xmlns:adec="http://schemas.microsoft.com/office/drawing/2017/decorative" xmlns="" val="1"/>
               </a:ext>
             </a:extLst>
           </p:cNvPr>
@@ -9986,7 +10086,7 @@
           <p:cNvPr id="6" name="Titel 5">
             <a:extLst>
               <a:ext uri="{FF2B5EF4-FFF2-40B4-BE49-F238E27FC236}">
-                <a16:creationId xmlns:a16="http://schemas.microsoft.com/office/drawing/2014/main" id="{38B00749-49F7-4FC9-AE55-9A89B4673F2B}"/>
+                <a16:creationId xmlns:a16="http://schemas.microsoft.com/office/drawing/2014/main" xmlns="" id="{38B00749-49F7-4FC9-AE55-9A89B4673F2B}"/>
               </a:ext>
             </a:extLst>
           </p:cNvPr>
@@ -10015,7 +10115,7 @@
           <p:cNvPr id="25" name="Textplatzhalter 7">
             <a:extLst>
               <a:ext uri="{FF2B5EF4-FFF2-40B4-BE49-F238E27FC236}">
-                <a16:creationId xmlns:a16="http://schemas.microsoft.com/office/drawing/2014/main" id="{234A045F-25D1-4F69-800A-3EC98AD24806}"/>
+                <a16:creationId xmlns:a16="http://schemas.microsoft.com/office/drawing/2014/main" xmlns="" id="{234A045F-25D1-4F69-800A-3EC98AD24806}"/>
               </a:ext>
             </a:extLst>
           </p:cNvPr>
@@ -10054,7 +10154,7 @@
           <p:cNvPr id="9" name="Rechteck 8">
             <a:extLst>
               <a:ext uri="{C183D7F6-B498-43B3-948B-1728B52AA6E4}">
-                <adec:decorative xmlns:adec="http://schemas.microsoft.com/office/drawing/2017/decorative" val="1"/>
+                <adec:decorative xmlns:adec="http://schemas.microsoft.com/office/drawing/2017/decorative" xmlns="" val="1"/>
               </a:ext>
             </a:extLst>
           </p:cNvPr>
@@ -10106,10 +10206,10 @@
           <p:cNvPr id="21" name="Bildplatzhalter 7">
             <a:extLst>
               <a:ext uri="{FF2B5EF4-FFF2-40B4-BE49-F238E27FC236}">
-                <a16:creationId xmlns:a16="http://schemas.microsoft.com/office/drawing/2014/main" id="{0CCFCC13-9E94-4A8E-927E-B90EB96934B9}"/>
+                <a16:creationId xmlns:a16="http://schemas.microsoft.com/office/drawing/2014/main" xmlns="" id="{0CCFCC13-9E94-4A8E-927E-B90EB96934B9}"/>
               </a:ext>
               <a:ext uri="{C183D7F6-B498-43B3-948B-1728B52AA6E4}">
-                <adec:decorative xmlns:adec="http://schemas.microsoft.com/office/drawing/2017/decorative" val="1"/>
+                <adec:decorative xmlns:adec="http://schemas.microsoft.com/office/drawing/2017/decorative" xmlns="" val="1"/>
               </a:ext>
             </a:extLst>
           </p:cNvPr>
@@ -10289,7 +10389,7 @@
           <p:cNvPr id="13" name="Rechteck 12">
             <a:extLst>
               <a:ext uri="{C183D7F6-B498-43B3-948B-1728B52AA6E4}">
-                <adec:decorative xmlns:adec="http://schemas.microsoft.com/office/drawing/2017/decorative" val="1"/>
+                <adec:decorative xmlns:adec="http://schemas.microsoft.com/office/drawing/2017/decorative" xmlns="" val="1"/>
               </a:ext>
             </a:extLst>
           </p:cNvPr>
@@ -10341,10 +10441,10 @@
           <p:cNvPr id="22" name="Bildplatzhalter 7">
             <a:extLst>
               <a:ext uri="{FF2B5EF4-FFF2-40B4-BE49-F238E27FC236}">
-                <a16:creationId xmlns:a16="http://schemas.microsoft.com/office/drawing/2014/main" id="{34D29721-8BC0-4D90-A4F3-75A72451E902}"/>
+                <a16:creationId xmlns:a16="http://schemas.microsoft.com/office/drawing/2014/main" xmlns="" id="{34D29721-8BC0-4D90-A4F3-75A72451E902}"/>
               </a:ext>
               <a:ext uri="{C183D7F6-B498-43B3-948B-1728B52AA6E4}">
-                <adec:decorative xmlns:adec="http://schemas.microsoft.com/office/drawing/2017/decorative" val="1"/>
+                <adec:decorative xmlns:adec="http://schemas.microsoft.com/office/drawing/2017/decorative" xmlns="" val="1"/>
               </a:ext>
             </a:extLst>
           </p:cNvPr>
@@ -10524,7 +10624,7 @@
           <p:cNvPr id="17" name="Rechteck 16">
             <a:extLst>
               <a:ext uri="{C183D7F6-B498-43B3-948B-1728B52AA6E4}">
-                <adec:decorative xmlns:adec="http://schemas.microsoft.com/office/drawing/2017/decorative" val="1"/>
+                <adec:decorative xmlns:adec="http://schemas.microsoft.com/office/drawing/2017/decorative" xmlns="" val="1"/>
               </a:ext>
             </a:extLst>
           </p:cNvPr>
@@ -10576,10 +10676,10 @@
           <p:cNvPr id="23" name="Bildplatzhalter 7">
             <a:extLst>
               <a:ext uri="{FF2B5EF4-FFF2-40B4-BE49-F238E27FC236}">
-                <a16:creationId xmlns:a16="http://schemas.microsoft.com/office/drawing/2014/main" id="{01CD30C1-0EF4-4BAD-97BF-FFFDBEF2C182}"/>
+                <a16:creationId xmlns:a16="http://schemas.microsoft.com/office/drawing/2014/main" xmlns="" id="{01CD30C1-0EF4-4BAD-97BF-FFFDBEF2C182}"/>
               </a:ext>
               <a:ext uri="{C183D7F6-B498-43B3-948B-1728B52AA6E4}">
-                <adec:decorative xmlns:adec="http://schemas.microsoft.com/office/drawing/2017/decorative" val="1"/>
+                <adec:decorative xmlns:adec="http://schemas.microsoft.com/office/drawing/2017/decorative" xmlns="" val="1"/>
               </a:ext>
             </a:extLst>
           </p:cNvPr>
@@ -10759,10 +10859,10 @@
           <p:cNvPr id="2" name="Datumsplatzhalter 1">
             <a:extLst>
               <a:ext uri="{FF2B5EF4-FFF2-40B4-BE49-F238E27FC236}">
-                <a16:creationId xmlns:a16="http://schemas.microsoft.com/office/drawing/2014/main" id="{B5737E52-6A3C-46DC-946E-C8C9351FA4CA}"/>
+                <a16:creationId xmlns:a16="http://schemas.microsoft.com/office/drawing/2014/main" xmlns="" id="{B5737E52-6A3C-46DC-946E-C8C9351FA4CA}"/>
               </a:ext>
               <a:ext uri="{C183D7F6-B498-43B3-948B-1728B52AA6E4}">
-                <adec:decorative xmlns:adec="http://schemas.microsoft.com/office/drawing/2017/decorative" val="1"/>
+                <adec:decorative xmlns:adec="http://schemas.microsoft.com/office/drawing/2017/decorative" xmlns="" val="1"/>
               </a:ext>
             </a:extLst>
           </p:cNvPr>
@@ -10791,10 +10891,10 @@
           <p:cNvPr id="7" name="Fußzeilenplatzhalter 6">
             <a:extLst>
               <a:ext uri="{FF2B5EF4-FFF2-40B4-BE49-F238E27FC236}">
-                <a16:creationId xmlns:a16="http://schemas.microsoft.com/office/drawing/2014/main" id="{F045F5D0-F689-442E-B9D8-1F4BAD70A0FF}"/>
+                <a16:creationId xmlns:a16="http://schemas.microsoft.com/office/drawing/2014/main" xmlns="" id="{F045F5D0-F689-442E-B9D8-1F4BAD70A0FF}"/>
               </a:ext>
               <a:ext uri="{C183D7F6-B498-43B3-948B-1728B52AA6E4}">
-                <adec:decorative xmlns:adec="http://schemas.microsoft.com/office/drawing/2017/decorative" val="1"/>
+                <adec:decorative xmlns:adec="http://schemas.microsoft.com/office/drawing/2017/decorative" xmlns="" val="1"/>
               </a:ext>
             </a:extLst>
           </p:cNvPr>
@@ -10823,10 +10923,10 @@
           <p:cNvPr id="8" name="Foliennummernplatzhalter 7">
             <a:extLst>
               <a:ext uri="{FF2B5EF4-FFF2-40B4-BE49-F238E27FC236}">
-                <a16:creationId xmlns:a16="http://schemas.microsoft.com/office/drawing/2014/main" id="{FA0B96AE-C8F3-44FA-AE7D-D6C08699149A}"/>
+                <a16:creationId xmlns:a16="http://schemas.microsoft.com/office/drawing/2014/main" xmlns="" id="{FA0B96AE-C8F3-44FA-AE7D-D6C08699149A}"/>
               </a:ext>
               <a:ext uri="{C183D7F6-B498-43B3-948B-1728B52AA6E4}">
-                <adec:decorative xmlns:adec="http://schemas.microsoft.com/office/drawing/2017/decorative" val="1"/>
+                <adec:decorative xmlns:adec="http://schemas.microsoft.com/office/drawing/2017/decorative" xmlns="" val="1"/>
               </a:ext>
             </a:extLst>
           </p:cNvPr>
@@ -10886,10 +10986,10 @@
           <p:cNvPr id="7" name="Grafik 6">
             <a:extLst>
               <a:ext uri="{FF2B5EF4-FFF2-40B4-BE49-F238E27FC236}">
-                <a16:creationId xmlns:a16="http://schemas.microsoft.com/office/drawing/2014/main" id="{18916216-B032-4200-99C8-5BA3A21F8800}"/>
+                <a16:creationId xmlns:a16="http://schemas.microsoft.com/office/drawing/2014/main" xmlns="" id="{18916216-B032-4200-99C8-5BA3A21F8800}"/>
               </a:ext>
               <a:ext uri="{C183D7F6-B498-43B3-948B-1728B52AA6E4}">
-                <adec:decorative xmlns:adec="http://schemas.microsoft.com/office/drawing/2017/decorative" val="1"/>
+                <adec:decorative xmlns:adec="http://schemas.microsoft.com/office/drawing/2017/decorative" xmlns="" val="1"/>
               </a:ext>
             </a:extLst>
           </p:cNvPr>
@@ -10925,10 +11025,10 @@
           <p:cNvPr id="8" name="Grafik 7">
             <a:extLst>
               <a:ext uri="{FF2B5EF4-FFF2-40B4-BE49-F238E27FC236}">
-                <a16:creationId xmlns:a16="http://schemas.microsoft.com/office/drawing/2014/main" id="{A72007CB-CD36-48DD-9918-1BFC87D15E94}"/>
+                <a16:creationId xmlns:a16="http://schemas.microsoft.com/office/drawing/2014/main" xmlns="" id="{A72007CB-CD36-48DD-9918-1BFC87D15E94}"/>
               </a:ext>
               <a:ext uri="{C183D7F6-B498-43B3-948B-1728B52AA6E4}">
-                <adec:decorative xmlns:adec="http://schemas.microsoft.com/office/drawing/2017/decorative" val="1"/>
+                <adec:decorative xmlns:adec="http://schemas.microsoft.com/office/drawing/2017/decorative" xmlns="" val="1"/>
               </a:ext>
             </a:extLst>
           </p:cNvPr>
@@ -11001,7 +11101,7 @@
           <p:cNvPr id="3" name="Titel 2">
             <a:extLst>
               <a:ext uri="{FF2B5EF4-FFF2-40B4-BE49-F238E27FC236}">
-                <a16:creationId xmlns:a16="http://schemas.microsoft.com/office/drawing/2014/main" id="{86BA6808-8CD4-4528-935A-3978EF1718CF}"/>
+                <a16:creationId xmlns:a16="http://schemas.microsoft.com/office/drawing/2014/main" xmlns="" id="{86BA6808-8CD4-4528-935A-3978EF1718CF}"/>
               </a:ext>
             </a:extLst>
           </p:cNvPr>
@@ -11136,7 +11236,7 @@
           <p:cNvPr id="14" name="Textplatzhalter 10">
             <a:extLst>
               <a:ext uri="{FF2B5EF4-FFF2-40B4-BE49-F238E27FC236}">
-                <a16:creationId xmlns:a16="http://schemas.microsoft.com/office/drawing/2014/main" id="{3A6FC492-F4FE-474B-9BFE-DAAE645B98B7}"/>
+                <a16:creationId xmlns:a16="http://schemas.microsoft.com/office/drawing/2014/main" xmlns="" id="{3A6FC492-F4FE-474B-9BFE-DAAE645B98B7}"/>
               </a:ext>
             </a:extLst>
           </p:cNvPr>
@@ -11230,7 +11330,7 @@
           <p:cNvPr id="6" name="Titel 5">
             <a:extLst>
               <a:ext uri="{FF2B5EF4-FFF2-40B4-BE49-F238E27FC236}">
-                <a16:creationId xmlns:a16="http://schemas.microsoft.com/office/drawing/2014/main" id="{300D522C-4936-4859-8D4D-0C55FD55D08F}"/>
+                <a16:creationId xmlns:a16="http://schemas.microsoft.com/office/drawing/2014/main" xmlns="" id="{300D522C-4936-4859-8D4D-0C55FD55D08F}"/>
               </a:ext>
             </a:extLst>
           </p:cNvPr>
@@ -11259,7 +11359,7 @@
           <p:cNvPr id="29" name="Textplatzhalter 7">
             <a:extLst>
               <a:ext uri="{FF2B5EF4-FFF2-40B4-BE49-F238E27FC236}">
-                <a16:creationId xmlns:a16="http://schemas.microsoft.com/office/drawing/2014/main" id="{51AA1992-9A0E-4E06-BCFA-97D889E62091}"/>
+                <a16:creationId xmlns:a16="http://schemas.microsoft.com/office/drawing/2014/main" xmlns="" id="{51AA1992-9A0E-4E06-BCFA-97D889E62091}"/>
               </a:ext>
             </a:extLst>
           </p:cNvPr>
@@ -11298,7 +11398,7 @@
           <p:cNvPr id="9" name="Rechteck 8">
             <a:extLst>
               <a:ext uri="{C183D7F6-B498-43B3-948B-1728B52AA6E4}">
-                <adec:decorative xmlns:adec="http://schemas.microsoft.com/office/drawing/2017/decorative" val="1"/>
+                <adec:decorative xmlns:adec="http://schemas.microsoft.com/office/drawing/2017/decorative" xmlns="" val="1"/>
               </a:ext>
             </a:extLst>
           </p:cNvPr>
@@ -11350,10 +11450,10 @@
           <p:cNvPr id="23" name="Bildplatzhalter 7">
             <a:extLst>
               <a:ext uri="{FF2B5EF4-FFF2-40B4-BE49-F238E27FC236}">
-                <a16:creationId xmlns:a16="http://schemas.microsoft.com/office/drawing/2014/main" id="{8148DC21-4CB2-4171-8B0E-7865619CB5BB}"/>
+                <a16:creationId xmlns:a16="http://schemas.microsoft.com/office/drawing/2014/main" xmlns="" id="{8148DC21-4CB2-4171-8B0E-7865619CB5BB}"/>
               </a:ext>
               <a:ext uri="{C183D7F6-B498-43B3-948B-1728B52AA6E4}">
-                <adec:decorative xmlns:adec="http://schemas.microsoft.com/office/drawing/2017/decorative" val="1"/>
+                <adec:decorative xmlns:adec="http://schemas.microsoft.com/office/drawing/2017/decorative" xmlns="" val="1"/>
               </a:ext>
             </a:extLst>
           </p:cNvPr>
@@ -11533,7 +11633,7 @@
           <p:cNvPr id="24" name="Rechteck 23">
             <a:extLst>
               <a:ext uri="{C183D7F6-B498-43B3-948B-1728B52AA6E4}">
-                <adec:decorative xmlns:adec="http://schemas.microsoft.com/office/drawing/2017/decorative" val="1"/>
+                <adec:decorative xmlns:adec="http://schemas.microsoft.com/office/drawing/2017/decorative" xmlns="" val="1"/>
               </a:ext>
             </a:extLst>
           </p:cNvPr>
@@ -11585,10 +11685,10 @@
           <p:cNvPr id="37" name="Bildplatzhalter 7">
             <a:extLst>
               <a:ext uri="{FF2B5EF4-FFF2-40B4-BE49-F238E27FC236}">
-                <a16:creationId xmlns:a16="http://schemas.microsoft.com/office/drawing/2014/main" id="{515DA547-D380-4DDE-8F77-C8902B702291}"/>
+                <a16:creationId xmlns:a16="http://schemas.microsoft.com/office/drawing/2014/main" xmlns="" id="{515DA547-D380-4DDE-8F77-C8902B702291}"/>
               </a:ext>
               <a:ext uri="{C183D7F6-B498-43B3-948B-1728B52AA6E4}">
-                <adec:decorative xmlns:adec="http://schemas.microsoft.com/office/drawing/2017/decorative" val="1"/>
+                <adec:decorative xmlns:adec="http://schemas.microsoft.com/office/drawing/2017/decorative" xmlns="" val="1"/>
               </a:ext>
             </a:extLst>
           </p:cNvPr>
@@ -11768,7 +11868,7 @@
           <p:cNvPr id="28" name="Rechteck 27">
             <a:extLst>
               <a:ext uri="{C183D7F6-B498-43B3-948B-1728B52AA6E4}">
-                <adec:decorative xmlns:adec="http://schemas.microsoft.com/office/drawing/2017/decorative" val="1"/>
+                <adec:decorative xmlns:adec="http://schemas.microsoft.com/office/drawing/2017/decorative" xmlns="" val="1"/>
               </a:ext>
             </a:extLst>
           </p:cNvPr>
@@ -11820,10 +11920,10 @@
           <p:cNvPr id="38" name="Bildplatzhalter 7">
             <a:extLst>
               <a:ext uri="{FF2B5EF4-FFF2-40B4-BE49-F238E27FC236}">
-                <a16:creationId xmlns:a16="http://schemas.microsoft.com/office/drawing/2014/main" id="{27A38D11-8E8E-44F4-9460-58E87F53EFA8}"/>
+                <a16:creationId xmlns:a16="http://schemas.microsoft.com/office/drawing/2014/main" xmlns="" id="{27A38D11-8E8E-44F4-9460-58E87F53EFA8}"/>
               </a:ext>
               <a:ext uri="{C183D7F6-B498-43B3-948B-1728B52AA6E4}">
-                <adec:decorative xmlns:adec="http://schemas.microsoft.com/office/drawing/2017/decorative" val="1"/>
+                <adec:decorative xmlns:adec="http://schemas.microsoft.com/office/drawing/2017/decorative" xmlns="" val="1"/>
               </a:ext>
             </a:extLst>
           </p:cNvPr>
@@ -12003,7 +12103,7 @@
           <p:cNvPr id="32" name="Rechteck 31">
             <a:extLst>
               <a:ext uri="{C183D7F6-B498-43B3-948B-1728B52AA6E4}">
-                <adec:decorative xmlns:adec="http://schemas.microsoft.com/office/drawing/2017/decorative" val="1"/>
+                <adec:decorative xmlns:adec="http://schemas.microsoft.com/office/drawing/2017/decorative" xmlns="" val="1"/>
               </a:ext>
             </a:extLst>
           </p:cNvPr>
@@ -12055,10 +12155,10 @@
           <p:cNvPr id="39" name="Bildplatzhalter 7">
             <a:extLst>
               <a:ext uri="{FF2B5EF4-FFF2-40B4-BE49-F238E27FC236}">
-                <a16:creationId xmlns:a16="http://schemas.microsoft.com/office/drawing/2014/main" id="{F9D0B43C-E1CE-4C97-B82A-2D4CC82B3CB1}"/>
+                <a16:creationId xmlns:a16="http://schemas.microsoft.com/office/drawing/2014/main" xmlns="" id="{F9D0B43C-E1CE-4C97-B82A-2D4CC82B3CB1}"/>
               </a:ext>
               <a:ext uri="{C183D7F6-B498-43B3-948B-1728B52AA6E4}">
-                <adec:decorative xmlns:adec="http://schemas.microsoft.com/office/drawing/2017/decorative" val="1"/>
+                <adec:decorative xmlns:adec="http://schemas.microsoft.com/office/drawing/2017/decorative" xmlns="" val="1"/>
               </a:ext>
             </a:extLst>
           </p:cNvPr>
@@ -12238,10 +12338,10 @@
           <p:cNvPr id="2" name="Datumsplatzhalter 1">
             <a:extLst>
               <a:ext uri="{FF2B5EF4-FFF2-40B4-BE49-F238E27FC236}">
-                <a16:creationId xmlns:a16="http://schemas.microsoft.com/office/drawing/2014/main" id="{59D2061A-F7B9-4066-8B32-A1C3482EF45F}"/>
+                <a16:creationId xmlns:a16="http://schemas.microsoft.com/office/drawing/2014/main" xmlns="" id="{59D2061A-F7B9-4066-8B32-A1C3482EF45F}"/>
               </a:ext>
               <a:ext uri="{C183D7F6-B498-43B3-948B-1728B52AA6E4}">
-                <adec:decorative xmlns:adec="http://schemas.microsoft.com/office/drawing/2017/decorative" val="1"/>
+                <adec:decorative xmlns:adec="http://schemas.microsoft.com/office/drawing/2017/decorative" xmlns="" val="1"/>
               </a:ext>
             </a:extLst>
           </p:cNvPr>
@@ -12270,10 +12370,10 @@
           <p:cNvPr id="7" name="Fußzeilenplatzhalter 6">
             <a:extLst>
               <a:ext uri="{FF2B5EF4-FFF2-40B4-BE49-F238E27FC236}">
-                <a16:creationId xmlns:a16="http://schemas.microsoft.com/office/drawing/2014/main" id="{03FA1FEC-5452-4CA7-AC29-AAC289A6BF9A}"/>
+                <a16:creationId xmlns:a16="http://schemas.microsoft.com/office/drawing/2014/main" xmlns="" id="{03FA1FEC-5452-4CA7-AC29-AAC289A6BF9A}"/>
               </a:ext>
               <a:ext uri="{C183D7F6-B498-43B3-948B-1728B52AA6E4}">
-                <adec:decorative xmlns:adec="http://schemas.microsoft.com/office/drawing/2017/decorative" val="1"/>
+                <adec:decorative xmlns:adec="http://schemas.microsoft.com/office/drawing/2017/decorative" xmlns="" val="1"/>
               </a:ext>
             </a:extLst>
           </p:cNvPr>
@@ -12302,10 +12402,10 @@
           <p:cNvPr id="8" name="Foliennummernplatzhalter 7">
             <a:extLst>
               <a:ext uri="{FF2B5EF4-FFF2-40B4-BE49-F238E27FC236}">
-                <a16:creationId xmlns:a16="http://schemas.microsoft.com/office/drawing/2014/main" id="{2FF134CF-6C49-4AA3-AF75-2A80F4C02FB0}"/>
+                <a16:creationId xmlns:a16="http://schemas.microsoft.com/office/drawing/2014/main" xmlns="" id="{2FF134CF-6C49-4AA3-AF75-2A80F4C02FB0}"/>
               </a:ext>
               <a:ext uri="{C183D7F6-B498-43B3-948B-1728B52AA6E4}">
-                <adec:decorative xmlns:adec="http://schemas.microsoft.com/office/drawing/2017/decorative" val="1"/>
+                <adec:decorative xmlns:adec="http://schemas.microsoft.com/office/drawing/2017/decorative" xmlns="" val="1"/>
               </a:ext>
             </a:extLst>
           </p:cNvPr>
@@ -12365,7 +12465,7 @@
           <p:cNvPr id="6" name="Titel 5">
             <a:extLst>
               <a:ext uri="{FF2B5EF4-FFF2-40B4-BE49-F238E27FC236}">
-                <a16:creationId xmlns:a16="http://schemas.microsoft.com/office/drawing/2014/main" id="{CA6FC187-6C25-4F69-9AFE-1DD17195077A}"/>
+                <a16:creationId xmlns:a16="http://schemas.microsoft.com/office/drawing/2014/main" xmlns="" id="{CA6FC187-6C25-4F69-9AFE-1DD17195077A}"/>
               </a:ext>
             </a:extLst>
           </p:cNvPr>
@@ -12394,7 +12494,7 @@
           <p:cNvPr id="7" name="Textplatzhalter 7">
             <a:extLst>
               <a:ext uri="{FF2B5EF4-FFF2-40B4-BE49-F238E27FC236}">
-                <a16:creationId xmlns:a16="http://schemas.microsoft.com/office/drawing/2014/main" id="{6B0B00BC-A6AE-499E-84DC-2DAD144AC366}"/>
+                <a16:creationId xmlns:a16="http://schemas.microsoft.com/office/drawing/2014/main" xmlns="" id="{6B0B00BC-A6AE-499E-84DC-2DAD144AC366}"/>
               </a:ext>
             </a:extLst>
           </p:cNvPr>
@@ -12433,10 +12533,10 @@
           <p:cNvPr id="2" name="Datumsplatzhalter 1">
             <a:extLst>
               <a:ext uri="{FF2B5EF4-FFF2-40B4-BE49-F238E27FC236}">
-                <a16:creationId xmlns:a16="http://schemas.microsoft.com/office/drawing/2014/main" id="{F5C91D90-14FB-4048-90C7-46ECAAC1A854}"/>
+                <a16:creationId xmlns:a16="http://schemas.microsoft.com/office/drawing/2014/main" xmlns="" id="{F5C91D90-14FB-4048-90C7-46ECAAC1A854}"/>
               </a:ext>
               <a:ext uri="{C183D7F6-B498-43B3-948B-1728B52AA6E4}">
-                <adec:decorative xmlns:adec="http://schemas.microsoft.com/office/drawing/2017/decorative" val="1"/>
+                <adec:decorative xmlns:adec="http://schemas.microsoft.com/office/drawing/2017/decorative" xmlns="" val="1"/>
               </a:ext>
             </a:extLst>
           </p:cNvPr>
@@ -12465,10 +12565,10 @@
           <p:cNvPr id="8" name="Fußzeilenplatzhalter 7">
             <a:extLst>
               <a:ext uri="{FF2B5EF4-FFF2-40B4-BE49-F238E27FC236}">
-                <a16:creationId xmlns:a16="http://schemas.microsoft.com/office/drawing/2014/main" id="{76EB3F55-4D9D-4868-AB1E-72DEFF73228D}"/>
+                <a16:creationId xmlns:a16="http://schemas.microsoft.com/office/drawing/2014/main" xmlns="" id="{76EB3F55-4D9D-4868-AB1E-72DEFF73228D}"/>
               </a:ext>
               <a:ext uri="{C183D7F6-B498-43B3-948B-1728B52AA6E4}">
-                <adec:decorative xmlns:adec="http://schemas.microsoft.com/office/drawing/2017/decorative" val="1"/>
+                <adec:decorative xmlns:adec="http://schemas.microsoft.com/office/drawing/2017/decorative" xmlns="" val="1"/>
               </a:ext>
             </a:extLst>
           </p:cNvPr>
@@ -12497,10 +12597,10 @@
           <p:cNvPr id="9" name="Foliennummernplatzhalter 8">
             <a:extLst>
               <a:ext uri="{FF2B5EF4-FFF2-40B4-BE49-F238E27FC236}">
-                <a16:creationId xmlns:a16="http://schemas.microsoft.com/office/drawing/2014/main" id="{3F23070B-2BFB-4265-B171-72C9AFED1F2B}"/>
+                <a16:creationId xmlns:a16="http://schemas.microsoft.com/office/drawing/2014/main" xmlns="" id="{3F23070B-2BFB-4265-B171-72C9AFED1F2B}"/>
               </a:ext>
               <a:ext uri="{C183D7F6-B498-43B3-948B-1728B52AA6E4}">
-                <adec:decorative xmlns:adec="http://schemas.microsoft.com/office/drawing/2017/decorative" val="1"/>
+                <adec:decorative xmlns:adec="http://schemas.microsoft.com/office/drawing/2017/decorative" xmlns="" val="1"/>
               </a:ext>
             </a:extLst>
           </p:cNvPr>
@@ -12560,10 +12660,10 @@
           <p:cNvPr id="5" name="Datumsplatzhalter 4">
             <a:extLst>
               <a:ext uri="{FF2B5EF4-FFF2-40B4-BE49-F238E27FC236}">
-                <a16:creationId xmlns:a16="http://schemas.microsoft.com/office/drawing/2014/main" id="{8EB4CBF2-CB08-4260-9880-58E2CB8136E3}"/>
+                <a16:creationId xmlns:a16="http://schemas.microsoft.com/office/drawing/2014/main" xmlns="" id="{8EB4CBF2-CB08-4260-9880-58E2CB8136E3}"/>
               </a:ext>
               <a:ext uri="{C183D7F6-B498-43B3-948B-1728B52AA6E4}">
-                <adec:decorative xmlns:adec="http://schemas.microsoft.com/office/drawing/2017/decorative" val="1"/>
+                <adec:decorative xmlns:adec="http://schemas.microsoft.com/office/drawing/2017/decorative" xmlns="" val="1"/>
               </a:ext>
             </a:extLst>
           </p:cNvPr>
@@ -12592,10 +12692,10 @@
           <p:cNvPr id="6" name="Fußzeilenplatzhalter 5">
             <a:extLst>
               <a:ext uri="{FF2B5EF4-FFF2-40B4-BE49-F238E27FC236}">
-                <a16:creationId xmlns:a16="http://schemas.microsoft.com/office/drawing/2014/main" id="{506F32DB-70F8-46A0-9893-754D621F6EF8}"/>
+                <a16:creationId xmlns:a16="http://schemas.microsoft.com/office/drawing/2014/main" xmlns="" id="{506F32DB-70F8-46A0-9893-754D621F6EF8}"/>
               </a:ext>
               <a:ext uri="{C183D7F6-B498-43B3-948B-1728B52AA6E4}">
-                <adec:decorative xmlns:adec="http://schemas.microsoft.com/office/drawing/2017/decorative" val="1"/>
+                <adec:decorative xmlns:adec="http://schemas.microsoft.com/office/drawing/2017/decorative" xmlns="" val="1"/>
               </a:ext>
             </a:extLst>
           </p:cNvPr>
@@ -12624,10 +12724,10 @@
           <p:cNvPr id="7" name="Foliennummernplatzhalter 6">
             <a:extLst>
               <a:ext uri="{FF2B5EF4-FFF2-40B4-BE49-F238E27FC236}">
-                <a16:creationId xmlns:a16="http://schemas.microsoft.com/office/drawing/2014/main" id="{1E68AB4C-9B2E-45E8-ADE4-94712E4C94CE}"/>
+                <a16:creationId xmlns:a16="http://schemas.microsoft.com/office/drawing/2014/main" xmlns="" id="{1E68AB4C-9B2E-45E8-ADE4-94712E4C94CE}"/>
               </a:ext>
               <a:ext uri="{C183D7F6-B498-43B3-948B-1728B52AA6E4}">
-                <adec:decorative xmlns:adec="http://schemas.microsoft.com/office/drawing/2017/decorative" val="1"/>
+                <adec:decorative xmlns:adec="http://schemas.microsoft.com/office/drawing/2017/decorative" xmlns="" val="1"/>
               </a:ext>
             </a:extLst>
           </p:cNvPr>
@@ -12687,10 +12787,10 @@
           <p:cNvPr id="15" name="Grafik 14">
             <a:extLst>
               <a:ext uri="{FF2B5EF4-FFF2-40B4-BE49-F238E27FC236}">
-                <a16:creationId xmlns:a16="http://schemas.microsoft.com/office/drawing/2014/main" id="{6A65769C-F1B2-46A8-BE29-7BDA292637F7}"/>
+                <a16:creationId xmlns:a16="http://schemas.microsoft.com/office/drawing/2014/main" xmlns="" id="{6A65769C-F1B2-46A8-BE29-7BDA292637F7}"/>
               </a:ext>
               <a:ext uri="{C183D7F6-B498-43B3-948B-1728B52AA6E4}">
-                <adec:decorative xmlns:adec="http://schemas.microsoft.com/office/drawing/2017/decorative" val="1"/>
+                <adec:decorative xmlns:adec="http://schemas.microsoft.com/office/drawing/2017/decorative" xmlns="" val="1"/>
               </a:ext>
             </a:extLst>
           </p:cNvPr>
@@ -12726,10 +12826,10 @@
           <p:cNvPr id="17" name="Grafik 16">
             <a:extLst>
               <a:ext uri="{FF2B5EF4-FFF2-40B4-BE49-F238E27FC236}">
-                <a16:creationId xmlns:a16="http://schemas.microsoft.com/office/drawing/2014/main" id="{D336D8DB-9367-4FF1-A5AE-E9BB1F8D0313}"/>
+                <a16:creationId xmlns:a16="http://schemas.microsoft.com/office/drawing/2014/main" xmlns="" id="{D336D8DB-9367-4FF1-A5AE-E9BB1F8D0313}"/>
               </a:ext>
               <a:ext uri="{C183D7F6-B498-43B3-948B-1728B52AA6E4}">
-                <adec:decorative xmlns:adec="http://schemas.microsoft.com/office/drawing/2017/decorative" val="1"/>
+                <adec:decorative xmlns:adec="http://schemas.microsoft.com/office/drawing/2017/decorative" xmlns="" val="1"/>
               </a:ext>
             </a:extLst>
           </p:cNvPr>
@@ -12957,7 +13057,7 @@
           <p:cNvPr id="6" name="Bildplatzhalter 7">
             <a:extLst>
               <a:ext uri="{C183D7F6-B498-43B3-948B-1728B52AA6E4}">
-                <adec:decorative xmlns:adec="http://schemas.microsoft.com/office/drawing/2017/decorative" val="1"/>
+                <adec:decorative xmlns:adec="http://schemas.microsoft.com/office/drawing/2017/decorative" xmlns="" val="1"/>
               </a:ext>
             </a:extLst>
           </p:cNvPr>
@@ -13069,7 +13169,7 @@
           <p:cNvPr id="26" name="E-Mail">
             <a:extLst>
               <a:ext uri="{FF2B5EF4-FFF2-40B4-BE49-F238E27FC236}">
-                <a16:creationId xmlns:a16="http://schemas.microsoft.com/office/drawing/2014/main" id="{3F6E91DA-4315-4842-8A73-EF9BF09F6867}"/>
+                <a16:creationId xmlns:a16="http://schemas.microsoft.com/office/drawing/2014/main" xmlns="" id="{3F6E91DA-4315-4842-8A73-EF9BF09F6867}"/>
               </a:ext>
             </a:extLst>
           </p:cNvPr>
@@ -13169,7 +13269,7 @@
           <p:cNvPr id="28" name="Email Adresse">
             <a:extLst>
               <a:ext uri="{FF2B5EF4-FFF2-40B4-BE49-F238E27FC236}">
-                <a16:creationId xmlns:a16="http://schemas.microsoft.com/office/drawing/2014/main" id="{2E9486C1-A07E-4972-B438-0354636F62C8}"/>
+                <a16:creationId xmlns:a16="http://schemas.microsoft.com/office/drawing/2014/main" xmlns="" id="{2E9486C1-A07E-4972-B438-0354636F62C8}"/>
               </a:ext>
             </a:extLst>
           </p:cNvPr>
@@ -13249,7 +13349,7 @@
           <p:cNvPr id="29" name="Telefonnummer">
             <a:extLst>
               <a:ext uri="{FF2B5EF4-FFF2-40B4-BE49-F238E27FC236}">
-                <a16:creationId xmlns:a16="http://schemas.microsoft.com/office/drawing/2014/main" id="{3CBB6CEB-664B-42B5-8E61-99712350A32C}"/>
+                <a16:creationId xmlns:a16="http://schemas.microsoft.com/office/drawing/2014/main" xmlns="" id="{3CBB6CEB-664B-42B5-8E61-99712350A32C}"/>
               </a:ext>
             </a:extLst>
           </p:cNvPr>
@@ -13353,7 +13453,7 @@
           <p:cNvPr id="30" name="Durchwahl">
             <a:extLst>
               <a:ext uri="{FF2B5EF4-FFF2-40B4-BE49-F238E27FC236}">
-                <a16:creationId xmlns:a16="http://schemas.microsoft.com/office/drawing/2014/main" id="{1D874AC3-A5E6-4160-B089-7D15670623B6}"/>
+                <a16:creationId xmlns:a16="http://schemas.microsoft.com/office/drawing/2014/main" xmlns="" id="{1D874AC3-A5E6-4160-B089-7D15670623B6}"/>
               </a:ext>
             </a:extLst>
           </p:cNvPr>
@@ -13424,7 +13524,7 @@
           <p:cNvPr id="31" name="www">
             <a:extLst>
               <a:ext uri="{FF2B5EF4-FFF2-40B4-BE49-F238E27FC236}">
-                <a16:creationId xmlns:a16="http://schemas.microsoft.com/office/drawing/2014/main" id="{2D50EB94-1B6A-4808-869F-07F41859F9C9}"/>
+                <a16:creationId xmlns:a16="http://schemas.microsoft.com/office/drawing/2014/main" xmlns="" id="{2D50EB94-1B6A-4808-869F-07F41859F9C9}"/>
               </a:ext>
             </a:extLst>
           </p:cNvPr>
@@ -13495,7 +13595,7 @@
           <p:cNvPr id="32" name="Webadresse">
             <a:extLst>
               <a:ext uri="{FF2B5EF4-FFF2-40B4-BE49-F238E27FC236}">
-                <a16:creationId xmlns:a16="http://schemas.microsoft.com/office/drawing/2014/main" id="{6E6785CE-8C96-4924-8283-EC51081BD240}"/>
+                <a16:creationId xmlns:a16="http://schemas.microsoft.com/office/drawing/2014/main" xmlns="" id="{6E6785CE-8C96-4924-8283-EC51081BD240}"/>
               </a:ext>
             </a:extLst>
           </p:cNvPr>
@@ -13575,7 +13675,7 @@
           <p:cNvPr id="33" name="Universität Stuttgart">
             <a:extLst>
               <a:ext uri="{FF2B5EF4-FFF2-40B4-BE49-F238E27FC236}">
-                <a16:creationId xmlns:a16="http://schemas.microsoft.com/office/drawing/2014/main" id="{0C08BB04-B052-4FF7-B62B-8ABD826FA796}"/>
+                <a16:creationId xmlns:a16="http://schemas.microsoft.com/office/drawing/2014/main" xmlns="" id="{0C08BB04-B052-4FF7-B62B-8ABD826FA796}"/>
               </a:ext>
             </a:extLst>
           </p:cNvPr>
@@ -13672,7 +13772,7 @@
           <p:cNvPr id="34" name="Abteilung Institut">
             <a:extLst>
               <a:ext uri="{FF2B5EF4-FFF2-40B4-BE49-F238E27FC236}">
-                <a16:creationId xmlns:a16="http://schemas.microsoft.com/office/drawing/2014/main" id="{547D4004-B9BD-4097-81E1-6F5F7DA08A0D}"/>
+                <a16:creationId xmlns:a16="http://schemas.microsoft.com/office/drawing/2014/main" xmlns="" id="{547D4004-B9BD-4097-81E1-6F5F7DA08A0D}"/>
               </a:ext>
             </a:extLst>
           </p:cNvPr>
@@ -13764,7 +13864,7 @@
           <p:cNvPr id="35" name="Adressfeld">
             <a:extLst>
               <a:ext uri="{FF2B5EF4-FFF2-40B4-BE49-F238E27FC236}">
-                <a16:creationId xmlns:a16="http://schemas.microsoft.com/office/drawing/2014/main" id="{9484ABC1-A1AA-40CB-8BB1-AB6F21778D07}"/>
+                <a16:creationId xmlns:a16="http://schemas.microsoft.com/office/drawing/2014/main" xmlns="" id="{9484ABC1-A1AA-40CB-8BB1-AB6F21778D07}"/>
               </a:ext>
             </a:extLst>
           </p:cNvPr>
@@ -13880,10 +13980,10 @@
           <p:cNvPr id="28" name="Grafik 27">
             <a:extLst>
               <a:ext uri="{FF2B5EF4-FFF2-40B4-BE49-F238E27FC236}">
-                <a16:creationId xmlns:a16="http://schemas.microsoft.com/office/drawing/2014/main" id="{FB752999-B480-46AD-86AB-B98CEC626865}"/>
+                <a16:creationId xmlns:a16="http://schemas.microsoft.com/office/drawing/2014/main" xmlns="" id="{FB752999-B480-46AD-86AB-B98CEC626865}"/>
               </a:ext>
               <a:ext uri="{C183D7F6-B498-43B3-948B-1728B52AA6E4}">
-                <adec:decorative xmlns:adec="http://schemas.microsoft.com/office/drawing/2017/decorative" val="1"/>
+                <adec:decorative xmlns:adec="http://schemas.microsoft.com/office/drawing/2017/decorative" xmlns="" val="1"/>
               </a:ext>
             </a:extLst>
           </p:cNvPr>
@@ -13920,10 +14020,10 @@
           <p:cNvPr id="29" name="Grafik 28">
             <a:extLst>
               <a:ext uri="{FF2B5EF4-FFF2-40B4-BE49-F238E27FC236}">
-                <a16:creationId xmlns:a16="http://schemas.microsoft.com/office/drawing/2014/main" id="{EA94CF37-DF83-4EB6-B7FC-3A54F0E0CFEA}"/>
+                <a16:creationId xmlns:a16="http://schemas.microsoft.com/office/drawing/2014/main" xmlns="" id="{EA94CF37-DF83-4EB6-B7FC-3A54F0E0CFEA}"/>
               </a:ext>
               <a:ext uri="{C183D7F6-B498-43B3-948B-1728B52AA6E4}">
-                <adec:decorative xmlns:adec="http://schemas.microsoft.com/office/drawing/2017/decorative" val="1"/>
+                <adec:decorative xmlns:adec="http://schemas.microsoft.com/office/drawing/2017/decorative" xmlns="" val="1"/>
               </a:ext>
             </a:extLst>
           </p:cNvPr>
@@ -14152,7 +14252,7 @@
           <p:cNvPr id="27" name="Bildplatzhalter 7">
             <a:extLst>
               <a:ext uri="{FF2B5EF4-FFF2-40B4-BE49-F238E27FC236}">
-                <a16:creationId xmlns:a16="http://schemas.microsoft.com/office/drawing/2014/main" id="{E8FAD59D-97FD-4838-AA91-B266FA5DD370}"/>
+                <a16:creationId xmlns:a16="http://schemas.microsoft.com/office/drawing/2014/main" xmlns="" id="{E8FAD59D-97FD-4838-AA91-B266FA5DD370}"/>
               </a:ext>
             </a:extLst>
           </p:cNvPr>
@@ -14262,7 +14362,7 @@
           <p:cNvPr id="21" name="E-Mail">
             <a:extLst>
               <a:ext uri="{FF2B5EF4-FFF2-40B4-BE49-F238E27FC236}">
-                <a16:creationId xmlns:a16="http://schemas.microsoft.com/office/drawing/2014/main" id="{0EF3AEB7-6218-41A3-AF52-E25C7AF428CB}"/>
+                <a16:creationId xmlns:a16="http://schemas.microsoft.com/office/drawing/2014/main" xmlns="" id="{0EF3AEB7-6218-41A3-AF52-E25C7AF428CB}"/>
               </a:ext>
             </a:extLst>
           </p:cNvPr>
@@ -14362,7 +14462,7 @@
           <p:cNvPr id="30" name="Email Adresse">
             <a:extLst>
               <a:ext uri="{FF2B5EF4-FFF2-40B4-BE49-F238E27FC236}">
-                <a16:creationId xmlns:a16="http://schemas.microsoft.com/office/drawing/2014/main" id="{118DEBC9-D26E-41CE-8AAB-C22253B8FBDB}"/>
+                <a16:creationId xmlns:a16="http://schemas.microsoft.com/office/drawing/2014/main" xmlns="" id="{118DEBC9-D26E-41CE-8AAB-C22253B8FBDB}"/>
               </a:ext>
             </a:extLst>
           </p:cNvPr>
@@ -14442,7 +14542,7 @@
           <p:cNvPr id="38" name="Durchwahl">
             <a:extLst>
               <a:ext uri="{FF2B5EF4-FFF2-40B4-BE49-F238E27FC236}">
-                <a16:creationId xmlns:a16="http://schemas.microsoft.com/office/drawing/2014/main" id="{E133C5D0-8225-4F00-87C0-B1A77BDD5308}"/>
+                <a16:creationId xmlns:a16="http://schemas.microsoft.com/office/drawing/2014/main" xmlns="" id="{E133C5D0-8225-4F00-87C0-B1A77BDD5308}"/>
               </a:ext>
             </a:extLst>
           </p:cNvPr>
@@ -14517,7 +14617,7 @@
           <p:cNvPr id="32" name="Durchwahl">
             <a:extLst>
               <a:ext uri="{FF2B5EF4-FFF2-40B4-BE49-F238E27FC236}">
-                <a16:creationId xmlns:a16="http://schemas.microsoft.com/office/drawing/2014/main" id="{76EA4574-E195-402F-BE7A-C5DAB28ED00E}"/>
+                <a16:creationId xmlns:a16="http://schemas.microsoft.com/office/drawing/2014/main" xmlns="" id="{76EA4574-E195-402F-BE7A-C5DAB28ED00E}"/>
               </a:ext>
             </a:extLst>
           </p:cNvPr>
@@ -14588,7 +14688,7 @@
           <p:cNvPr id="33" name="www">
             <a:extLst>
               <a:ext uri="{FF2B5EF4-FFF2-40B4-BE49-F238E27FC236}">
-                <a16:creationId xmlns:a16="http://schemas.microsoft.com/office/drawing/2014/main" id="{A2A5A03D-8A1F-46C2-8C7A-3BB7531CDFB9}"/>
+                <a16:creationId xmlns:a16="http://schemas.microsoft.com/office/drawing/2014/main" xmlns="" id="{A2A5A03D-8A1F-46C2-8C7A-3BB7531CDFB9}"/>
               </a:ext>
             </a:extLst>
           </p:cNvPr>
@@ -14659,7 +14759,7 @@
           <p:cNvPr id="34" name="Webadresse">
             <a:extLst>
               <a:ext uri="{FF2B5EF4-FFF2-40B4-BE49-F238E27FC236}">
-                <a16:creationId xmlns:a16="http://schemas.microsoft.com/office/drawing/2014/main" id="{728AF890-7B6D-440A-957D-471333F7DC28}"/>
+                <a16:creationId xmlns:a16="http://schemas.microsoft.com/office/drawing/2014/main" xmlns="" id="{728AF890-7B6D-440A-957D-471333F7DC28}"/>
               </a:ext>
             </a:extLst>
           </p:cNvPr>
@@ -14739,7 +14839,7 @@
           <p:cNvPr id="35" name="Universität Stuttgart">
             <a:extLst>
               <a:ext uri="{FF2B5EF4-FFF2-40B4-BE49-F238E27FC236}">
-                <a16:creationId xmlns:a16="http://schemas.microsoft.com/office/drawing/2014/main" id="{9B3B404A-B28D-4400-A9AD-FAFEB6FD8D1D}"/>
+                <a16:creationId xmlns:a16="http://schemas.microsoft.com/office/drawing/2014/main" xmlns="" id="{9B3B404A-B28D-4400-A9AD-FAFEB6FD8D1D}"/>
               </a:ext>
             </a:extLst>
           </p:cNvPr>
@@ -14836,7 +14936,7 @@
           <p:cNvPr id="36" name="Abteilung Institut">
             <a:extLst>
               <a:ext uri="{FF2B5EF4-FFF2-40B4-BE49-F238E27FC236}">
-                <a16:creationId xmlns:a16="http://schemas.microsoft.com/office/drawing/2014/main" id="{635F31DC-6AAF-4C41-8D74-05D4427F48EA}"/>
+                <a16:creationId xmlns:a16="http://schemas.microsoft.com/office/drawing/2014/main" xmlns="" id="{635F31DC-6AAF-4C41-8D74-05D4427F48EA}"/>
               </a:ext>
             </a:extLst>
           </p:cNvPr>
@@ -14928,7 +15028,7 @@
           <p:cNvPr id="37" name="Adressfeld">
             <a:extLst>
               <a:ext uri="{FF2B5EF4-FFF2-40B4-BE49-F238E27FC236}">
-                <a16:creationId xmlns:a16="http://schemas.microsoft.com/office/drawing/2014/main" id="{4C5BC753-6D21-46B4-A737-8F9A5E20BA27}"/>
+                <a16:creationId xmlns:a16="http://schemas.microsoft.com/office/drawing/2014/main" xmlns="" id="{4C5BC753-6D21-46B4-A737-8F9A5E20BA27}"/>
               </a:ext>
             </a:extLst>
           </p:cNvPr>
@@ -15030,10 +15130,10 @@
           <p:cNvPr id="14" name="Grafik 13">
             <a:extLst>
               <a:ext uri="{FF2B5EF4-FFF2-40B4-BE49-F238E27FC236}">
-                <a16:creationId xmlns:a16="http://schemas.microsoft.com/office/drawing/2014/main" id="{81775667-CF64-48AD-BB4D-F55AF1DD9BD6}"/>
+                <a16:creationId xmlns:a16="http://schemas.microsoft.com/office/drawing/2014/main" xmlns="" id="{81775667-CF64-48AD-BB4D-F55AF1DD9BD6}"/>
               </a:ext>
               <a:ext uri="{C183D7F6-B498-43B3-948B-1728B52AA6E4}">
-                <adec:decorative xmlns:adec="http://schemas.microsoft.com/office/drawing/2017/decorative" val="1"/>
+                <adec:decorative xmlns:adec="http://schemas.microsoft.com/office/drawing/2017/decorative" xmlns="" val="1"/>
               </a:ext>
             </a:extLst>
           </p:cNvPr>
@@ -15069,10 +15169,10 @@
           <p:cNvPr id="26" name="Textplatzhalter 9">
             <a:extLst>
               <a:ext uri="{FF2B5EF4-FFF2-40B4-BE49-F238E27FC236}">
-                <a16:creationId xmlns:a16="http://schemas.microsoft.com/office/drawing/2014/main" id="{CCC87B1C-0FE3-4333-ACA0-A95E3356614D}"/>
+                <a16:creationId xmlns:a16="http://schemas.microsoft.com/office/drawing/2014/main" xmlns="" id="{CCC87B1C-0FE3-4333-ACA0-A95E3356614D}"/>
               </a:ext>
               <a:ext uri="{C183D7F6-B498-43B3-948B-1728B52AA6E4}">
-                <adec:decorative xmlns:adec="http://schemas.microsoft.com/office/drawing/2017/decorative" val="0"/>
+                <adec:decorative xmlns:adec="http://schemas.microsoft.com/office/drawing/2017/decorative" xmlns="" val="0"/>
               </a:ext>
             </a:extLst>
           </p:cNvPr>
@@ -15308,7 +15408,7 @@
           <p:cNvPr id="6" name="Bildplatzhalter 7">
             <a:extLst>
               <a:ext uri="{C183D7F6-B498-43B3-948B-1728B52AA6E4}">
-                <adec:decorative xmlns:adec="http://schemas.microsoft.com/office/drawing/2017/decorative" val="1"/>
+                <adec:decorative xmlns:adec="http://schemas.microsoft.com/office/drawing/2017/decorative" xmlns="" val="1"/>
               </a:ext>
             </a:extLst>
           </p:cNvPr>
@@ -15420,7 +15520,7 @@
           <p:cNvPr id="20" name="E-Mail">
             <a:extLst>
               <a:ext uri="{FF2B5EF4-FFF2-40B4-BE49-F238E27FC236}">
-                <a16:creationId xmlns:a16="http://schemas.microsoft.com/office/drawing/2014/main" id="{9F03756C-F8E1-41A9-9E8F-8F8808524CC2}"/>
+                <a16:creationId xmlns:a16="http://schemas.microsoft.com/office/drawing/2014/main" xmlns="" id="{9F03756C-F8E1-41A9-9E8F-8F8808524CC2}"/>
               </a:ext>
             </a:extLst>
           </p:cNvPr>
@@ -15520,7 +15620,7 @@
           <p:cNvPr id="28" name="Email Adresse">
             <a:extLst>
               <a:ext uri="{FF2B5EF4-FFF2-40B4-BE49-F238E27FC236}">
-                <a16:creationId xmlns:a16="http://schemas.microsoft.com/office/drawing/2014/main" id="{16E0C391-6D81-4638-AEFC-89677A952E40}"/>
+                <a16:creationId xmlns:a16="http://schemas.microsoft.com/office/drawing/2014/main" xmlns="" id="{16E0C391-6D81-4638-AEFC-89677A952E40}"/>
               </a:ext>
             </a:extLst>
           </p:cNvPr>
@@ -15600,7 +15700,7 @@
           <p:cNvPr id="29" name="Telefonnummer">
             <a:extLst>
               <a:ext uri="{FF2B5EF4-FFF2-40B4-BE49-F238E27FC236}">
-                <a16:creationId xmlns:a16="http://schemas.microsoft.com/office/drawing/2014/main" id="{962EF95F-DFF9-42AD-846E-88B8E1EACBB8}"/>
+                <a16:creationId xmlns:a16="http://schemas.microsoft.com/office/drawing/2014/main" xmlns="" id="{962EF95F-DFF9-42AD-846E-88B8E1EACBB8}"/>
               </a:ext>
             </a:extLst>
           </p:cNvPr>
@@ -15701,7 +15801,7 @@
           <p:cNvPr id="30" name="Durchwahl">
             <a:extLst>
               <a:ext uri="{FF2B5EF4-FFF2-40B4-BE49-F238E27FC236}">
-                <a16:creationId xmlns:a16="http://schemas.microsoft.com/office/drawing/2014/main" id="{51DB8C5B-BB3C-4960-B1FA-19ECA6C9B7D6}"/>
+                <a16:creationId xmlns:a16="http://schemas.microsoft.com/office/drawing/2014/main" xmlns="" id="{51DB8C5B-BB3C-4960-B1FA-19ECA6C9B7D6}"/>
               </a:ext>
             </a:extLst>
           </p:cNvPr>
@@ -15772,7 +15872,7 @@
           <p:cNvPr id="31" name="www">
             <a:extLst>
               <a:ext uri="{FF2B5EF4-FFF2-40B4-BE49-F238E27FC236}">
-                <a16:creationId xmlns:a16="http://schemas.microsoft.com/office/drawing/2014/main" id="{49C9DA9F-B659-4D05-AF78-F90AE17CE3AA}"/>
+                <a16:creationId xmlns:a16="http://schemas.microsoft.com/office/drawing/2014/main" xmlns="" id="{49C9DA9F-B659-4D05-AF78-F90AE17CE3AA}"/>
               </a:ext>
             </a:extLst>
           </p:cNvPr>
@@ -15843,7 +15943,7 @@
           <p:cNvPr id="32" name="Webadresse">
             <a:extLst>
               <a:ext uri="{FF2B5EF4-FFF2-40B4-BE49-F238E27FC236}">
-                <a16:creationId xmlns:a16="http://schemas.microsoft.com/office/drawing/2014/main" id="{0C4D8FC5-457E-4A8D-8556-21F9679D91EE}"/>
+                <a16:creationId xmlns:a16="http://schemas.microsoft.com/office/drawing/2014/main" xmlns="" id="{0C4D8FC5-457E-4A8D-8556-21F9679D91EE}"/>
               </a:ext>
             </a:extLst>
           </p:cNvPr>
@@ -15923,7 +16023,7 @@
           <p:cNvPr id="33" name="Universität Stuttgart">
             <a:extLst>
               <a:ext uri="{FF2B5EF4-FFF2-40B4-BE49-F238E27FC236}">
-                <a16:creationId xmlns:a16="http://schemas.microsoft.com/office/drawing/2014/main" id="{83E91CC7-0E6F-4BB9-B42C-DCE91142E97E}"/>
+                <a16:creationId xmlns:a16="http://schemas.microsoft.com/office/drawing/2014/main" xmlns="" id="{83E91CC7-0E6F-4BB9-B42C-DCE91142E97E}"/>
               </a:ext>
             </a:extLst>
           </p:cNvPr>
@@ -16020,7 +16120,7 @@
           <p:cNvPr id="34" name="Abteilung Institut">
             <a:extLst>
               <a:ext uri="{FF2B5EF4-FFF2-40B4-BE49-F238E27FC236}">
-                <a16:creationId xmlns:a16="http://schemas.microsoft.com/office/drawing/2014/main" id="{1D7FCBA3-310D-4C4F-B627-581B3FB01F62}"/>
+                <a16:creationId xmlns:a16="http://schemas.microsoft.com/office/drawing/2014/main" xmlns="" id="{1D7FCBA3-310D-4C4F-B627-581B3FB01F62}"/>
               </a:ext>
             </a:extLst>
           </p:cNvPr>
@@ -16112,7 +16212,7 @@
           <p:cNvPr id="35" name="Adressfeld">
             <a:extLst>
               <a:ext uri="{FF2B5EF4-FFF2-40B4-BE49-F238E27FC236}">
-                <a16:creationId xmlns:a16="http://schemas.microsoft.com/office/drawing/2014/main" id="{3734D7D9-80A3-43EF-A48F-5C4CFE547D22}"/>
+                <a16:creationId xmlns:a16="http://schemas.microsoft.com/office/drawing/2014/main" xmlns="" id="{3734D7D9-80A3-43EF-A48F-5C4CFE547D22}"/>
               </a:ext>
             </a:extLst>
           </p:cNvPr>
@@ -16228,10 +16328,10 @@
           <p:cNvPr id="19" name="Grafik 18">
             <a:extLst>
               <a:ext uri="{FF2B5EF4-FFF2-40B4-BE49-F238E27FC236}">
-                <a16:creationId xmlns:a16="http://schemas.microsoft.com/office/drawing/2014/main" id="{E346FCD1-C77C-481D-AFE7-B381E7852474}"/>
+                <a16:creationId xmlns:a16="http://schemas.microsoft.com/office/drawing/2014/main" xmlns="" id="{E346FCD1-C77C-481D-AFE7-B381E7852474}"/>
               </a:ext>
               <a:ext uri="{C183D7F6-B498-43B3-948B-1728B52AA6E4}">
-                <adec:decorative xmlns:adec="http://schemas.microsoft.com/office/drawing/2017/decorative" val="1"/>
+                <adec:decorative xmlns:adec="http://schemas.microsoft.com/office/drawing/2017/decorative" xmlns="" val="1"/>
               </a:ext>
             </a:extLst>
           </p:cNvPr>
@@ -16268,7 +16368,7 @@
           <p:cNvPr id="28" name="Textplatzhalter 9">
             <a:extLst>
               <a:ext uri="{FF2B5EF4-FFF2-40B4-BE49-F238E27FC236}">
-                <a16:creationId xmlns:a16="http://schemas.microsoft.com/office/drawing/2014/main" id="{F9396F62-FEBC-4F38-A2F8-B90611FD8C22}"/>
+                <a16:creationId xmlns:a16="http://schemas.microsoft.com/office/drawing/2014/main" xmlns="" id="{F9396F62-FEBC-4F38-A2F8-B90611FD8C22}"/>
               </a:ext>
             </a:extLst>
           </p:cNvPr>
@@ -16508,7 +16608,7 @@
           <p:cNvPr id="27" name="Bildplatzhalter 7">
             <a:extLst>
               <a:ext uri="{FF2B5EF4-FFF2-40B4-BE49-F238E27FC236}">
-                <a16:creationId xmlns:a16="http://schemas.microsoft.com/office/drawing/2014/main" id="{E8FAD59D-97FD-4838-AA91-B266FA5DD370}"/>
+                <a16:creationId xmlns:a16="http://schemas.microsoft.com/office/drawing/2014/main" xmlns="" id="{E8FAD59D-97FD-4838-AA91-B266FA5DD370}"/>
               </a:ext>
             </a:extLst>
           </p:cNvPr>
@@ -16618,7 +16718,7 @@
           <p:cNvPr id="21" name="E-Mail">
             <a:extLst>
               <a:ext uri="{FF2B5EF4-FFF2-40B4-BE49-F238E27FC236}">
-                <a16:creationId xmlns:a16="http://schemas.microsoft.com/office/drawing/2014/main" id="{DCA0F4E3-1440-45FD-9AD3-AC60C7275A79}"/>
+                <a16:creationId xmlns:a16="http://schemas.microsoft.com/office/drawing/2014/main" xmlns="" id="{DCA0F4E3-1440-45FD-9AD3-AC60C7275A79}"/>
               </a:ext>
             </a:extLst>
           </p:cNvPr>
@@ -16718,7 +16818,7 @@
           <p:cNvPr id="30" name="Email Adresse">
             <a:extLst>
               <a:ext uri="{FF2B5EF4-FFF2-40B4-BE49-F238E27FC236}">
-                <a16:creationId xmlns:a16="http://schemas.microsoft.com/office/drawing/2014/main" id="{18AFB8D7-22AC-4F06-9D32-AF7F36CC699E}"/>
+                <a16:creationId xmlns:a16="http://schemas.microsoft.com/office/drawing/2014/main" xmlns="" id="{18AFB8D7-22AC-4F06-9D32-AF7F36CC699E}"/>
               </a:ext>
             </a:extLst>
           </p:cNvPr>
@@ -16798,7 +16898,7 @@
           <p:cNvPr id="37" name="Durchwahl">
             <a:extLst>
               <a:ext uri="{FF2B5EF4-FFF2-40B4-BE49-F238E27FC236}">
-                <a16:creationId xmlns:a16="http://schemas.microsoft.com/office/drawing/2014/main" id="{185017B9-74A5-4F34-B4F0-E3B0154A9FDA}"/>
+                <a16:creationId xmlns:a16="http://schemas.microsoft.com/office/drawing/2014/main" xmlns="" id="{185017B9-74A5-4F34-B4F0-E3B0154A9FDA}"/>
               </a:ext>
             </a:extLst>
           </p:cNvPr>
@@ -16869,7 +16969,7 @@
           <p:cNvPr id="31" name="Durchwahl">
             <a:extLst>
               <a:ext uri="{FF2B5EF4-FFF2-40B4-BE49-F238E27FC236}">
-                <a16:creationId xmlns:a16="http://schemas.microsoft.com/office/drawing/2014/main" id="{01FBFF05-552E-459B-91AE-83CAFE128CD4}"/>
+                <a16:creationId xmlns:a16="http://schemas.microsoft.com/office/drawing/2014/main" xmlns="" id="{01FBFF05-552E-459B-91AE-83CAFE128CD4}"/>
               </a:ext>
             </a:extLst>
           </p:cNvPr>
@@ -16940,7 +17040,7 @@
           <p:cNvPr id="32" name="www">
             <a:extLst>
               <a:ext uri="{FF2B5EF4-FFF2-40B4-BE49-F238E27FC236}">
-                <a16:creationId xmlns:a16="http://schemas.microsoft.com/office/drawing/2014/main" id="{67CA897D-892F-4CE9-B942-3B8DA0BA2496}"/>
+                <a16:creationId xmlns:a16="http://schemas.microsoft.com/office/drawing/2014/main" xmlns="" id="{67CA897D-892F-4CE9-B942-3B8DA0BA2496}"/>
               </a:ext>
             </a:extLst>
           </p:cNvPr>
@@ -17011,7 +17111,7 @@
           <p:cNvPr id="33" name="Webadresse">
             <a:extLst>
               <a:ext uri="{FF2B5EF4-FFF2-40B4-BE49-F238E27FC236}">
-                <a16:creationId xmlns:a16="http://schemas.microsoft.com/office/drawing/2014/main" id="{2BEFE346-3B3E-4B37-B098-AEC82CBD8CB3}"/>
+                <a16:creationId xmlns:a16="http://schemas.microsoft.com/office/drawing/2014/main" xmlns="" id="{2BEFE346-3B3E-4B37-B098-AEC82CBD8CB3}"/>
               </a:ext>
             </a:extLst>
           </p:cNvPr>
@@ -17091,7 +17191,7 @@
           <p:cNvPr id="34" name="Universität Stuttgart">
             <a:extLst>
               <a:ext uri="{FF2B5EF4-FFF2-40B4-BE49-F238E27FC236}">
-                <a16:creationId xmlns:a16="http://schemas.microsoft.com/office/drawing/2014/main" id="{1170A3D9-2665-43AC-B8CF-228214AB4591}"/>
+                <a16:creationId xmlns:a16="http://schemas.microsoft.com/office/drawing/2014/main" xmlns="" id="{1170A3D9-2665-43AC-B8CF-228214AB4591}"/>
               </a:ext>
             </a:extLst>
           </p:cNvPr>
@@ -17188,7 +17288,7 @@
           <p:cNvPr id="35" name="Abteilung Institut">
             <a:extLst>
               <a:ext uri="{FF2B5EF4-FFF2-40B4-BE49-F238E27FC236}">
-                <a16:creationId xmlns:a16="http://schemas.microsoft.com/office/drawing/2014/main" id="{E7568E75-9942-41F4-B0BF-B47296C8126E}"/>
+                <a16:creationId xmlns:a16="http://schemas.microsoft.com/office/drawing/2014/main" xmlns="" id="{E7568E75-9942-41F4-B0BF-B47296C8126E}"/>
               </a:ext>
             </a:extLst>
           </p:cNvPr>
@@ -17280,7 +17380,7 @@
           <p:cNvPr id="36" name="Adressfeld">
             <a:extLst>
               <a:ext uri="{FF2B5EF4-FFF2-40B4-BE49-F238E27FC236}">
-                <a16:creationId xmlns:a16="http://schemas.microsoft.com/office/drawing/2014/main" id="{4CC9AD5A-92CF-494C-BE6A-00BD7C60B579}"/>
+                <a16:creationId xmlns:a16="http://schemas.microsoft.com/office/drawing/2014/main" xmlns="" id="{4CC9AD5A-92CF-494C-BE6A-00BD7C60B579}"/>
               </a:ext>
             </a:extLst>
           </p:cNvPr>
@@ -17382,10 +17482,10 @@
           <p:cNvPr id="7" name="Grafik 6">
             <a:extLst>
               <a:ext uri="{FF2B5EF4-FFF2-40B4-BE49-F238E27FC236}">
-                <a16:creationId xmlns:a16="http://schemas.microsoft.com/office/drawing/2014/main" id="{18916216-B032-4200-99C8-5BA3A21F8800}"/>
+                <a16:creationId xmlns:a16="http://schemas.microsoft.com/office/drawing/2014/main" xmlns="" id="{18916216-B032-4200-99C8-5BA3A21F8800}"/>
               </a:ext>
               <a:ext uri="{C183D7F6-B498-43B3-948B-1728B52AA6E4}">
-                <adec:decorative xmlns:adec="http://schemas.microsoft.com/office/drawing/2017/decorative" val="1"/>
+                <adec:decorative xmlns:adec="http://schemas.microsoft.com/office/drawing/2017/decorative" xmlns="" val="1"/>
               </a:ext>
             </a:extLst>
           </p:cNvPr>
@@ -17421,10 +17521,10 @@
           <p:cNvPr id="8" name="Grafik 7">
             <a:extLst>
               <a:ext uri="{FF2B5EF4-FFF2-40B4-BE49-F238E27FC236}">
-                <a16:creationId xmlns:a16="http://schemas.microsoft.com/office/drawing/2014/main" id="{A72007CB-CD36-48DD-9918-1BFC87D15E94}"/>
+                <a16:creationId xmlns:a16="http://schemas.microsoft.com/office/drawing/2014/main" xmlns="" id="{A72007CB-CD36-48DD-9918-1BFC87D15E94}"/>
               </a:ext>
               <a:ext uri="{C183D7F6-B498-43B3-948B-1728B52AA6E4}">
-                <adec:decorative xmlns:adec="http://schemas.microsoft.com/office/drawing/2017/decorative" val="1"/>
+                <adec:decorative xmlns:adec="http://schemas.microsoft.com/office/drawing/2017/decorative" xmlns="" val="1"/>
               </a:ext>
             </a:extLst>
           </p:cNvPr>
@@ -17497,7 +17597,7 @@
           <p:cNvPr id="3" name="Titel 2">
             <a:extLst>
               <a:ext uri="{FF2B5EF4-FFF2-40B4-BE49-F238E27FC236}">
-                <a16:creationId xmlns:a16="http://schemas.microsoft.com/office/drawing/2014/main" id="{86BA6808-8CD4-4528-935A-3978EF1718CF}"/>
+                <a16:creationId xmlns:a16="http://schemas.microsoft.com/office/drawing/2014/main" xmlns="" id="{86BA6808-8CD4-4528-935A-3978EF1718CF}"/>
               </a:ext>
             </a:extLst>
           </p:cNvPr>
@@ -17638,7 +17738,7 @@
           <p:cNvPr id="14" name="Textplatzhalter 10">
             <a:extLst>
               <a:ext uri="{FF2B5EF4-FFF2-40B4-BE49-F238E27FC236}">
-                <a16:creationId xmlns:a16="http://schemas.microsoft.com/office/drawing/2014/main" id="{3A6FC492-F4FE-474B-9BFE-DAAE645B98B7}"/>
+                <a16:creationId xmlns:a16="http://schemas.microsoft.com/office/drawing/2014/main" xmlns="" id="{3A6FC492-F4FE-474B-9BFE-DAAE645B98B7}"/>
               </a:ext>
             </a:extLst>
           </p:cNvPr>
@@ -17732,10 +17832,10 @@
           <p:cNvPr id="10" name="Grafik 9">
             <a:extLst>
               <a:ext uri="{FF2B5EF4-FFF2-40B4-BE49-F238E27FC236}">
-                <a16:creationId xmlns:a16="http://schemas.microsoft.com/office/drawing/2014/main" id="{CA70C5C8-1CB6-4CC4-A9D8-081FC52E5A92}"/>
+                <a16:creationId xmlns:a16="http://schemas.microsoft.com/office/drawing/2014/main" xmlns="" id="{CA70C5C8-1CB6-4CC4-A9D8-081FC52E5A92}"/>
               </a:ext>
               <a:ext uri="{C183D7F6-B498-43B3-948B-1728B52AA6E4}">
-                <adec:decorative xmlns:adec="http://schemas.microsoft.com/office/drawing/2017/decorative" val="1"/>
+                <adec:decorative xmlns:adec="http://schemas.microsoft.com/office/drawing/2017/decorative" xmlns="" val="1"/>
               </a:ext>
             </a:extLst>
           </p:cNvPr>
@@ -17809,7 +17909,7 @@
           <p:cNvPr id="8" name="Titel 2">
             <a:extLst>
               <a:ext uri="{FF2B5EF4-FFF2-40B4-BE49-F238E27FC236}">
-                <a16:creationId xmlns:a16="http://schemas.microsoft.com/office/drawing/2014/main" id="{098769ED-90D0-4473-B1B2-1CE12B519F39}"/>
+                <a16:creationId xmlns:a16="http://schemas.microsoft.com/office/drawing/2014/main" xmlns="" id="{098769ED-90D0-4473-B1B2-1CE12B519F39}"/>
               </a:ext>
             </a:extLst>
           </p:cNvPr>
@@ -17937,7 +18037,7 @@
           <p:cNvPr id="7" name="Bildplatzhalter 4">
             <a:extLst>
               <a:ext uri="{FF2B5EF4-FFF2-40B4-BE49-F238E27FC236}">
-                <a16:creationId xmlns:a16="http://schemas.microsoft.com/office/drawing/2014/main" id="{B9FD99DC-C17A-49FB-8F13-40F41E801ABC}"/>
+                <a16:creationId xmlns:a16="http://schemas.microsoft.com/office/drawing/2014/main" xmlns="" id="{B9FD99DC-C17A-49FB-8F13-40F41E801ABC}"/>
               </a:ext>
             </a:extLst>
           </p:cNvPr>
@@ -18016,10 +18116,10 @@
           <p:cNvPr id="11" name="Grafik 10">
             <a:extLst>
               <a:ext uri="{FF2B5EF4-FFF2-40B4-BE49-F238E27FC236}">
-                <a16:creationId xmlns:a16="http://schemas.microsoft.com/office/drawing/2014/main" id="{30BE638A-719E-41CB-B435-44353E5553A3}"/>
+                <a16:creationId xmlns:a16="http://schemas.microsoft.com/office/drawing/2014/main" xmlns="" id="{30BE638A-719E-41CB-B435-44353E5553A3}"/>
               </a:ext>
               <a:ext uri="{C183D7F6-B498-43B3-948B-1728B52AA6E4}">
-                <adec:decorative xmlns:adec="http://schemas.microsoft.com/office/drawing/2017/decorative" val="1"/>
+                <adec:decorative xmlns:adec="http://schemas.microsoft.com/office/drawing/2017/decorative" xmlns="" val="1"/>
               </a:ext>
             </a:extLst>
           </p:cNvPr>
@@ -18055,7 +18155,7 @@
           <p:cNvPr id="28" name="Textplatzhalter 9">
             <a:extLst>
               <a:ext uri="{FF2B5EF4-FFF2-40B4-BE49-F238E27FC236}">
-                <a16:creationId xmlns:a16="http://schemas.microsoft.com/office/drawing/2014/main" id="{F2727769-9A35-4722-8FB2-4C78D296549D}"/>
+                <a16:creationId xmlns:a16="http://schemas.microsoft.com/office/drawing/2014/main" xmlns="" id="{F2727769-9A35-4722-8FB2-4C78D296549D}"/>
               </a:ext>
             </a:extLst>
           </p:cNvPr>
@@ -18136,7 +18236,7 @@
           <p:cNvPr id="16" name="Titel 2">
             <a:extLst>
               <a:ext uri="{FF2B5EF4-FFF2-40B4-BE49-F238E27FC236}">
-                <a16:creationId xmlns:a16="http://schemas.microsoft.com/office/drawing/2014/main" id="{FCF15244-A895-48BB-9A90-27BC5159A1A9}"/>
+                <a16:creationId xmlns:a16="http://schemas.microsoft.com/office/drawing/2014/main" xmlns="" id="{FCF15244-A895-48BB-9A90-27BC5159A1A9}"/>
               </a:ext>
             </a:extLst>
           </p:cNvPr>
@@ -18187,7 +18287,7 @@
           <p:cNvPr id="15" name="Subtitle 2">
             <a:extLst>
               <a:ext uri="{FF2B5EF4-FFF2-40B4-BE49-F238E27FC236}">
-                <a16:creationId xmlns:a16="http://schemas.microsoft.com/office/drawing/2014/main" id="{FF9C1028-5CF0-4B0B-90F2-2CDD6683E1F7}"/>
+                <a16:creationId xmlns:a16="http://schemas.microsoft.com/office/drawing/2014/main" xmlns="" id="{FF9C1028-5CF0-4B0B-90F2-2CDD6683E1F7}"/>
               </a:ext>
             </a:extLst>
           </p:cNvPr>
@@ -18270,7 +18370,7 @@
           <p:cNvPr id="7" name="Bildplatzhalter 6">
             <a:extLst>
               <a:ext uri="{C183D7F6-B498-43B3-948B-1728B52AA6E4}">
-                <adec:decorative xmlns:adec="http://schemas.microsoft.com/office/drawing/2017/decorative" val="1"/>
+                <adec:decorative xmlns:adec="http://schemas.microsoft.com/office/drawing/2017/decorative" xmlns="" val="1"/>
               </a:ext>
             </a:extLst>
           </p:cNvPr>
@@ -18343,7 +18443,7 @@
           <p:cNvPr id="2" name="Titel 1">
             <a:extLst>
               <a:ext uri="{FF2B5EF4-FFF2-40B4-BE49-F238E27FC236}">
-                <a16:creationId xmlns:a16="http://schemas.microsoft.com/office/drawing/2014/main" id="{0785E028-F200-4ED8-8CC6-0D42239F975D}"/>
+                <a16:creationId xmlns:a16="http://schemas.microsoft.com/office/drawing/2014/main" xmlns="" id="{0785E028-F200-4ED8-8CC6-0D42239F975D}"/>
               </a:ext>
             </a:extLst>
           </p:cNvPr>
@@ -18372,7 +18472,7 @@
           <p:cNvPr id="9" name="Textplatzhalter 7">
             <a:extLst>
               <a:ext uri="{FF2B5EF4-FFF2-40B4-BE49-F238E27FC236}">
-                <a16:creationId xmlns:a16="http://schemas.microsoft.com/office/drawing/2014/main" id="{18B4599F-1F24-4FF7-8F3E-EDB79B1AB99C}"/>
+                <a16:creationId xmlns:a16="http://schemas.microsoft.com/office/drawing/2014/main" xmlns="" id="{18B4599F-1F24-4FF7-8F3E-EDB79B1AB99C}"/>
               </a:ext>
             </a:extLst>
           </p:cNvPr>
@@ -18462,10 +18562,10 @@
           <p:cNvPr id="7" name="Datumsplatzhalter 6">
             <a:extLst>
               <a:ext uri="{FF2B5EF4-FFF2-40B4-BE49-F238E27FC236}">
-                <a16:creationId xmlns:a16="http://schemas.microsoft.com/office/drawing/2014/main" id="{124A6A03-5D2E-417E-9A62-737D1DBC92ED}"/>
+                <a16:creationId xmlns:a16="http://schemas.microsoft.com/office/drawing/2014/main" xmlns="" id="{124A6A03-5D2E-417E-9A62-737D1DBC92ED}"/>
               </a:ext>
               <a:ext uri="{C183D7F6-B498-43B3-948B-1728B52AA6E4}">
-                <adec:decorative xmlns:adec="http://schemas.microsoft.com/office/drawing/2017/decorative" val="1"/>
+                <adec:decorative xmlns:adec="http://schemas.microsoft.com/office/drawing/2017/decorative" xmlns="" val="1"/>
               </a:ext>
             </a:extLst>
           </p:cNvPr>
@@ -18494,10 +18594,10 @@
           <p:cNvPr id="8" name="Fußzeilenplatzhalter 7">
             <a:extLst>
               <a:ext uri="{FF2B5EF4-FFF2-40B4-BE49-F238E27FC236}">
-                <a16:creationId xmlns:a16="http://schemas.microsoft.com/office/drawing/2014/main" id="{90427F68-7D65-4111-9D28-F407D044A73B}"/>
+                <a16:creationId xmlns:a16="http://schemas.microsoft.com/office/drawing/2014/main" xmlns="" id="{90427F68-7D65-4111-9D28-F407D044A73B}"/>
               </a:ext>
               <a:ext uri="{C183D7F6-B498-43B3-948B-1728B52AA6E4}">
-                <adec:decorative xmlns:adec="http://schemas.microsoft.com/office/drawing/2017/decorative" val="1"/>
+                <adec:decorative xmlns:adec="http://schemas.microsoft.com/office/drawing/2017/decorative" xmlns="" val="1"/>
               </a:ext>
             </a:extLst>
           </p:cNvPr>
@@ -18526,10 +18626,10 @@
           <p:cNvPr id="10" name="Foliennummernplatzhalter 9">
             <a:extLst>
               <a:ext uri="{FF2B5EF4-FFF2-40B4-BE49-F238E27FC236}">
-                <a16:creationId xmlns:a16="http://schemas.microsoft.com/office/drawing/2014/main" id="{BC2B8577-8AB8-42B5-8BA8-1751A412246A}"/>
+                <a16:creationId xmlns:a16="http://schemas.microsoft.com/office/drawing/2014/main" xmlns="" id="{BC2B8577-8AB8-42B5-8BA8-1751A412246A}"/>
               </a:ext>
               <a:ext uri="{C183D7F6-B498-43B3-948B-1728B52AA6E4}">
-                <adec:decorative xmlns:adec="http://schemas.microsoft.com/office/drawing/2017/decorative" val="1"/>
+                <adec:decorative xmlns:adec="http://schemas.microsoft.com/office/drawing/2017/decorative" xmlns="" val="1"/>
               </a:ext>
             </a:extLst>
           </p:cNvPr>
@@ -18589,7 +18689,7 @@
           <p:cNvPr id="15" name="Titel 14">
             <a:extLst>
               <a:ext uri="{FF2B5EF4-FFF2-40B4-BE49-F238E27FC236}">
-                <a16:creationId xmlns:a16="http://schemas.microsoft.com/office/drawing/2014/main" id="{D0727A05-0C1A-4583-AE41-BB5812D3F68A}"/>
+                <a16:creationId xmlns:a16="http://schemas.microsoft.com/office/drawing/2014/main" xmlns="" id="{D0727A05-0C1A-4583-AE41-BB5812D3F68A}"/>
               </a:ext>
             </a:extLst>
           </p:cNvPr>
@@ -18618,7 +18718,7 @@
           <p:cNvPr id="16" name="Textplatzhalter 7">
             <a:extLst>
               <a:ext uri="{FF2B5EF4-FFF2-40B4-BE49-F238E27FC236}">
-                <a16:creationId xmlns:a16="http://schemas.microsoft.com/office/drawing/2014/main" id="{0DBE4A7F-2625-4844-8794-CF87BAE82F32}"/>
+                <a16:creationId xmlns:a16="http://schemas.microsoft.com/office/drawing/2014/main" xmlns="" id="{0DBE4A7F-2625-4844-8794-CF87BAE82F32}"/>
               </a:ext>
             </a:extLst>
           </p:cNvPr>
@@ -18713,10 +18813,10 @@
           <p:cNvPr id="2" name="Datumsplatzhalter 1">
             <a:extLst>
               <a:ext uri="{FF2B5EF4-FFF2-40B4-BE49-F238E27FC236}">
-                <a16:creationId xmlns:a16="http://schemas.microsoft.com/office/drawing/2014/main" id="{6DE35B32-06B2-48EF-A04A-BC3F5F4173B3}"/>
+                <a16:creationId xmlns:a16="http://schemas.microsoft.com/office/drawing/2014/main" xmlns="" id="{6DE35B32-06B2-48EF-A04A-BC3F5F4173B3}"/>
               </a:ext>
               <a:ext uri="{C183D7F6-B498-43B3-948B-1728B52AA6E4}">
-                <adec:decorative xmlns:adec="http://schemas.microsoft.com/office/drawing/2017/decorative" val="1"/>
+                <adec:decorative xmlns:adec="http://schemas.microsoft.com/office/drawing/2017/decorative" xmlns="" val="1"/>
               </a:ext>
             </a:extLst>
           </p:cNvPr>
@@ -18745,10 +18845,10 @@
           <p:cNvPr id="7" name="Fußzeilenplatzhalter 6">
             <a:extLst>
               <a:ext uri="{FF2B5EF4-FFF2-40B4-BE49-F238E27FC236}">
-                <a16:creationId xmlns:a16="http://schemas.microsoft.com/office/drawing/2014/main" id="{3A40F854-10E0-4E29-BF41-53A0539FC584}"/>
+                <a16:creationId xmlns:a16="http://schemas.microsoft.com/office/drawing/2014/main" xmlns="" id="{3A40F854-10E0-4E29-BF41-53A0539FC584}"/>
               </a:ext>
               <a:ext uri="{C183D7F6-B498-43B3-948B-1728B52AA6E4}">
-                <adec:decorative xmlns:adec="http://schemas.microsoft.com/office/drawing/2017/decorative" val="1"/>
+                <adec:decorative xmlns:adec="http://schemas.microsoft.com/office/drawing/2017/decorative" xmlns="" val="1"/>
               </a:ext>
             </a:extLst>
           </p:cNvPr>
@@ -18777,10 +18877,10 @@
           <p:cNvPr id="8" name="Foliennummernplatzhalter 7">
             <a:extLst>
               <a:ext uri="{FF2B5EF4-FFF2-40B4-BE49-F238E27FC236}">
-                <a16:creationId xmlns:a16="http://schemas.microsoft.com/office/drawing/2014/main" id="{575A3FC3-7E0C-4829-99EC-583BF5DA6743}"/>
+                <a16:creationId xmlns:a16="http://schemas.microsoft.com/office/drawing/2014/main" xmlns="" id="{575A3FC3-7E0C-4829-99EC-583BF5DA6743}"/>
               </a:ext>
               <a:ext uri="{C183D7F6-B498-43B3-948B-1728B52AA6E4}">
-                <adec:decorative xmlns:adec="http://schemas.microsoft.com/office/drawing/2017/decorative" val="1"/>
+                <adec:decorative xmlns:adec="http://schemas.microsoft.com/office/drawing/2017/decorative" xmlns="" val="1"/>
               </a:ext>
             </a:extLst>
           </p:cNvPr>
@@ -18854,10 +18954,10 @@
           <p:cNvPr id="9" name="Freihandform: Form 8">
             <a:extLst>
               <a:ext uri="{FF2B5EF4-FFF2-40B4-BE49-F238E27FC236}">
-                <a16:creationId xmlns:a16="http://schemas.microsoft.com/office/drawing/2014/main" id="{989E6229-E650-4C0F-8141-1787714FDDFC}"/>
+                <a16:creationId xmlns:a16="http://schemas.microsoft.com/office/drawing/2014/main" xmlns="" id="{989E6229-E650-4C0F-8141-1787714FDDFC}"/>
               </a:ext>
               <a:ext uri="{C183D7F6-B498-43B3-948B-1728B52AA6E4}">
-                <adec:decorative xmlns:adec="http://schemas.microsoft.com/office/drawing/2017/decorative" val="1"/>
+                <adec:decorative xmlns:adec="http://schemas.microsoft.com/office/drawing/2017/decorative" xmlns="" val="1"/>
               </a:ext>
             </a:extLst>
           </p:cNvPr>
@@ -19749,7 +19849,7 @@
           <p:cNvPr id="5" name="Footer Placeholder 4">
             <a:extLst>
               <a:ext uri="{C183D7F6-B498-43B3-948B-1728B52AA6E4}">
-                <adec:decorative xmlns:adec="http://schemas.microsoft.com/office/drawing/2017/decorative" val="1"/>
+                <adec:decorative xmlns:adec="http://schemas.microsoft.com/office/drawing/2017/decorative" xmlns="" val="1"/>
               </a:ext>
             </a:extLst>
           </p:cNvPr>
@@ -19795,7 +19895,7 @@
           <p:cNvPr id="4" name="Date Placeholder 3">
             <a:extLst>
               <a:ext uri="{C183D7F6-B498-43B3-948B-1728B52AA6E4}">
-                <adec:decorative xmlns:adec="http://schemas.microsoft.com/office/drawing/2017/decorative" val="1"/>
+                <adec:decorative xmlns:adec="http://schemas.microsoft.com/office/drawing/2017/decorative" xmlns="" val="1"/>
               </a:ext>
             </a:extLst>
           </p:cNvPr>
@@ -19838,7 +19938,7 @@
           <p:cNvPr id="6" name="Slide Number Placeholder 5">
             <a:extLst>
               <a:ext uri="{C183D7F6-B498-43B3-948B-1728B52AA6E4}">
-                <adec:decorative xmlns:adec="http://schemas.microsoft.com/office/drawing/2017/decorative" val="1"/>
+                <adec:decorative xmlns:adec="http://schemas.microsoft.com/office/drawing/2017/decorative" xmlns="" val="1"/>
               </a:ext>
             </a:extLst>
           </p:cNvPr>
@@ -20215,7 +20315,7 @@
   </p:txStyles>
   <p:extLst>
     <p:ext uri="{27BBF7A9-308A-43DC-89C8-2F10F3537804}">
-      <p15:sldGuideLst xmlns:p15="http://schemas.microsoft.com/office/powerpoint/2012/main">
+      <p15:sldGuideLst xmlns:p15="http://schemas.microsoft.com/office/powerpoint/2012/main" xmlns="">
         <p15:guide id="1" orient="horz" pos="599" userDrawn="1">
           <p15:clr>
             <a:srgbClr val="F26B43"/>
@@ -20264,7 +20364,7 @@
           <p:cNvPr id="2" name="Bildplatzhalter 1">
             <a:extLst>
               <a:ext uri="{FF2B5EF4-FFF2-40B4-BE49-F238E27FC236}">
-                <a16:creationId xmlns:a16="http://schemas.microsoft.com/office/drawing/2014/main" id="{664C3FF2-2F83-439A-80B6-F55669355416}"/>
+                <a16:creationId xmlns:a16="http://schemas.microsoft.com/office/drawing/2014/main" xmlns="" id="{664C3FF2-2F83-439A-80B6-F55669355416}"/>
               </a:ext>
             </a:extLst>
           </p:cNvPr>
@@ -20282,7 +20382,7 @@
           <p:cNvPr id="3" name="Titel 2">
             <a:extLst>
               <a:ext uri="{FF2B5EF4-FFF2-40B4-BE49-F238E27FC236}">
-                <a16:creationId xmlns:a16="http://schemas.microsoft.com/office/drawing/2014/main" id="{66948DDA-21ED-4B27-B344-4D3B06349F7C}"/>
+                <a16:creationId xmlns:a16="http://schemas.microsoft.com/office/drawing/2014/main" xmlns="" id="{66948DDA-21ED-4B27-B344-4D3B06349F7C}"/>
               </a:ext>
             </a:extLst>
           </p:cNvPr>
@@ -20327,7 +20427,7 @@
           <p:cNvPr id="4" name="Untertitel 3">
             <a:extLst>
               <a:ext uri="{FF2B5EF4-FFF2-40B4-BE49-F238E27FC236}">
-                <a16:creationId xmlns:a16="http://schemas.microsoft.com/office/drawing/2014/main" id="{4B82608E-673B-499C-A524-9329004DC701}"/>
+                <a16:creationId xmlns:a16="http://schemas.microsoft.com/office/drawing/2014/main" xmlns="" id="{4B82608E-673B-499C-A524-9329004DC701}"/>
               </a:ext>
             </a:extLst>
           </p:cNvPr>
@@ -20367,7 +20467,7 @@
           <p:cNvPr id="5" name="Textplatzhalter 4">
             <a:extLst>
               <a:ext uri="{FF2B5EF4-FFF2-40B4-BE49-F238E27FC236}">
-                <a16:creationId xmlns:a16="http://schemas.microsoft.com/office/drawing/2014/main" id="{07FF285E-2885-4162-AF23-262CA0331DD4}"/>
+                <a16:creationId xmlns:a16="http://schemas.microsoft.com/office/drawing/2014/main" xmlns="" id="{07FF285E-2885-4162-AF23-262CA0331DD4}"/>
               </a:ext>
             </a:extLst>
           </p:cNvPr>
@@ -20413,6 +20513,13 @@
   <p:clrMapOvr>
     <a:masterClrMapping/>
   </p:clrMapOvr>
+  <p:timing>
+    <p:tnLst>
+      <p:par>
+        <p:cTn id="1" dur="indefinite" restart="never" nodeType="tmRoot"/>
+      </p:par>
+    </p:tnLst>
+  </p:timing>
 </p:sld>
 </file>
 
@@ -20438,7 +20545,7 @@
           <p:cNvPr id="6" name="Titel 5">
             <a:extLst>
               <a:ext uri="{FF2B5EF4-FFF2-40B4-BE49-F238E27FC236}">
-                <a16:creationId xmlns:a16="http://schemas.microsoft.com/office/drawing/2014/main" id="{6BF0AFA7-69A7-4369-8161-21610A905B1A}"/>
+                <a16:creationId xmlns:a16="http://schemas.microsoft.com/office/drawing/2014/main" xmlns="" id="{6BF0AFA7-69A7-4369-8161-21610A905B1A}"/>
               </a:ext>
             </a:extLst>
           </p:cNvPr>
@@ -20471,7 +20578,7 @@
           <p:cNvPr id="8" name="Textplatzhalter 7">
             <a:extLst>
               <a:ext uri="{FF2B5EF4-FFF2-40B4-BE49-F238E27FC236}">
-                <a16:creationId xmlns:a16="http://schemas.microsoft.com/office/drawing/2014/main" id="{EB120D2D-07BD-4168-8366-CAC30F512731}"/>
+                <a16:creationId xmlns:a16="http://schemas.microsoft.com/office/drawing/2014/main" xmlns="" id="{EB120D2D-07BD-4168-8366-CAC30F512731}"/>
               </a:ext>
             </a:extLst>
           </p:cNvPr>
@@ -20487,7 +20594,11 @@
           <a:bodyPr/>
           <a:lstStyle/>
           <a:p>
-            <a:endParaRPr lang="de-DE"/>
+            <a:r>
+              <a:rPr lang="de-DE" dirty="0" err="1" smtClean="0"/>
+              <a:t>Overview</a:t>
+            </a:r>
+            <a:endParaRPr lang="de-DE" dirty="0"/>
           </a:p>
         </p:txBody>
       </p:sp>
@@ -20496,7 +20607,7 @@
           <p:cNvPr id="7" name="Inhaltsplatzhalter 6">
             <a:extLst>
               <a:ext uri="{FF2B5EF4-FFF2-40B4-BE49-F238E27FC236}">
-                <a16:creationId xmlns:a16="http://schemas.microsoft.com/office/drawing/2014/main" id="{F08191B6-772D-4CD3-ADA6-ABE61BA1B6CF}"/>
+                <a16:creationId xmlns:a16="http://schemas.microsoft.com/office/drawing/2014/main" xmlns="" id="{F08191B6-772D-4CD3-ADA6-ABE61BA1B6CF}"/>
               </a:ext>
             </a:extLst>
           </p:cNvPr>
@@ -20512,7 +20623,95 @@
           <a:bodyPr/>
           <a:lstStyle/>
           <a:p>
-            <a:endParaRPr lang="de-DE"/>
+            <a:r>
+              <a:rPr lang="en-US" dirty="0"/>
+              <a:t>Extension of the RUSLE approach </a:t>
+            </a:r>
+            <a:r>
+              <a:rPr lang="en-US" dirty="0" smtClean="0"/>
+              <a:t>to estimate soil erosion by including the effects of snowfall and snowmelt</a:t>
+            </a:r>
+            <a:br>
+              <a:rPr lang="en-US" dirty="0" smtClean="0"/>
+            </a:br>
+            <a:r>
+              <a:rPr lang="en-US" dirty="0" smtClean="0">
+                <a:sym typeface="Wingdings" panose="05000000000000000000" pitchFamily="2" charset="2"/>
+              </a:rPr>
+              <a:t> </a:t>
+            </a:r>
+            <a:r>
+              <a:rPr lang="en-US" dirty="0"/>
+              <a:t>distinguish between precipitation in the form of </a:t>
+            </a:r>
+            <a:r>
+              <a:rPr lang="en-US" dirty="0" smtClean="0"/>
+              <a:t>rain (erosive) </a:t>
+            </a:r>
+            <a:r>
+              <a:rPr lang="en-US" dirty="0"/>
+              <a:t>or snow </a:t>
+            </a:r>
+            <a:r>
+              <a:rPr lang="en-US" dirty="0" smtClean="0"/>
+              <a:t>(non-erosive), </a:t>
+            </a:r>
+            <a:r>
+              <a:rPr lang="en-US" i="1" dirty="0" smtClean="0">
+                <a:solidFill>
+                  <a:srgbClr val="00B050"/>
+                </a:solidFill>
+              </a:rPr>
+              <a:t>already done</a:t>
+            </a:r>
+            <a:br>
+              <a:rPr lang="en-US" i="1" dirty="0" smtClean="0">
+                <a:solidFill>
+                  <a:srgbClr val="00B050"/>
+                </a:solidFill>
+              </a:rPr>
+            </a:br>
+            <a:r>
+              <a:rPr lang="en-US" dirty="0">
+                <a:sym typeface="Wingdings" panose="05000000000000000000" pitchFamily="2" charset="2"/>
+              </a:rPr>
+              <a:t> </a:t>
+            </a:r>
+            <a:r>
+              <a:rPr lang="en-US" dirty="0" smtClean="0"/>
+              <a:t>identify snow cover from satellite images, </a:t>
+            </a:r>
+            <a:r>
+              <a:rPr lang="en-US" i="1" dirty="0">
+                <a:solidFill>
+                  <a:srgbClr val="00B050"/>
+                </a:solidFill>
+              </a:rPr>
+              <a:t>already done</a:t>
+            </a:r>
+            <a:r>
+              <a:rPr lang="en-US" dirty="0" smtClean="0"/>
+              <a:t/>
+            </a:r>
+            <a:br>
+              <a:rPr lang="en-US" dirty="0" smtClean="0"/>
+            </a:br>
+            <a:r>
+              <a:rPr lang="en-US" dirty="0" smtClean="0">
+                <a:sym typeface="Wingdings" panose="05000000000000000000" pitchFamily="2" charset="2"/>
+              </a:rPr>
+              <a:t> identify and include the erosive forces of subsequent snowmelt, </a:t>
+            </a:r>
+            <a:r>
+              <a:rPr lang="en-US" i="1" dirty="0" smtClean="0">
+                <a:solidFill>
+                  <a:srgbClr val="FF0000"/>
+                </a:solidFill>
+                <a:sym typeface="Wingdings" panose="05000000000000000000" pitchFamily="2" charset="2"/>
+              </a:rPr>
+              <a:t>Project work</a:t>
+            </a:r>
+            <a:endParaRPr lang="de-DE" i="1" dirty="0"/>
           </a:p>
         </p:txBody>
       </p:sp>
@@ -20521,7 +20720,7 @@
           <p:cNvPr id="2" name="Datumsplatzhalter 1">
             <a:extLst>
               <a:ext uri="{FF2B5EF4-FFF2-40B4-BE49-F238E27FC236}">
-                <a16:creationId xmlns:a16="http://schemas.microsoft.com/office/drawing/2014/main" id="{76CF9658-DA7D-455E-B6EC-A07D773F79B0}"/>
+                <a16:creationId xmlns:a16="http://schemas.microsoft.com/office/drawing/2014/main" xmlns="" id="{76CF9658-DA7D-455E-B6EC-A07D773F79B0}"/>
               </a:ext>
             </a:extLst>
           </p:cNvPr>
@@ -20538,7 +20737,7 @@
           <a:lstStyle/>
           <a:p>
             <a:r>
-              <a:rPr lang="de-DE"/>
+              <a:rPr lang="de-DE" dirty="0"/>
               <a:t>08/20/2020</a:t>
             </a:r>
             <a:endParaRPr lang="en-US" dirty="0"/>
@@ -20550,7 +20749,7 @@
           <p:cNvPr id="3" name="Fußzeilenplatzhalter 2">
             <a:extLst>
               <a:ext uri="{FF2B5EF4-FFF2-40B4-BE49-F238E27FC236}">
-                <a16:creationId xmlns:a16="http://schemas.microsoft.com/office/drawing/2014/main" id="{60787A50-FFDC-4F08-A1E0-271FBBA86C8E}"/>
+                <a16:creationId xmlns:a16="http://schemas.microsoft.com/office/drawing/2014/main" xmlns="" id="{60787A50-FFDC-4F08-A1E0-271FBBA86C8E}"/>
               </a:ext>
             </a:extLst>
           </p:cNvPr>
@@ -20579,7 +20778,7 @@
           <p:cNvPr id="4" name="Foliennummernplatzhalter 3">
             <a:extLst>
               <a:ext uri="{FF2B5EF4-FFF2-40B4-BE49-F238E27FC236}">
-                <a16:creationId xmlns:a16="http://schemas.microsoft.com/office/drawing/2014/main" id="{C074940A-1407-4EB3-8D77-C5636D3C75A8}"/>
+                <a16:creationId xmlns:a16="http://schemas.microsoft.com/office/drawing/2014/main" xmlns="" id="{C074940A-1407-4EB3-8D77-C5636D3C75A8}"/>
               </a:ext>
             </a:extLst>
           </p:cNvPr>
@@ -20604,6 +20803,403 @@
           </a:p>
         </p:txBody>
       </p:sp>
+      <p:sp>
+        <p:nvSpPr>
+          <p:cNvPr id="12" name="Rechteck 11"/>
+          <p:cNvSpPr/>
+          <p:nvPr/>
+        </p:nvSpPr>
+        <p:spPr>
+          <a:xfrm>
+            <a:off x="677461" y="2907518"/>
+            <a:ext cx="1364456" cy="657225"/>
+          </a:xfrm>
+          <a:prstGeom prst="rect">
+            <a:avLst/>
+          </a:prstGeom>
+          <a:ln>
+            <a:noFill/>
+          </a:ln>
+        </p:spPr>
+        <p:style>
+          <a:lnRef idx="2">
+            <a:schemeClr val="accent1">
+              <a:shade val="50000"/>
+            </a:schemeClr>
+          </a:lnRef>
+          <a:fillRef idx="1">
+            <a:schemeClr val="accent1"/>
+          </a:fillRef>
+          <a:effectRef idx="0">
+            <a:schemeClr val="accent1"/>
+          </a:effectRef>
+          <a:fontRef idx="minor">
+            <a:schemeClr val="lt1"/>
+          </a:fontRef>
+        </p:style>
+        <p:txBody>
+          <a:bodyPr rtlCol="0" anchor="ctr"/>
+          <a:lstStyle/>
+          <a:p>
+            <a:pPr algn="ctr"/>
+            <a:r>
+              <a:rPr lang="en-US" sz="1400" dirty="0" smtClean="0"/>
+              <a:t>Snowfall (mm) per month</a:t>
+            </a:r>
+            <a:endParaRPr lang="en-US" sz="1400" dirty="0" smtClean="0"/>
+          </a:p>
+        </p:txBody>
+      </p:sp>
+      <p:sp>
+        <p:nvSpPr>
+          <p:cNvPr id="14" name="Ellipse 13"/>
+          <p:cNvSpPr/>
+          <p:nvPr/>
+        </p:nvSpPr>
+        <p:spPr>
+          <a:xfrm>
+            <a:off x="3695695" y="3320656"/>
+            <a:ext cx="1385887" cy="728662"/>
+          </a:xfrm>
+          <a:prstGeom prst="ellipse">
+            <a:avLst/>
+          </a:prstGeom>
+          <a:solidFill>
+            <a:schemeClr val="accent3">
+              <a:lumMod val="40000"/>
+              <a:lumOff val="60000"/>
+            </a:schemeClr>
+          </a:solidFill>
+          <a:ln>
+            <a:noFill/>
+          </a:ln>
+        </p:spPr>
+        <p:style>
+          <a:lnRef idx="2">
+            <a:schemeClr val="accent1">
+              <a:shade val="50000"/>
+            </a:schemeClr>
+          </a:lnRef>
+          <a:fillRef idx="1">
+            <a:schemeClr val="accent1"/>
+          </a:fillRef>
+          <a:effectRef idx="0">
+            <a:schemeClr val="accent1"/>
+          </a:effectRef>
+          <a:fontRef idx="minor">
+            <a:schemeClr val="lt1"/>
+          </a:fontRef>
+        </p:style>
+        <p:txBody>
+          <a:bodyPr rtlCol="0" anchor="ctr"/>
+          <a:lstStyle/>
+          <a:p>
+            <a:pPr algn="ctr"/>
+            <a:r>
+              <a:rPr lang="en-US" sz="1400" dirty="0" smtClean="0"/>
+              <a:t>Project Code</a:t>
+            </a:r>
+            <a:endParaRPr lang="en-US" sz="1400" dirty="0" smtClean="0"/>
+          </a:p>
+        </p:txBody>
+      </p:sp>
+      <p:sp>
+        <p:nvSpPr>
+          <p:cNvPr id="15" name="Rechteck 14"/>
+          <p:cNvSpPr/>
+          <p:nvPr/>
+        </p:nvSpPr>
+        <p:spPr>
+          <a:xfrm>
+            <a:off x="677461" y="3805231"/>
+            <a:ext cx="1364456" cy="657225"/>
+          </a:xfrm>
+          <a:prstGeom prst="rect">
+            <a:avLst/>
+          </a:prstGeom>
+          <a:ln>
+            <a:noFill/>
+          </a:ln>
+        </p:spPr>
+        <p:style>
+          <a:lnRef idx="2">
+            <a:schemeClr val="accent1">
+              <a:shade val="50000"/>
+            </a:schemeClr>
+          </a:lnRef>
+          <a:fillRef idx="1">
+            <a:schemeClr val="accent1"/>
+          </a:fillRef>
+          <a:effectRef idx="0">
+            <a:schemeClr val="accent1"/>
+          </a:effectRef>
+          <a:fontRef idx="minor">
+            <a:schemeClr val="lt1"/>
+          </a:fontRef>
+        </p:style>
+        <p:txBody>
+          <a:bodyPr rtlCol="0" anchor="ctr"/>
+          <a:lstStyle/>
+          <a:p>
+            <a:pPr algn="ctr"/>
+            <a:r>
+              <a:rPr lang="en-US" sz="1400" dirty="0" smtClean="0"/>
+              <a:t>Snow cover at the end of each month</a:t>
+            </a:r>
+            <a:endParaRPr lang="en-US" sz="1400" dirty="0" smtClean="0"/>
+          </a:p>
+        </p:txBody>
+      </p:sp>
+      <p:sp>
+        <p:nvSpPr>
+          <p:cNvPr id="16" name="Rechteck 15"/>
+          <p:cNvSpPr/>
+          <p:nvPr/>
+        </p:nvSpPr>
+        <p:spPr>
+          <a:xfrm>
+            <a:off x="7044923" y="2907518"/>
+            <a:ext cx="1364456" cy="657225"/>
+          </a:xfrm>
+          <a:prstGeom prst="rect">
+            <a:avLst/>
+          </a:prstGeom>
+          <a:ln>
+            <a:noFill/>
+          </a:ln>
+        </p:spPr>
+        <p:style>
+          <a:lnRef idx="2">
+            <a:schemeClr val="accent1">
+              <a:shade val="50000"/>
+            </a:schemeClr>
+          </a:lnRef>
+          <a:fillRef idx="1">
+            <a:schemeClr val="accent1"/>
+          </a:fillRef>
+          <a:effectRef idx="0">
+            <a:schemeClr val="accent1"/>
+          </a:effectRef>
+          <a:fontRef idx="minor">
+            <a:schemeClr val="lt1"/>
+          </a:fontRef>
+        </p:style>
+        <p:txBody>
+          <a:bodyPr rtlCol="0" anchor="ctr"/>
+          <a:lstStyle/>
+          <a:p>
+            <a:pPr algn="ctr"/>
+            <a:r>
+              <a:rPr lang="en-US" sz="1400" dirty="0" smtClean="0"/>
+              <a:t>Snow at the end of each month (mm)</a:t>
+            </a:r>
+            <a:endParaRPr lang="en-US" sz="1400" dirty="0" smtClean="0"/>
+          </a:p>
+        </p:txBody>
+      </p:sp>
+      <p:sp>
+        <p:nvSpPr>
+          <p:cNvPr id="17" name="Rechteck 16"/>
+          <p:cNvSpPr/>
+          <p:nvPr/>
+        </p:nvSpPr>
+        <p:spPr>
+          <a:xfrm>
+            <a:off x="7044923" y="3805231"/>
+            <a:ext cx="1364456" cy="657225"/>
+          </a:xfrm>
+          <a:prstGeom prst="rect">
+            <a:avLst/>
+          </a:prstGeom>
+          <a:ln>
+            <a:noFill/>
+          </a:ln>
+        </p:spPr>
+        <p:style>
+          <a:lnRef idx="2">
+            <a:schemeClr val="accent1">
+              <a:shade val="50000"/>
+            </a:schemeClr>
+          </a:lnRef>
+          <a:fillRef idx="1">
+            <a:schemeClr val="accent1"/>
+          </a:fillRef>
+          <a:effectRef idx="0">
+            <a:schemeClr val="accent1"/>
+          </a:effectRef>
+          <a:fontRef idx="minor">
+            <a:schemeClr val="lt1"/>
+          </a:fontRef>
+        </p:style>
+        <p:txBody>
+          <a:bodyPr rtlCol="0" anchor="ctr"/>
+          <a:lstStyle/>
+          <a:p>
+            <a:pPr algn="ctr"/>
+            <a:r>
+              <a:rPr lang="en-US" sz="1400" dirty="0" smtClean="0"/>
+              <a:t>Snowmelt per month (mm)</a:t>
+            </a:r>
+            <a:endParaRPr lang="en-US" sz="1400" dirty="0" smtClean="0"/>
+          </a:p>
+        </p:txBody>
+      </p:sp>
+      <p:cxnSp>
+        <p:nvCxnSpPr>
+          <p:cNvPr id="19" name="Gerade Verbindung mit Pfeil 18"/>
+          <p:cNvCxnSpPr>
+            <a:stCxn id="12" idx="3"/>
+            <a:endCxn id="14" idx="1"/>
+          </p:cNvCxnSpPr>
+          <p:nvPr/>
+        </p:nvCxnSpPr>
+        <p:spPr>
+          <a:xfrm>
+            <a:off x="2041917" y="3236131"/>
+            <a:ext cx="1856736" cy="191235"/>
+          </a:xfrm>
+          <a:prstGeom prst="straightConnector1">
+            <a:avLst/>
+          </a:prstGeom>
+          <a:ln w="12700">
+            <a:solidFill>
+              <a:schemeClr val="tx1"/>
+            </a:solidFill>
+            <a:tailEnd type="arrow"/>
+          </a:ln>
+        </p:spPr>
+        <p:style>
+          <a:lnRef idx="1">
+            <a:schemeClr val="accent1"/>
+          </a:lnRef>
+          <a:fillRef idx="0">
+            <a:schemeClr val="accent1"/>
+          </a:fillRef>
+          <a:effectRef idx="0">
+            <a:schemeClr val="accent1"/>
+          </a:effectRef>
+          <a:fontRef idx="minor">
+            <a:schemeClr val="tx1"/>
+          </a:fontRef>
+        </p:style>
+      </p:cxnSp>
+      <p:cxnSp>
+        <p:nvCxnSpPr>
+          <p:cNvPr id="22" name="Gerade Verbindung mit Pfeil 21"/>
+          <p:cNvCxnSpPr>
+            <a:stCxn id="15" idx="3"/>
+            <a:endCxn id="14" idx="3"/>
+          </p:cNvCxnSpPr>
+          <p:nvPr/>
+        </p:nvCxnSpPr>
+        <p:spPr>
+          <a:xfrm flipV="1">
+            <a:off x="2041917" y="3942608"/>
+            <a:ext cx="1856736" cy="191236"/>
+          </a:xfrm>
+          <a:prstGeom prst="straightConnector1">
+            <a:avLst/>
+          </a:prstGeom>
+          <a:ln w="12700">
+            <a:solidFill>
+              <a:schemeClr val="tx1"/>
+            </a:solidFill>
+            <a:tailEnd type="arrow"/>
+          </a:ln>
+        </p:spPr>
+        <p:style>
+          <a:lnRef idx="1">
+            <a:schemeClr val="accent1"/>
+          </a:lnRef>
+          <a:fillRef idx="0">
+            <a:schemeClr val="accent1"/>
+          </a:fillRef>
+          <a:effectRef idx="0">
+            <a:schemeClr val="accent1"/>
+          </a:effectRef>
+          <a:fontRef idx="minor">
+            <a:schemeClr val="tx1"/>
+          </a:fontRef>
+        </p:style>
+      </p:cxnSp>
+      <p:cxnSp>
+        <p:nvCxnSpPr>
+          <p:cNvPr id="27" name="Gerade Verbindung mit Pfeil 26"/>
+          <p:cNvCxnSpPr>
+            <a:stCxn id="14" idx="5"/>
+            <a:endCxn id="17" idx="1"/>
+          </p:cNvCxnSpPr>
+          <p:nvPr/>
+        </p:nvCxnSpPr>
+        <p:spPr>
+          <a:xfrm>
+            <a:off x="4878624" y="3942608"/>
+            <a:ext cx="2166299" cy="191236"/>
+          </a:xfrm>
+          <a:prstGeom prst="straightConnector1">
+            <a:avLst/>
+          </a:prstGeom>
+          <a:ln w="12700">
+            <a:solidFill>
+              <a:schemeClr val="tx1"/>
+            </a:solidFill>
+            <a:tailEnd type="arrow"/>
+          </a:ln>
+        </p:spPr>
+        <p:style>
+          <a:lnRef idx="1">
+            <a:schemeClr val="accent1"/>
+          </a:lnRef>
+          <a:fillRef idx="0">
+            <a:schemeClr val="accent1"/>
+          </a:fillRef>
+          <a:effectRef idx="0">
+            <a:schemeClr val="accent1"/>
+          </a:effectRef>
+          <a:fontRef idx="minor">
+            <a:schemeClr val="tx1"/>
+          </a:fontRef>
+        </p:style>
+      </p:cxnSp>
+      <p:cxnSp>
+        <p:nvCxnSpPr>
+          <p:cNvPr id="30" name="Gerade Verbindung mit Pfeil 29"/>
+          <p:cNvCxnSpPr>
+            <a:stCxn id="14" idx="7"/>
+            <a:endCxn id="16" idx="1"/>
+          </p:cNvCxnSpPr>
+          <p:nvPr/>
+        </p:nvCxnSpPr>
+        <p:spPr>
+          <a:xfrm flipV="1">
+            <a:off x="4878624" y="3236131"/>
+            <a:ext cx="2166299" cy="191235"/>
+          </a:xfrm>
+          <a:prstGeom prst="straightConnector1">
+            <a:avLst/>
+          </a:prstGeom>
+          <a:ln w="12700">
+            <a:solidFill>
+              <a:schemeClr val="tx1"/>
+            </a:solidFill>
+            <a:tailEnd type="arrow"/>
+          </a:ln>
+        </p:spPr>
+        <p:style>
+          <a:lnRef idx="1">
+            <a:schemeClr val="accent1"/>
+          </a:lnRef>
+          <a:fillRef idx="0">
+            <a:schemeClr val="accent1"/>
+          </a:fillRef>
+          <a:effectRef idx="0">
+            <a:schemeClr val="accent1"/>
+          </a:effectRef>
+          <a:fontRef idx="minor">
+            <a:schemeClr val="tx1"/>
+          </a:fontRef>
+        </p:style>
+      </p:cxnSp>
     </p:spTree>
     <p:extLst>
       <p:ext uri="{BB962C8B-B14F-4D97-AF65-F5344CB8AC3E}">
@@ -20614,6 +21210,13 @@
   <p:clrMapOvr>
     <a:masterClrMapping/>
   </p:clrMapOvr>
+  <p:timing>
+    <p:tnLst>
+      <p:par>
+        <p:cTn id="1" dur="indefinite" restart="never" nodeType="tmRoot"/>
+      </p:par>
+    </p:tnLst>
+  </p:timing>
 </p:sld>
 </file>
 
@@ -20636,13 +21239,7 @@
       </p:grpSpPr>
       <p:sp>
         <p:nvSpPr>
-          <p:cNvPr id="2" name="Titel 1">
-            <a:extLst>
-              <a:ext uri="{FF2B5EF4-FFF2-40B4-BE49-F238E27FC236}">
-                <a16:creationId xmlns:a16="http://schemas.microsoft.com/office/drawing/2014/main" id="{3F38C01C-D016-4FF7-B42A-3F1E5A1449DA}"/>
-              </a:ext>
-            </a:extLst>
-          </p:cNvPr>
+          <p:cNvPr id="2" name="Titel 1"/>
           <p:cNvSpPr>
             <a:spLocks noGrp="1"/>
           </p:cNvSpPr>
@@ -20656,26 +21253,16 @@
           <a:lstStyle/>
           <a:p>
             <a:r>
-              <a:rPr lang="de-DE" dirty="0"/>
-              <a:t>Problems &amp; </a:t>
-            </a:r>
-            <a:r>
-              <a:rPr lang="de-DE" dirty="0" err="1"/>
-              <a:t>Challenges</a:t>
-            </a:r>
-            <a:endParaRPr lang="en-DE" dirty="0"/>
-          </a:p>
-        </p:txBody>
-      </p:sp>
-      <p:sp>
-        <p:nvSpPr>
-          <p:cNvPr id="3" name="Textplatzhalter 2">
-            <a:extLst>
-              <a:ext uri="{FF2B5EF4-FFF2-40B4-BE49-F238E27FC236}">
-                <a16:creationId xmlns:a16="http://schemas.microsoft.com/office/drawing/2014/main" id="{6F4B7BA7-D612-48BB-9C2C-B51B3C8CA73D}"/>
-              </a:ext>
-            </a:extLst>
-          </p:cNvPr>
+              <a:rPr lang="en-US" dirty="0" smtClean="0"/>
+              <a:t>Project Idea</a:t>
+            </a:r>
+            <a:endParaRPr lang="en-US" dirty="0"/>
+          </a:p>
+        </p:txBody>
+      </p:sp>
+      <p:sp>
+        <p:nvSpPr>
+          <p:cNvPr id="3" name="Textplatzhalter 2"/>
           <p:cNvSpPr>
             <a:spLocks noGrp="1"/>
           </p:cNvSpPr>
@@ -20688,24 +21275,21 @@
           <a:bodyPr/>
           <a:lstStyle/>
           <a:p>
-            <a:endParaRPr lang="en-DE"/>
-          </a:p>
-        </p:txBody>
-      </p:sp>
-      <p:sp>
-        <p:nvSpPr>
-          <p:cNvPr id="4" name="Inhaltsplatzhalter 3">
-            <a:extLst>
-              <a:ext uri="{FF2B5EF4-FFF2-40B4-BE49-F238E27FC236}">
-                <a16:creationId xmlns:a16="http://schemas.microsoft.com/office/drawing/2014/main" id="{0FB4ADFE-F84A-46FC-B223-0BC252181E94}"/>
-              </a:ext>
-            </a:extLst>
-          </p:cNvPr>
-          <p:cNvSpPr>
-            <a:spLocks noGrp="1"/>
-          </p:cNvSpPr>
-          <p:nvPr>
-            <p:ph idx="1"/>
+            <a:r>
+              <a:rPr lang="en-US" dirty="0"/>
+              <a:t>Calculations using December as an example</a:t>
+            </a:r>
+          </a:p>
+        </p:txBody>
+      </p:sp>
+      <p:sp>
+        <p:nvSpPr>
+          <p:cNvPr id="5" name="Datumsplatzhalter 4"/>
+          <p:cNvSpPr>
+            <a:spLocks noGrp="1"/>
+          </p:cNvSpPr>
+          <p:nvPr>
+            <p:ph type="dt" sz="half" idx="14"/>
           </p:nvPr>
         </p:nvSpPr>
         <p:spPr/>
@@ -20713,24 +21297,22 @@
           <a:bodyPr/>
           <a:lstStyle/>
           <a:p>
-            <a:endParaRPr lang="en-DE"/>
-          </a:p>
-        </p:txBody>
-      </p:sp>
-      <p:sp>
-        <p:nvSpPr>
-          <p:cNvPr id="5" name="Datumsplatzhalter 4">
-            <a:extLst>
-              <a:ext uri="{FF2B5EF4-FFF2-40B4-BE49-F238E27FC236}">
-                <a16:creationId xmlns:a16="http://schemas.microsoft.com/office/drawing/2014/main" id="{0D7DEE63-E85F-472C-A79A-A410131251E7}"/>
-              </a:ext>
-            </a:extLst>
-          </p:cNvPr>
-          <p:cNvSpPr>
-            <a:spLocks noGrp="1"/>
-          </p:cNvSpPr>
-          <p:nvPr>
-            <p:ph type="dt" sz="half" idx="14"/>
+            <a:r>
+              <a:rPr lang="de-DE" smtClean="0"/>
+              <a:t>08/20/2020</a:t>
+            </a:r>
+            <a:endParaRPr lang="en-US" dirty="0"/>
+          </a:p>
+        </p:txBody>
+      </p:sp>
+      <p:sp>
+        <p:nvSpPr>
+          <p:cNvPr id="6" name="Fußzeilenplatzhalter 5"/>
+          <p:cNvSpPr>
+            <a:spLocks noGrp="1"/>
+          </p:cNvSpPr>
+          <p:nvPr>
+            <p:ph type="ftr" sz="quarter" idx="15"/>
           </p:nvPr>
         </p:nvSpPr>
         <p:spPr/>
@@ -20739,8 +21321,8 @@
           <a:lstStyle/>
           <a:p>
             <a:r>
-              <a:rPr lang="de-DE"/>
-              <a:t>08/20/2020</a:t>
+              <a:rPr lang="en-US" smtClean="0"/>
+              <a:t>University of Stuttgart</a:t>
             </a:r>
             <a:endParaRPr lang="en-US" dirty="0"/>
           </a:p>
@@ -20748,42 +21330,7 @@
       </p:sp>
       <p:sp>
         <p:nvSpPr>
-          <p:cNvPr id="6" name="Fußzeilenplatzhalter 5">
-            <a:extLst>
-              <a:ext uri="{FF2B5EF4-FFF2-40B4-BE49-F238E27FC236}">
-                <a16:creationId xmlns:a16="http://schemas.microsoft.com/office/drawing/2014/main" id="{E83C0FBE-BFA4-4210-B3E1-D2790C108296}"/>
-              </a:ext>
-            </a:extLst>
-          </p:cNvPr>
-          <p:cNvSpPr>
-            <a:spLocks noGrp="1"/>
-          </p:cNvSpPr>
-          <p:nvPr>
-            <p:ph type="ftr" sz="quarter" idx="15"/>
-          </p:nvPr>
-        </p:nvSpPr>
-        <p:spPr/>
-        <p:txBody>
-          <a:bodyPr/>
-          <a:lstStyle/>
-          <a:p>
-            <a:r>
-              <a:rPr lang="en-US"/>
-              <a:t>University of Stuttgart</a:t>
-            </a:r>
-            <a:endParaRPr lang="en-US" dirty="0"/>
-          </a:p>
-        </p:txBody>
-      </p:sp>
-      <p:sp>
-        <p:nvSpPr>
-          <p:cNvPr id="7" name="Foliennummernplatzhalter 6">
-            <a:extLst>
-              <a:ext uri="{FF2B5EF4-FFF2-40B4-BE49-F238E27FC236}">
-                <a16:creationId xmlns:a16="http://schemas.microsoft.com/office/drawing/2014/main" id="{CB6A2C50-3804-4ABD-89B4-036383811A5D}"/>
-              </a:ext>
-            </a:extLst>
-          </p:cNvPr>
+          <p:cNvPr id="7" name="Foliennummernplatzhalter 6"/>
           <p:cNvSpPr>
             <a:spLocks noGrp="1"/>
           </p:cNvSpPr>
@@ -20805,16 +21352,1247 @@
           </a:p>
         </p:txBody>
       </p:sp>
+      <p:pic>
+        <p:nvPicPr>
+          <p:cNvPr id="31" name="Picture 2"/>
+          <p:cNvPicPr>
+            <a:picLocks noChangeAspect="1" noChangeArrowheads="1"/>
+          </p:cNvPicPr>
+          <p:nvPr/>
+        </p:nvPicPr>
+        <p:blipFill>
+          <a:blip r:embed="rId2" cstate="print">
+            <a:extLst>
+              <a:ext uri="{28A0092B-C50C-407E-A947-70E740481C1C}">
+                <a14:useLocalDpi xmlns:a14="http://schemas.microsoft.com/office/drawing/2010/main" val="0"/>
+              </a:ext>
+            </a:extLst>
+          </a:blip>
+          <a:srcRect/>
+          <a:stretch>
+            <a:fillRect/>
+          </a:stretch>
+        </p:blipFill>
+        <p:spPr bwMode="auto">
+          <a:xfrm>
+            <a:off x="287120" y="920731"/>
+            <a:ext cx="1830068" cy="1246916"/>
+          </a:xfrm>
+          <a:prstGeom prst="rect">
+            <a:avLst/>
+          </a:prstGeom>
+          <a:noFill/>
+          <a:ln>
+            <a:noFill/>
+          </a:ln>
+          <a:extLst>
+            <a:ext uri="{909E8E84-426E-40DD-AFC4-6F175D3DCCD1}">
+              <a14:hiddenFill xmlns:a14="http://schemas.microsoft.com/office/drawing/2010/main">
+                <a:solidFill>
+                  <a:schemeClr val="accent1"/>
+                </a:solidFill>
+              </a14:hiddenFill>
+            </a:ext>
+            <a:ext uri="{91240B29-F687-4F45-9708-019B960494DF}">
+              <a14:hiddenLine xmlns:a14="http://schemas.microsoft.com/office/drawing/2010/main" w="9525">
+                <a:solidFill>
+                  <a:schemeClr val="tx1"/>
+                </a:solidFill>
+                <a:miter lim="800000"/>
+                <a:headEnd/>
+                <a:tailEnd/>
+              </a14:hiddenLine>
+            </a:ext>
+          </a:extLst>
+        </p:spPr>
+      </p:pic>
+      <p:pic>
+        <p:nvPicPr>
+          <p:cNvPr id="32" name="Picture 3"/>
+          <p:cNvPicPr>
+            <a:picLocks noChangeAspect="1" noChangeArrowheads="1"/>
+          </p:cNvPicPr>
+          <p:nvPr/>
+        </p:nvPicPr>
+        <p:blipFill>
+          <a:blip r:embed="rId3" cstate="print">
+            <a:extLst>
+              <a:ext uri="{28A0092B-C50C-407E-A947-70E740481C1C}">
+                <a14:useLocalDpi xmlns:a14="http://schemas.microsoft.com/office/drawing/2010/main" val="0"/>
+              </a:ext>
+            </a:extLst>
+          </a:blip>
+          <a:srcRect/>
+          <a:stretch>
+            <a:fillRect/>
+          </a:stretch>
+        </p:blipFill>
+        <p:spPr bwMode="auto">
+          <a:xfrm>
+            <a:off x="271136" y="2160503"/>
+            <a:ext cx="1761566" cy="1246914"/>
+          </a:xfrm>
+          <a:prstGeom prst="rect">
+            <a:avLst/>
+          </a:prstGeom>
+          <a:noFill/>
+          <a:ln>
+            <a:noFill/>
+          </a:ln>
+          <a:extLst>
+            <a:ext uri="{909E8E84-426E-40DD-AFC4-6F175D3DCCD1}">
+              <a14:hiddenFill xmlns:a14="http://schemas.microsoft.com/office/drawing/2010/main">
+                <a:solidFill>
+                  <a:schemeClr val="accent1"/>
+                </a:solidFill>
+              </a14:hiddenFill>
+            </a:ext>
+            <a:ext uri="{91240B29-F687-4F45-9708-019B960494DF}">
+              <a14:hiddenLine xmlns:a14="http://schemas.microsoft.com/office/drawing/2010/main" w="9525">
+                <a:solidFill>
+                  <a:schemeClr val="tx1"/>
+                </a:solidFill>
+                <a:miter lim="800000"/>
+                <a:headEnd/>
+                <a:tailEnd/>
+              </a14:hiddenLine>
+            </a:ext>
+          </a:extLst>
+        </p:spPr>
+      </p:pic>
+      <p:sp>
+        <p:nvSpPr>
+          <p:cNvPr id="33" name="Textfeld 32"/>
+          <p:cNvSpPr txBox="1"/>
+          <p:nvPr/>
+        </p:nvSpPr>
+        <p:spPr>
+          <a:xfrm>
+            <a:off x="852513" y="983423"/>
+            <a:ext cx="1660617" cy="430887"/>
+          </a:xfrm>
+          <a:prstGeom prst="rect">
+            <a:avLst/>
+          </a:prstGeom>
+          <a:noFill/>
+        </p:spPr>
+        <p:txBody>
+          <a:bodyPr wrap="square" rtlCol="0">
+            <a:spAutoFit/>
+          </a:bodyPr>
+          <a:lstStyle/>
+          <a:p>
+            <a:pPr algn="ctr"/>
+            <a:r>
+              <a:rPr lang="en-US" sz="1050" dirty="0" smtClean="0"/>
+              <a:t>Snow </a:t>
+            </a:r>
+            <a:r>
+              <a:rPr lang="en-US" sz="1050" dirty="0"/>
+              <a:t>e</a:t>
+            </a:r>
+            <a:r>
+              <a:rPr lang="en-US" sz="1050" dirty="0" smtClean="0"/>
+              <a:t>nd of </a:t>
+            </a:r>
+            <a:r>
+              <a:rPr lang="en-US" sz="1050" dirty="0" smtClean="0"/>
+              <a:t>November (mm)</a:t>
+            </a:r>
+            <a:endParaRPr lang="en-US" sz="1050" dirty="0"/>
+          </a:p>
+        </p:txBody>
+      </p:sp>
+      <p:sp>
+        <p:nvSpPr>
+          <p:cNvPr id="34" name="Textfeld 33"/>
+          <p:cNvSpPr txBox="1"/>
+          <p:nvPr/>
+        </p:nvSpPr>
+        <p:spPr>
+          <a:xfrm>
+            <a:off x="1035404" y="2167647"/>
+            <a:ext cx="1294834" cy="430887"/>
+          </a:xfrm>
+          <a:prstGeom prst="rect">
+            <a:avLst/>
+          </a:prstGeom>
+          <a:noFill/>
+        </p:spPr>
+        <p:txBody>
+          <a:bodyPr wrap="square" rtlCol="0">
+            <a:spAutoFit/>
+          </a:bodyPr>
+          <a:lstStyle/>
+          <a:p>
+            <a:pPr algn="ctr"/>
+            <a:r>
+              <a:rPr lang="en-US" sz="1050" dirty="0" smtClean="0"/>
+              <a:t>New snow </a:t>
+            </a:r>
+            <a:r>
+              <a:rPr lang="en-US" sz="1050" dirty="0" smtClean="0"/>
+              <a:t>December (mm)</a:t>
+            </a:r>
+            <a:endParaRPr lang="en-US" sz="1050" dirty="0"/>
+          </a:p>
+        </p:txBody>
+      </p:sp>
+      <p:pic>
+        <p:nvPicPr>
+          <p:cNvPr id="35" name="Picture 4"/>
+          <p:cNvPicPr>
+            <a:picLocks noChangeAspect="1" noChangeArrowheads="1"/>
+          </p:cNvPicPr>
+          <p:nvPr/>
+        </p:nvPicPr>
+        <p:blipFill>
+          <a:blip r:embed="rId4">
+            <a:extLst>
+              <a:ext uri="{28A0092B-C50C-407E-A947-70E740481C1C}">
+                <a14:useLocalDpi xmlns:a14="http://schemas.microsoft.com/office/drawing/2010/main" val="0"/>
+              </a:ext>
+            </a:extLst>
+          </a:blip>
+          <a:srcRect/>
+          <a:stretch>
+            <a:fillRect/>
+          </a:stretch>
+        </p:blipFill>
+        <p:spPr bwMode="auto">
+          <a:xfrm>
+            <a:off x="212531" y="1949172"/>
+            <a:ext cx="373258" cy="322646"/>
+          </a:xfrm>
+          <a:prstGeom prst="rect">
+            <a:avLst/>
+          </a:prstGeom>
+          <a:noFill/>
+          <a:ln>
+            <a:noFill/>
+          </a:ln>
+          <a:extLst>
+            <a:ext uri="{909E8E84-426E-40DD-AFC4-6F175D3DCCD1}">
+              <a14:hiddenFill xmlns:a14="http://schemas.microsoft.com/office/drawing/2010/main">
+                <a:solidFill>
+                  <a:schemeClr val="accent1"/>
+                </a:solidFill>
+              </a14:hiddenFill>
+            </a:ext>
+            <a:ext uri="{91240B29-F687-4F45-9708-019B960494DF}">
+              <a14:hiddenLine xmlns:a14="http://schemas.microsoft.com/office/drawing/2010/main" w="9525">
+                <a:solidFill>
+                  <a:schemeClr val="tx1"/>
+                </a:solidFill>
+                <a:miter lim="800000"/>
+                <a:headEnd/>
+                <a:tailEnd/>
+              </a14:hiddenLine>
+            </a:ext>
+          </a:extLst>
+        </p:spPr>
+      </p:pic>
+      <p:sp>
+        <p:nvSpPr>
+          <p:cNvPr id="36" name="Plus 35"/>
+          <p:cNvSpPr/>
+          <p:nvPr/>
+        </p:nvSpPr>
+        <p:spPr>
+          <a:xfrm>
+            <a:off x="638567" y="1909573"/>
+            <a:ext cx="381000" cy="381000"/>
+          </a:xfrm>
+          <a:prstGeom prst="mathPlus">
+            <a:avLst/>
+          </a:prstGeom>
+        </p:spPr>
+        <p:style>
+          <a:lnRef idx="2">
+            <a:schemeClr val="accent1">
+              <a:shade val="50000"/>
+            </a:schemeClr>
+          </a:lnRef>
+          <a:fillRef idx="1">
+            <a:schemeClr val="accent1"/>
+          </a:fillRef>
+          <a:effectRef idx="0">
+            <a:schemeClr val="accent1"/>
+          </a:effectRef>
+          <a:fontRef idx="minor">
+            <a:schemeClr val="lt1"/>
+          </a:fontRef>
+        </p:style>
+        <p:txBody>
+          <a:bodyPr rtlCol="0" anchor="ctr"/>
+          <a:lstStyle/>
+          <a:p>
+            <a:pPr algn="ctr"/>
+            <a:endParaRPr lang="en-US"/>
+          </a:p>
+        </p:txBody>
+      </p:sp>
+      <p:pic>
+        <p:nvPicPr>
+          <p:cNvPr id="37" name="Picture 4"/>
+          <p:cNvPicPr>
+            <a:picLocks noChangeAspect="1" noChangeArrowheads="1"/>
+          </p:cNvPicPr>
+          <p:nvPr/>
+        </p:nvPicPr>
+        <p:blipFill>
+          <a:blip r:embed="rId5" cstate="print">
+            <a:extLst>
+              <a:ext uri="{28A0092B-C50C-407E-A947-70E740481C1C}">
+                <a14:useLocalDpi xmlns:a14="http://schemas.microsoft.com/office/drawing/2010/main" val="0"/>
+              </a:ext>
+            </a:extLst>
+          </a:blip>
+          <a:srcRect/>
+          <a:stretch>
+            <a:fillRect/>
+          </a:stretch>
+        </p:blipFill>
+        <p:spPr bwMode="auto">
+          <a:xfrm>
+            <a:off x="2755166" y="1545855"/>
+            <a:ext cx="1698554" cy="1243584"/>
+          </a:xfrm>
+          <a:prstGeom prst="rect">
+            <a:avLst/>
+          </a:prstGeom>
+          <a:noFill/>
+          <a:ln>
+            <a:noFill/>
+          </a:ln>
+          <a:extLst>
+            <a:ext uri="{909E8E84-426E-40DD-AFC4-6F175D3DCCD1}">
+              <a14:hiddenFill xmlns:a14="http://schemas.microsoft.com/office/drawing/2010/main">
+                <a:solidFill>
+                  <a:schemeClr val="accent1"/>
+                </a:solidFill>
+              </a14:hiddenFill>
+            </a:ext>
+            <a:ext uri="{91240B29-F687-4F45-9708-019B960494DF}">
+              <a14:hiddenLine xmlns:a14="http://schemas.microsoft.com/office/drawing/2010/main" w="9525">
+                <a:solidFill>
+                  <a:schemeClr val="tx1"/>
+                </a:solidFill>
+                <a:miter lim="800000"/>
+                <a:headEnd/>
+                <a:tailEnd/>
+              </a14:hiddenLine>
+            </a:ext>
+          </a:extLst>
+        </p:spPr>
+      </p:pic>
+      <p:sp>
+        <p:nvSpPr>
+          <p:cNvPr id="38" name="Textfeld 37"/>
+          <p:cNvSpPr txBox="1"/>
+          <p:nvPr/>
+        </p:nvSpPr>
+        <p:spPr>
+          <a:xfrm>
+            <a:off x="2801622" y="1234586"/>
+            <a:ext cx="1660617" cy="415498"/>
+          </a:xfrm>
+          <a:prstGeom prst="rect">
+            <a:avLst/>
+          </a:prstGeom>
+          <a:noFill/>
+        </p:spPr>
+        <p:txBody>
+          <a:bodyPr wrap="square" rtlCol="0">
+            <a:spAutoFit/>
+          </a:bodyPr>
+          <a:lstStyle/>
+          <a:p>
+            <a:pPr algn="ctr"/>
+            <a:r>
+              <a:rPr lang="en-US" sz="1050" dirty="0" smtClean="0"/>
+              <a:t>Total snow December </a:t>
+            </a:r>
+            <a:r>
+              <a:rPr lang="en-US" sz="1050" dirty="0" smtClean="0"/>
+              <a:t>(mm</a:t>
+            </a:r>
+            <a:r>
+              <a:rPr lang="en-US" sz="1050" dirty="0" smtClean="0"/>
+              <a:t>)</a:t>
+            </a:r>
+            <a:endParaRPr lang="en-US" sz="1050" dirty="0"/>
+          </a:p>
+        </p:txBody>
+      </p:sp>
+      <p:sp>
+        <p:nvSpPr>
+          <p:cNvPr id="39" name="Gleich 38"/>
+          <p:cNvSpPr/>
+          <p:nvPr/>
+        </p:nvSpPr>
+        <p:spPr>
+          <a:xfrm>
+            <a:off x="1935956" y="1915797"/>
+            <a:ext cx="577174" cy="368552"/>
+          </a:xfrm>
+          <a:prstGeom prst="mathEqual">
+            <a:avLst/>
+          </a:prstGeom>
+          <a:ln>
+            <a:noFill/>
+          </a:ln>
+        </p:spPr>
+        <p:style>
+          <a:lnRef idx="2">
+            <a:schemeClr val="accent1">
+              <a:shade val="50000"/>
+            </a:schemeClr>
+          </a:lnRef>
+          <a:fillRef idx="1">
+            <a:schemeClr val="accent1"/>
+          </a:fillRef>
+          <a:effectRef idx="0">
+            <a:schemeClr val="accent1"/>
+          </a:effectRef>
+          <a:fontRef idx="minor">
+            <a:schemeClr val="lt1"/>
+          </a:fontRef>
+        </p:style>
+        <p:txBody>
+          <a:bodyPr rtlCol="0" anchor="ctr"/>
+          <a:lstStyle/>
+          <a:p>
+            <a:pPr algn="ctr"/>
+            <a:endParaRPr lang="en-US" sz="1600" dirty="0" smtClean="0">
+              <a:solidFill>
+                <a:schemeClr val="tx1"/>
+              </a:solidFill>
+            </a:endParaRPr>
+          </a:p>
+        </p:txBody>
+      </p:sp>
+      <p:sp>
+        <p:nvSpPr>
+          <p:cNvPr id="40" name="Multiplizieren 39"/>
+          <p:cNvSpPr/>
+          <p:nvPr/>
+        </p:nvSpPr>
+        <p:spPr>
+          <a:xfrm>
+            <a:off x="4262419" y="1897184"/>
+            <a:ext cx="457200" cy="405779"/>
+          </a:xfrm>
+          <a:prstGeom prst="mathMultiply">
+            <a:avLst/>
+          </a:prstGeom>
+        </p:spPr>
+        <p:style>
+          <a:lnRef idx="2">
+            <a:schemeClr val="accent1">
+              <a:shade val="50000"/>
+            </a:schemeClr>
+          </a:lnRef>
+          <a:fillRef idx="1">
+            <a:schemeClr val="accent1"/>
+          </a:fillRef>
+          <a:effectRef idx="0">
+            <a:schemeClr val="accent1"/>
+          </a:effectRef>
+          <a:fontRef idx="minor">
+            <a:schemeClr val="lt1"/>
+          </a:fontRef>
+        </p:style>
+        <p:txBody>
+          <a:bodyPr rtlCol="0" anchor="ctr"/>
+          <a:lstStyle/>
+          <a:p>
+            <a:pPr algn="ctr"/>
+            <a:endParaRPr lang="en-US"/>
+          </a:p>
+        </p:txBody>
+      </p:sp>
+      <p:pic>
+        <p:nvPicPr>
+          <p:cNvPr id="41" name="Picture 5"/>
+          <p:cNvPicPr>
+            <a:picLocks noChangeAspect="1" noChangeArrowheads="1"/>
+          </p:cNvPicPr>
+          <p:nvPr/>
+        </p:nvPicPr>
+        <p:blipFill>
+          <a:blip r:embed="rId6" cstate="print">
+            <a:extLst>
+              <a:ext uri="{28A0092B-C50C-407E-A947-70E740481C1C}">
+                <a14:useLocalDpi xmlns:a14="http://schemas.microsoft.com/office/drawing/2010/main" val="0"/>
+              </a:ext>
+            </a:extLst>
+          </a:blip>
+          <a:srcRect/>
+          <a:stretch>
+            <a:fillRect/>
+          </a:stretch>
+        </p:blipFill>
+        <p:spPr bwMode="auto">
+          <a:xfrm>
+            <a:off x="4944151" y="1478978"/>
+            <a:ext cx="1717548" cy="1243584"/>
+          </a:xfrm>
+          <a:prstGeom prst="rect">
+            <a:avLst/>
+          </a:prstGeom>
+          <a:noFill/>
+          <a:ln>
+            <a:noFill/>
+          </a:ln>
+          <a:extLst>
+            <a:ext uri="{909E8E84-426E-40DD-AFC4-6F175D3DCCD1}">
+              <a14:hiddenFill xmlns:a14="http://schemas.microsoft.com/office/drawing/2010/main">
+                <a:solidFill>
+                  <a:schemeClr val="accent1"/>
+                </a:solidFill>
+              </a14:hiddenFill>
+            </a:ext>
+            <a:ext uri="{91240B29-F687-4F45-9708-019B960494DF}">
+              <a14:hiddenLine xmlns:a14="http://schemas.microsoft.com/office/drawing/2010/main" w="9525">
+                <a:solidFill>
+                  <a:schemeClr val="tx1"/>
+                </a:solidFill>
+                <a:miter lim="800000"/>
+                <a:headEnd/>
+                <a:tailEnd/>
+              </a14:hiddenLine>
+            </a:ext>
+          </a:extLst>
+        </p:spPr>
+      </p:pic>
+      <p:sp>
+        <p:nvSpPr>
+          <p:cNvPr id="47" name="Textfeld 46"/>
+          <p:cNvSpPr txBox="1"/>
+          <p:nvPr/>
+        </p:nvSpPr>
+        <p:spPr>
+          <a:xfrm>
+            <a:off x="5745662" y="1234586"/>
+            <a:ext cx="1660617" cy="415498"/>
+          </a:xfrm>
+          <a:prstGeom prst="rect">
+            <a:avLst/>
+          </a:prstGeom>
+          <a:noFill/>
+        </p:spPr>
+        <p:txBody>
+          <a:bodyPr wrap="square" rtlCol="0">
+            <a:spAutoFit/>
+          </a:bodyPr>
+          <a:lstStyle/>
+          <a:p>
+            <a:pPr algn="ctr"/>
+            <a:r>
+              <a:rPr lang="en-US" sz="1050" dirty="0" smtClean="0"/>
+              <a:t>Snow cover end of December</a:t>
+            </a:r>
+            <a:endParaRPr lang="en-US" sz="1050" dirty="0"/>
+          </a:p>
+        </p:txBody>
+      </p:sp>
+      <p:sp>
+        <p:nvSpPr>
+          <p:cNvPr id="48" name="Gleich 47"/>
+          <p:cNvSpPr/>
+          <p:nvPr/>
+        </p:nvSpPr>
+        <p:spPr>
+          <a:xfrm>
+            <a:off x="6829105" y="1915797"/>
+            <a:ext cx="577174" cy="368552"/>
+          </a:xfrm>
+          <a:prstGeom prst="mathEqual">
+            <a:avLst/>
+          </a:prstGeom>
+          <a:ln>
+            <a:noFill/>
+          </a:ln>
+        </p:spPr>
+        <p:style>
+          <a:lnRef idx="2">
+            <a:schemeClr val="accent1">
+              <a:shade val="50000"/>
+            </a:schemeClr>
+          </a:lnRef>
+          <a:fillRef idx="1">
+            <a:schemeClr val="accent1"/>
+          </a:fillRef>
+          <a:effectRef idx="0">
+            <a:schemeClr val="accent1"/>
+          </a:effectRef>
+          <a:fontRef idx="minor">
+            <a:schemeClr val="lt1"/>
+          </a:fontRef>
+        </p:style>
+        <p:txBody>
+          <a:bodyPr rtlCol="0" anchor="ctr"/>
+          <a:lstStyle/>
+          <a:p>
+            <a:pPr algn="ctr"/>
+            <a:endParaRPr lang="en-US" sz="1600" dirty="0" smtClean="0">
+              <a:solidFill>
+                <a:schemeClr val="tx1"/>
+              </a:solidFill>
+            </a:endParaRPr>
+          </a:p>
+        </p:txBody>
+      </p:sp>
+      <p:pic>
+        <p:nvPicPr>
+          <p:cNvPr id="49" name="Picture 6"/>
+          <p:cNvPicPr>
+            <a:picLocks noChangeAspect="1" noChangeArrowheads="1"/>
+          </p:cNvPicPr>
+          <p:nvPr/>
+        </p:nvPicPr>
+        <p:blipFill>
+          <a:blip r:embed="rId7" cstate="print">
+            <a:extLst>
+              <a:ext uri="{28A0092B-C50C-407E-A947-70E740481C1C}">
+                <a14:useLocalDpi xmlns:a14="http://schemas.microsoft.com/office/drawing/2010/main" val="0"/>
+              </a:ext>
+            </a:extLst>
+          </a:blip>
+          <a:srcRect/>
+          <a:stretch>
+            <a:fillRect/>
+          </a:stretch>
+        </p:blipFill>
+        <p:spPr bwMode="auto">
+          <a:xfrm>
+            <a:off x="7406279" y="1478978"/>
+            <a:ext cx="1622222" cy="1243584"/>
+          </a:xfrm>
+          <a:prstGeom prst="rect">
+            <a:avLst/>
+          </a:prstGeom>
+          <a:noFill/>
+          <a:ln>
+            <a:noFill/>
+          </a:ln>
+          <a:extLst>
+            <a:ext uri="{909E8E84-426E-40DD-AFC4-6F175D3DCCD1}">
+              <a14:hiddenFill xmlns:a14="http://schemas.microsoft.com/office/drawing/2010/main">
+                <a:solidFill>
+                  <a:schemeClr val="accent1"/>
+                </a:solidFill>
+              </a14:hiddenFill>
+            </a:ext>
+            <a:ext uri="{91240B29-F687-4F45-9708-019B960494DF}">
+              <a14:hiddenLine xmlns:a14="http://schemas.microsoft.com/office/drawing/2010/main" w="9525">
+                <a:solidFill>
+                  <a:schemeClr val="tx1"/>
+                </a:solidFill>
+                <a:miter lim="800000"/>
+                <a:headEnd/>
+                <a:tailEnd/>
+              </a14:hiddenLine>
+            </a:ext>
+          </a:extLst>
+        </p:spPr>
+      </p:pic>
+      <p:sp>
+        <p:nvSpPr>
+          <p:cNvPr id="50" name="Textfeld 49"/>
+          <p:cNvSpPr txBox="1"/>
+          <p:nvPr/>
+        </p:nvSpPr>
+        <p:spPr>
+          <a:xfrm>
+            <a:off x="7718520" y="1336440"/>
+            <a:ext cx="1660617" cy="415498"/>
+          </a:xfrm>
+          <a:prstGeom prst="rect">
+            <a:avLst/>
+          </a:prstGeom>
+          <a:noFill/>
+        </p:spPr>
+        <p:txBody>
+          <a:bodyPr wrap="square" rtlCol="0">
+            <a:spAutoFit/>
+          </a:bodyPr>
+          <a:lstStyle/>
+          <a:p>
+            <a:pPr algn="ctr"/>
+            <a:r>
+              <a:rPr lang="en-US" sz="1050" dirty="0" smtClean="0"/>
+              <a:t>Snow (mm) end of  December</a:t>
+            </a:r>
+            <a:endParaRPr lang="en-US" sz="1050" dirty="0"/>
+          </a:p>
+        </p:txBody>
+      </p:sp>
     </p:spTree>
     <p:extLst>
       <p:ext uri="{BB962C8B-B14F-4D97-AF65-F5344CB8AC3E}">
-        <p14:creationId xmlns:p14="http://schemas.microsoft.com/office/powerpoint/2010/main" val="2108502833"/>
+        <p14:creationId xmlns:p14="http://schemas.microsoft.com/office/powerpoint/2010/main" val="2108828838"/>
       </p:ext>
     </p:extLst>
   </p:cSld>
   <p:clrMapOvr>
     <a:masterClrMapping/>
   </p:clrMapOvr>
+  <p:timing>
+    <p:tnLst>
+      <p:par>
+        <p:cTn id="1" dur="indefinite" restart="never" nodeType="tmRoot">
+          <p:childTnLst>
+            <p:seq concurrent="1" nextAc="seek">
+              <p:cTn id="2" dur="indefinite" nodeType="mainSeq">
+                <p:childTnLst>
+                  <p:par>
+                    <p:cTn id="3" fill="hold">
+                      <p:stCondLst>
+                        <p:cond delay="indefinite"/>
+                      </p:stCondLst>
+                      <p:childTnLst>
+                        <p:par>
+                          <p:cTn id="4" fill="hold">
+                            <p:stCondLst>
+                              <p:cond delay="0"/>
+                            </p:stCondLst>
+                            <p:childTnLst>
+                              <p:par>
+                                <p:cTn id="5" presetID="1" presetClass="entr" presetSubtype="0" fill="hold" nodeType="clickEffect">
+                                  <p:stCondLst>
+                                    <p:cond delay="0"/>
+                                  </p:stCondLst>
+                                  <p:childTnLst>
+                                    <p:set>
+                                      <p:cBhvr>
+                                        <p:cTn id="6" dur="1" fill="hold">
+                                          <p:stCondLst>
+                                            <p:cond delay="0"/>
+                                          </p:stCondLst>
+                                        </p:cTn>
+                                        <p:tgtEl>
+                                          <p:spTgt spid="31"/>
+                                        </p:tgtEl>
+                                        <p:attrNameLst>
+                                          <p:attrName>style.visibility</p:attrName>
+                                        </p:attrNameLst>
+                                      </p:cBhvr>
+                                      <p:to>
+                                        <p:strVal val="visible"/>
+                                      </p:to>
+                                    </p:set>
+                                  </p:childTnLst>
+                                </p:cTn>
+                              </p:par>
+                              <p:par>
+                                <p:cTn id="7" presetID="1" presetClass="entr" presetSubtype="0" fill="hold" grpId="0" nodeType="withEffect">
+                                  <p:stCondLst>
+                                    <p:cond delay="0"/>
+                                  </p:stCondLst>
+                                  <p:childTnLst>
+                                    <p:set>
+                                      <p:cBhvr>
+                                        <p:cTn id="8" dur="1" fill="hold">
+                                          <p:stCondLst>
+                                            <p:cond delay="0"/>
+                                          </p:stCondLst>
+                                        </p:cTn>
+                                        <p:tgtEl>
+                                          <p:spTgt spid="33"/>
+                                        </p:tgtEl>
+                                        <p:attrNameLst>
+                                          <p:attrName>style.visibility</p:attrName>
+                                        </p:attrNameLst>
+                                      </p:cBhvr>
+                                      <p:to>
+                                        <p:strVal val="visible"/>
+                                      </p:to>
+                                    </p:set>
+                                  </p:childTnLst>
+                                </p:cTn>
+                              </p:par>
+                              <p:par>
+                                <p:cTn id="9" presetID="1" presetClass="entr" presetSubtype="0" fill="hold" nodeType="withEffect">
+                                  <p:stCondLst>
+                                    <p:cond delay="0"/>
+                                  </p:stCondLst>
+                                  <p:childTnLst>
+                                    <p:set>
+                                      <p:cBhvr>
+                                        <p:cTn id="10" dur="1" fill="hold">
+                                          <p:stCondLst>
+                                            <p:cond delay="0"/>
+                                          </p:stCondLst>
+                                        </p:cTn>
+                                        <p:tgtEl>
+                                          <p:spTgt spid="35"/>
+                                        </p:tgtEl>
+                                        <p:attrNameLst>
+                                          <p:attrName>style.visibility</p:attrName>
+                                        </p:attrNameLst>
+                                      </p:cBhvr>
+                                      <p:to>
+                                        <p:strVal val="visible"/>
+                                      </p:to>
+                                    </p:set>
+                                  </p:childTnLst>
+                                </p:cTn>
+                              </p:par>
+                            </p:childTnLst>
+                          </p:cTn>
+                        </p:par>
+                      </p:childTnLst>
+                    </p:cTn>
+                  </p:par>
+                  <p:par>
+                    <p:cTn id="11" fill="hold">
+                      <p:stCondLst>
+                        <p:cond delay="indefinite"/>
+                      </p:stCondLst>
+                      <p:childTnLst>
+                        <p:par>
+                          <p:cTn id="12" fill="hold">
+                            <p:stCondLst>
+                              <p:cond delay="0"/>
+                            </p:stCondLst>
+                            <p:childTnLst>
+                              <p:par>
+                                <p:cTn id="13" presetID="1" presetClass="entr" presetSubtype="0" fill="hold" nodeType="clickEffect">
+                                  <p:stCondLst>
+                                    <p:cond delay="0"/>
+                                  </p:stCondLst>
+                                  <p:childTnLst>
+                                    <p:set>
+                                      <p:cBhvr>
+                                        <p:cTn id="14" dur="1" fill="hold">
+                                          <p:stCondLst>
+                                            <p:cond delay="0"/>
+                                          </p:stCondLst>
+                                        </p:cTn>
+                                        <p:tgtEl>
+                                          <p:spTgt spid="32"/>
+                                        </p:tgtEl>
+                                        <p:attrNameLst>
+                                          <p:attrName>style.visibility</p:attrName>
+                                        </p:attrNameLst>
+                                      </p:cBhvr>
+                                      <p:to>
+                                        <p:strVal val="visible"/>
+                                      </p:to>
+                                    </p:set>
+                                  </p:childTnLst>
+                                </p:cTn>
+                              </p:par>
+                              <p:par>
+                                <p:cTn id="15" presetID="1" presetClass="entr" presetSubtype="0" fill="hold" grpId="0" nodeType="withEffect">
+                                  <p:stCondLst>
+                                    <p:cond delay="0"/>
+                                  </p:stCondLst>
+                                  <p:childTnLst>
+                                    <p:set>
+                                      <p:cBhvr>
+                                        <p:cTn id="16" dur="1" fill="hold">
+                                          <p:stCondLst>
+                                            <p:cond delay="0"/>
+                                          </p:stCondLst>
+                                        </p:cTn>
+                                        <p:tgtEl>
+                                          <p:spTgt spid="34"/>
+                                        </p:tgtEl>
+                                        <p:attrNameLst>
+                                          <p:attrName>style.visibility</p:attrName>
+                                        </p:attrNameLst>
+                                      </p:cBhvr>
+                                      <p:to>
+                                        <p:strVal val="visible"/>
+                                      </p:to>
+                                    </p:set>
+                                  </p:childTnLst>
+                                </p:cTn>
+                              </p:par>
+                              <p:par>
+                                <p:cTn id="17" presetID="1" presetClass="entr" presetSubtype="0" fill="hold" grpId="0" nodeType="withEffect">
+                                  <p:stCondLst>
+                                    <p:cond delay="0"/>
+                                  </p:stCondLst>
+                                  <p:childTnLst>
+                                    <p:set>
+                                      <p:cBhvr>
+                                        <p:cTn id="18" dur="1" fill="hold">
+                                          <p:stCondLst>
+                                            <p:cond delay="0"/>
+                                          </p:stCondLst>
+                                        </p:cTn>
+                                        <p:tgtEl>
+                                          <p:spTgt spid="36"/>
+                                        </p:tgtEl>
+                                        <p:attrNameLst>
+                                          <p:attrName>style.visibility</p:attrName>
+                                        </p:attrNameLst>
+                                      </p:cBhvr>
+                                      <p:to>
+                                        <p:strVal val="visible"/>
+                                      </p:to>
+                                    </p:set>
+                                  </p:childTnLst>
+                                </p:cTn>
+                              </p:par>
+                            </p:childTnLst>
+                          </p:cTn>
+                        </p:par>
+                      </p:childTnLst>
+                    </p:cTn>
+                  </p:par>
+                  <p:par>
+                    <p:cTn id="19" fill="hold">
+                      <p:stCondLst>
+                        <p:cond delay="indefinite"/>
+                      </p:stCondLst>
+                      <p:childTnLst>
+                        <p:par>
+                          <p:cTn id="20" fill="hold">
+                            <p:stCondLst>
+                              <p:cond delay="0"/>
+                            </p:stCondLst>
+                            <p:childTnLst>
+                              <p:par>
+                                <p:cTn id="21" presetID="1" presetClass="entr" presetSubtype="0" fill="hold" grpId="0" nodeType="clickEffect">
+                                  <p:stCondLst>
+                                    <p:cond delay="0"/>
+                                  </p:stCondLst>
+                                  <p:childTnLst>
+                                    <p:set>
+                                      <p:cBhvr>
+                                        <p:cTn id="22" dur="1" fill="hold">
+                                          <p:stCondLst>
+                                            <p:cond delay="0"/>
+                                          </p:stCondLst>
+                                        </p:cTn>
+                                        <p:tgtEl>
+                                          <p:spTgt spid="39"/>
+                                        </p:tgtEl>
+                                        <p:attrNameLst>
+                                          <p:attrName>style.visibility</p:attrName>
+                                        </p:attrNameLst>
+                                      </p:cBhvr>
+                                      <p:to>
+                                        <p:strVal val="visible"/>
+                                      </p:to>
+                                    </p:set>
+                                  </p:childTnLst>
+                                </p:cTn>
+                              </p:par>
+                            </p:childTnLst>
+                          </p:cTn>
+                        </p:par>
+                      </p:childTnLst>
+                    </p:cTn>
+                  </p:par>
+                  <p:par>
+                    <p:cTn id="23" fill="hold">
+                      <p:stCondLst>
+                        <p:cond delay="indefinite"/>
+                      </p:stCondLst>
+                      <p:childTnLst>
+                        <p:par>
+                          <p:cTn id="24" fill="hold">
+                            <p:stCondLst>
+                              <p:cond delay="0"/>
+                            </p:stCondLst>
+                            <p:childTnLst>
+                              <p:par>
+                                <p:cTn id="25" presetID="1" presetClass="entr" presetSubtype="0" fill="hold" nodeType="clickEffect">
+                                  <p:stCondLst>
+                                    <p:cond delay="0"/>
+                                  </p:stCondLst>
+                                  <p:childTnLst>
+                                    <p:set>
+                                      <p:cBhvr>
+                                        <p:cTn id="26" dur="1" fill="hold">
+                                          <p:stCondLst>
+                                            <p:cond delay="0"/>
+                                          </p:stCondLst>
+                                        </p:cTn>
+                                        <p:tgtEl>
+                                          <p:spTgt spid="37"/>
+                                        </p:tgtEl>
+                                        <p:attrNameLst>
+                                          <p:attrName>style.visibility</p:attrName>
+                                        </p:attrNameLst>
+                                      </p:cBhvr>
+                                      <p:to>
+                                        <p:strVal val="visible"/>
+                                      </p:to>
+                                    </p:set>
+                                  </p:childTnLst>
+                                </p:cTn>
+                              </p:par>
+                              <p:par>
+                                <p:cTn id="27" presetID="1" presetClass="entr" presetSubtype="0" fill="hold" grpId="0" nodeType="withEffect">
+                                  <p:stCondLst>
+                                    <p:cond delay="0"/>
+                                  </p:stCondLst>
+                                  <p:childTnLst>
+                                    <p:set>
+                                      <p:cBhvr>
+                                        <p:cTn id="28" dur="1" fill="hold">
+                                          <p:stCondLst>
+                                            <p:cond delay="0"/>
+                                          </p:stCondLst>
+                                        </p:cTn>
+                                        <p:tgtEl>
+                                          <p:spTgt spid="38"/>
+                                        </p:tgtEl>
+                                        <p:attrNameLst>
+                                          <p:attrName>style.visibility</p:attrName>
+                                        </p:attrNameLst>
+                                      </p:cBhvr>
+                                      <p:to>
+                                        <p:strVal val="visible"/>
+                                      </p:to>
+                                    </p:set>
+                                  </p:childTnLst>
+                                </p:cTn>
+                              </p:par>
+                            </p:childTnLst>
+                          </p:cTn>
+                        </p:par>
+                      </p:childTnLst>
+                    </p:cTn>
+                  </p:par>
+                  <p:par>
+                    <p:cTn id="29" fill="hold">
+                      <p:stCondLst>
+                        <p:cond delay="indefinite"/>
+                      </p:stCondLst>
+                      <p:childTnLst>
+                        <p:par>
+                          <p:cTn id="30" fill="hold">
+                            <p:stCondLst>
+                              <p:cond delay="0"/>
+                            </p:stCondLst>
+                            <p:childTnLst>
+                              <p:par>
+                                <p:cTn id="31" presetID="1" presetClass="entr" presetSubtype="0" fill="hold" grpId="0" nodeType="clickEffect">
+                                  <p:stCondLst>
+                                    <p:cond delay="0"/>
+                                  </p:stCondLst>
+                                  <p:childTnLst>
+                                    <p:set>
+                                      <p:cBhvr>
+                                        <p:cTn id="32" dur="1" fill="hold">
+                                          <p:stCondLst>
+                                            <p:cond delay="0"/>
+                                          </p:stCondLst>
+                                        </p:cTn>
+                                        <p:tgtEl>
+                                          <p:spTgt spid="40"/>
+                                        </p:tgtEl>
+                                        <p:attrNameLst>
+                                          <p:attrName>style.visibility</p:attrName>
+                                        </p:attrNameLst>
+                                      </p:cBhvr>
+                                      <p:to>
+                                        <p:strVal val="visible"/>
+                                      </p:to>
+                                    </p:set>
+                                  </p:childTnLst>
+                                </p:cTn>
+                              </p:par>
+                              <p:par>
+                                <p:cTn id="33" presetID="1" presetClass="entr" presetSubtype="0" fill="hold" nodeType="withEffect">
+                                  <p:stCondLst>
+                                    <p:cond delay="0"/>
+                                  </p:stCondLst>
+                                  <p:childTnLst>
+                                    <p:set>
+                                      <p:cBhvr>
+                                        <p:cTn id="34" dur="1" fill="hold">
+                                          <p:stCondLst>
+                                            <p:cond delay="0"/>
+                                          </p:stCondLst>
+                                        </p:cTn>
+                                        <p:tgtEl>
+                                          <p:spTgt spid="41"/>
+                                        </p:tgtEl>
+                                        <p:attrNameLst>
+                                          <p:attrName>style.visibility</p:attrName>
+                                        </p:attrNameLst>
+                                      </p:cBhvr>
+                                      <p:to>
+                                        <p:strVal val="visible"/>
+                                      </p:to>
+                                    </p:set>
+                                  </p:childTnLst>
+                                </p:cTn>
+                              </p:par>
+                              <p:par>
+                                <p:cTn id="35" presetID="1" presetClass="entr" presetSubtype="0" fill="hold" grpId="0" nodeType="withEffect">
+                                  <p:stCondLst>
+                                    <p:cond delay="0"/>
+                                  </p:stCondLst>
+                                  <p:childTnLst>
+                                    <p:set>
+                                      <p:cBhvr>
+                                        <p:cTn id="36" dur="1" fill="hold">
+                                          <p:stCondLst>
+                                            <p:cond delay="0"/>
+                                          </p:stCondLst>
+                                        </p:cTn>
+                                        <p:tgtEl>
+                                          <p:spTgt spid="47"/>
+                                        </p:tgtEl>
+                                        <p:attrNameLst>
+                                          <p:attrName>style.visibility</p:attrName>
+                                        </p:attrNameLst>
+                                      </p:cBhvr>
+                                      <p:to>
+                                        <p:strVal val="visible"/>
+                                      </p:to>
+                                    </p:set>
+                                  </p:childTnLst>
+                                </p:cTn>
+                              </p:par>
+                            </p:childTnLst>
+                          </p:cTn>
+                        </p:par>
+                      </p:childTnLst>
+                    </p:cTn>
+                  </p:par>
+                  <p:par>
+                    <p:cTn id="37" fill="hold">
+                      <p:stCondLst>
+                        <p:cond delay="indefinite"/>
+                      </p:stCondLst>
+                      <p:childTnLst>
+                        <p:par>
+                          <p:cTn id="38" fill="hold">
+                            <p:stCondLst>
+                              <p:cond delay="0"/>
+                            </p:stCondLst>
+                            <p:childTnLst>
+                              <p:par>
+                                <p:cTn id="39" presetID="1" presetClass="entr" presetSubtype="0" fill="hold" grpId="0" nodeType="clickEffect">
+                                  <p:stCondLst>
+                                    <p:cond delay="0"/>
+                                  </p:stCondLst>
+                                  <p:childTnLst>
+                                    <p:set>
+                                      <p:cBhvr>
+                                        <p:cTn id="40" dur="1" fill="hold">
+                                          <p:stCondLst>
+                                            <p:cond delay="0"/>
+                                          </p:stCondLst>
+                                        </p:cTn>
+                                        <p:tgtEl>
+                                          <p:spTgt spid="48"/>
+                                        </p:tgtEl>
+                                        <p:attrNameLst>
+                                          <p:attrName>style.visibility</p:attrName>
+                                        </p:attrNameLst>
+                                      </p:cBhvr>
+                                      <p:to>
+                                        <p:strVal val="visible"/>
+                                      </p:to>
+                                    </p:set>
+                                  </p:childTnLst>
+                                </p:cTn>
+                              </p:par>
+                              <p:par>
+                                <p:cTn id="41" presetID="1" presetClass="entr" presetSubtype="0" fill="hold" nodeType="withEffect">
+                                  <p:stCondLst>
+                                    <p:cond delay="0"/>
+                                  </p:stCondLst>
+                                  <p:childTnLst>
+                                    <p:set>
+                                      <p:cBhvr>
+                                        <p:cTn id="42" dur="1" fill="hold">
+                                          <p:stCondLst>
+                                            <p:cond delay="0"/>
+                                          </p:stCondLst>
+                                        </p:cTn>
+                                        <p:tgtEl>
+                                          <p:spTgt spid="49"/>
+                                        </p:tgtEl>
+                                        <p:attrNameLst>
+                                          <p:attrName>style.visibility</p:attrName>
+                                        </p:attrNameLst>
+                                      </p:cBhvr>
+                                      <p:to>
+                                        <p:strVal val="visible"/>
+                                      </p:to>
+                                    </p:set>
+                                  </p:childTnLst>
+                                </p:cTn>
+                              </p:par>
+                              <p:par>
+                                <p:cTn id="43" presetID="1" presetClass="entr" presetSubtype="0" fill="hold" grpId="0" nodeType="withEffect">
+                                  <p:stCondLst>
+                                    <p:cond delay="0"/>
+                                  </p:stCondLst>
+                                  <p:childTnLst>
+                                    <p:set>
+                                      <p:cBhvr>
+                                        <p:cTn id="44" dur="1" fill="hold">
+                                          <p:stCondLst>
+                                            <p:cond delay="0"/>
+                                          </p:stCondLst>
+                                        </p:cTn>
+                                        <p:tgtEl>
+                                          <p:spTgt spid="50"/>
+                                        </p:tgtEl>
+                                        <p:attrNameLst>
+                                          <p:attrName>style.visibility</p:attrName>
+                                        </p:attrNameLst>
+                                      </p:cBhvr>
+                                      <p:to>
+                                        <p:strVal val="visible"/>
+                                      </p:to>
+                                    </p:set>
+                                  </p:childTnLst>
+                                </p:cTn>
+                              </p:par>
+                            </p:childTnLst>
+                          </p:cTn>
+                        </p:par>
+                      </p:childTnLst>
+                    </p:cTn>
+                  </p:par>
+                </p:childTnLst>
+              </p:cTn>
+              <p:prevCondLst>
+                <p:cond evt="onPrev" delay="0">
+                  <p:tgtEl>
+                    <p:sldTgt/>
+                  </p:tgtEl>
+                </p:cond>
+              </p:prevCondLst>
+              <p:nextCondLst>
+                <p:cond evt="onNext" delay="0">
+                  <p:tgtEl>
+                    <p:sldTgt/>
+                  </p:tgtEl>
+                </p:cond>
+              </p:nextCondLst>
+            </p:seq>
+          </p:childTnLst>
+        </p:cTn>
+      </p:par>
+    </p:tnLst>
+    <p:bldLst>
+      <p:bldP spid="33" grpId="0"/>
+      <p:bldP spid="34" grpId="0"/>
+      <p:bldP spid="36" grpId="0" animBg="1"/>
+      <p:bldP spid="38" grpId="0"/>
+      <p:bldP spid="39" grpId="0" animBg="1"/>
+      <p:bldP spid="40" grpId="0" animBg="1"/>
+      <p:bldP spid="47" grpId="0"/>
+      <p:bldP spid="48" grpId="0" animBg="1"/>
+      <p:bldP spid="50" grpId="0"/>
+    </p:bldLst>
+  </p:timing>
 </p:sld>
 </file>
 
@@ -20840,7 +22618,7 @@
           <p:cNvPr id="2" name="Titel 1">
             <a:extLst>
               <a:ext uri="{FF2B5EF4-FFF2-40B4-BE49-F238E27FC236}">
-                <a16:creationId xmlns:a16="http://schemas.microsoft.com/office/drawing/2014/main" id="{C4480884-94A8-4A68-A60F-7FECFE1D99A7}"/>
+                <a16:creationId xmlns:a16="http://schemas.microsoft.com/office/drawing/2014/main" xmlns="" id="{3F38C01C-D016-4FF7-B42A-3F1E5A1449DA}"/>
               </a:ext>
             </a:extLst>
           </p:cNvPr>
@@ -20858,29 +22636,38 @@
           <a:p>
             <a:r>
               <a:rPr lang="de-DE" dirty="0"/>
-              <a:t>Goal </a:t>
+              <a:t>Problems &amp; </a:t>
             </a:r>
             <a:r>
               <a:rPr lang="de-DE" dirty="0" err="1"/>
-              <a:t>of</a:t>
-            </a:r>
-            <a:r>
-              <a:rPr lang="de-DE" dirty="0"/>
-              <a:t> </a:t>
-            </a:r>
-            <a:r>
-              <a:rPr lang="de-DE" dirty="0" err="1"/>
-              <a:t>the</a:t>
-            </a:r>
-            <a:r>
-              <a:rPr lang="de-DE" dirty="0"/>
-              <a:t> </a:t>
-            </a:r>
-            <a:r>
-              <a:rPr lang="de-DE" dirty="0" err="1"/>
-              <a:t>program</a:t>
-            </a:r>
-            <a:endParaRPr lang="en-DE" dirty="0"/>
+              <a:t>Challenges</a:t>
+            </a:r>
+            <a:endParaRPr lang="x-none" dirty="0"/>
+          </a:p>
+        </p:txBody>
+      </p:sp>
+      <p:sp>
+        <p:nvSpPr>
+          <p:cNvPr id="3" name="Textplatzhalter 2">
+            <a:extLst>
+              <a:ext uri="{FF2B5EF4-FFF2-40B4-BE49-F238E27FC236}">
+                <a16:creationId xmlns:a16="http://schemas.microsoft.com/office/drawing/2014/main" xmlns="" id="{6F4B7BA7-D612-48BB-9C2C-B51B3C8CA73D}"/>
+              </a:ext>
+            </a:extLst>
+          </p:cNvPr>
+          <p:cNvSpPr>
+            <a:spLocks noGrp="1"/>
+          </p:cNvSpPr>
+          <p:nvPr>
+            <p:ph type="body" sz="quarter" idx="13"/>
+          </p:nvPr>
+        </p:nvSpPr>
+        <p:spPr/>
+        <p:txBody>
+          <a:bodyPr/>
+          <a:lstStyle/>
+          <a:p>
+            <a:endParaRPr lang="x-none"/>
           </a:p>
         </p:txBody>
       </p:sp>
@@ -20889,7 +22676,206 @@
           <p:cNvPr id="4" name="Inhaltsplatzhalter 3">
             <a:extLst>
               <a:ext uri="{FF2B5EF4-FFF2-40B4-BE49-F238E27FC236}">
-                <a16:creationId xmlns:a16="http://schemas.microsoft.com/office/drawing/2014/main" id="{79528155-6BC9-4438-B259-B5EA0AB3ED79}"/>
+                <a16:creationId xmlns:a16="http://schemas.microsoft.com/office/drawing/2014/main" xmlns="" id="{0FB4ADFE-F84A-46FC-B223-0BC252181E94}"/>
+              </a:ext>
+            </a:extLst>
+          </p:cNvPr>
+          <p:cNvSpPr>
+            <a:spLocks noGrp="1"/>
+          </p:cNvSpPr>
+          <p:nvPr>
+            <p:ph idx="1"/>
+          </p:nvPr>
+        </p:nvSpPr>
+        <p:spPr/>
+        <p:txBody>
+          <a:bodyPr/>
+          <a:lstStyle/>
+          <a:p>
+            <a:endParaRPr lang="x-none"/>
+          </a:p>
+        </p:txBody>
+      </p:sp>
+      <p:sp>
+        <p:nvSpPr>
+          <p:cNvPr id="5" name="Datumsplatzhalter 4">
+            <a:extLst>
+              <a:ext uri="{FF2B5EF4-FFF2-40B4-BE49-F238E27FC236}">
+                <a16:creationId xmlns:a16="http://schemas.microsoft.com/office/drawing/2014/main" xmlns="" id="{0D7DEE63-E85F-472C-A79A-A410131251E7}"/>
+              </a:ext>
+            </a:extLst>
+          </p:cNvPr>
+          <p:cNvSpPr>
+            <a:spLocks noGrp="1"/>
+          </p:cNvSpPr>
+          <p:nvPr>
+            <p:ph type="dt" sz="half" idx="14"/>
+          </p:nvPr>
+        </p:nvSpPr>
+        <p:spPr/>
+        <p:txBody>
+          <a:bodyPr/>
+          <a:lstStyle/>
+          <a:p>
+            <a:r>
+              <a:rPr lang="de-DE"/>
+              <a:t>08/20/2020</a:t>
+            </a:r>
+            <a:endParaRPr lang="en-US" dirty="0"/>
+          </a:p>
+        </p:txBody>
+      </p:sp>
+      <p:sp>
+        <p:nvSpPr>
+          <p:cNvPr id="6" name="Fußzeilenplatzhalter 5">
+            <a:extLst>
+              <a:ext uri="{FF2B5EF4-FFF2-40B4-BE49-F238E27FC236}">
+                <a16:creationId xmlns:a16="http://schemas.microsoft.com/office/drawing/2014/main" xmlns="" id="{E83C0FBE-BFA4-4210-B3E1-D2790C108296}"/>
+              </a:ext>
+            </a:extLst>
+          </p:cNvPr>
+          <p:cNvSpPr>
+            <a:spLocks noGrp="1"/>
+          </p:cNvSpPr>
+          <p:nvPr>
+            <p:ph type="ftr" sz="quarter" idx="15"/>
+          </p:nvPr>
+        </p:nvSpPr>
+        <p:spPr/>
+        <p:txBody>
+          <a:bodyPr/>
+          <a:lstStyle/>
+          <a:p>
+            <a:r>
+              <a:rPr lang="en-US"/>
+              <a:t>University of Stuttgart</a:t>
+            </a:r>
+            <a:endParaRPr lang="en-US" dirty="0"/>
+          </a:p>
+        </p:txBody>
+      </p:sp>
+      <p:sp>
+        <p:nvSpPr>
+          <p:cNvPr id="7" name="Foliennummernplatzhalter 6">
+            <a:extLst>
+              <a:ext uri="{FF2B5EF4-FFF2-40B4-BE49-F238E27FC236}">
+                <a16:creationId xmlns:a16="http://schemas.microsoft.com/office/drawing/2014/main" xmlns="" id="{CB6A2C50-3804-4ABD-89B4-036383811A5D}"/>
+              </a:ext>
+            </a:extLst>
+          </p:cNvPr>
+          <p:cNvSpPr>
+            <a:spLocks noGrp="1"/>
+          </p:cNvSpPr>
+          <p:nvPr>
+            <p:ph type="sldNum" sz="quarter" idx="16"/>
+          </p:nvPr>
+        </p:nvSpPr>
+        <p:spPr/>
+        <p:txBody>
+          <a:bodyPr/>
+          <a:lstStyle/>
+          <a:p>
+            <a:fld id="{9E82CC3C-1DC0-4FDA-9590-6CC506AB67F8}" type="slidenum">
+              <a:rPr lang="en-US" smtClean="0"/>
+              <a:pPr/>
+              <a:t>4</a:t>
+            </a:fld>
+            <a:endParaRPr lang="en-US" dirty="0"/>
+          </a:p>
+        </p:txBody>
+      </p:sp>
+    </p:spTree>
+    <p:extLst>
+      <p:ext uri="{BB962C8B-B14F-4D97-AF65-F5344CB8AC3E}">
+        <p14:creationId xmlns:p14="http://schemas.microsoft.com/office/powerpoint/2010/main" val="2108502833"/>
+      </p:ext>
+    </p:extLst>
+  </p:cSld>
+  <p:clrMapOvr>
+    <a:masterClrMapping/>
+  </p:clrMapOvr>
+  <p:timing>
+    <p:tnLst>
+      <p:par>
+        <p:cTn id="1" dur="indefinite" restart="never" nodeType="tmRoot"/>
+      </p:par>
+    </p:tnLst>
+  </p:timing>
+</p:sld>
+</file>
+
+<file path=ppt/slides/slide5.xml><?xml version="1.0" encoding="utf-8"?>
+<p:sld xmlns:a="http://schemas.openxmlformats.org/drawingml/2006/main" xmlns:r="http://schemas.openxmlformats.org/officeDocument/2006/relationships" xmlns:p="http://schemas.openxmlformats.org/presentationml/2006/main">
+  <p:cSld>
+    <p:spTree>
+      <p:nvGrpSpPr>
+        <p:cNvPr id="1" name=""/>
+        <p:cNvGrpSpPr/>
+        <p:nvPr/>
+      </p:nvGrpSpPr>
+      <p:grpSpPr>
+        <a:xfrm>
+          <a:off x="0" y="0"/>
+          <a:ext cx="0" cy="0"/>
+          <a:chOff x="0" y="0"/>
+          <a:chExt cx="0" cy="0"/>
+        </a:xfrm>
+      </p:grpSpPr>
+      <p:sp>
+        <p:nvSpPr>
+          <p:cNvPr id="2" name="Titel 1">
+            <a:extLst>
+              <a:ext uri="{FF2B5EF4-FFF2-40B4-BE49-F238E27FC236}">
+                <a16:creationId xmlns:a16="http://schemas.microsoft.com/office/drawing/2014/main" xmlns="" id="{C4480884-94A8-4A68-A60F-7FECFE1D99A7}"/>
+              </a:ext>
+            </a:extLst>
+          </p:cNvPr>
+          <p:cNvSpPr>
+            <a:spLocks noGrp="1"/>
+          </p:cNvSpPr>
+          <p:nvPr>
+            <p:ph type="title"/>
+          </p:nvPr>
+        </p:nvSpPr>
+        <p:spPr/>
+        <p:txBody>
+          <a:bodyPr/>
+          <a:lstStyle/>
+          <a:p>
+            <a:r>
+              <a:rPr lang="de-DE" dirty="0"/>
+              <a:t>Goal </a:t>
+            </a:r>
+            <a:r>
+              <a:rPr lang="de-DE" dirty="0" err="1"/>
+              <a:t>of</a:t>
+            </a:r>
+            <a:r>
+              <a:rPr lang="de-DE" dirty="0"/>
+              <a:t> </a:t>
+            </a:r>
+            <a:r>
+              <a:rPr lang="de-DE" dirty="0" err="1"/>
+              <a:t>the</a:t>
+            </a:r>
+            <a:r>
+              <a:rPr lang="de-DE" dirty="0"/>
+              <a:t> </a:t>
+            </a:r>
+            <a:r>
+              <a:rPr lang="de-DE" dirty="0" err="1"/>
+              <a:t>program</a:t>
+            </a:r>
+            <a:endParaRPr lang="x-none" dirty="0"/>
+          </a:p>
+        </p:txBody>
+      </p:sp>
+      <p:sp>
+        <p:nvSpPr>
+          <p:cNvPr id="4" name="Inhaltsplatzhalter 3">
+            <a:extLst>
+              <a:ext uri="{FF2B5EF4-FFF2-40B4-BE49-F238E27FC236}">
+                <a16:creationId xmlns:a16="http://schemas.microsoft.com/office/drawing/2014/main" xmlns="" id="{79528155-6BC9-4438-B259-B5EA0AB3ED79}"/>
               </a:ext>
             </a:extLst>
           </p:cNvPr>
@@ -21375,7 +23361,7 @@
           <p:cNvPr id="5" name="Datumsplatzhalter 4">
             <a:extLst>
               <a:ext uri="{FF2B5EF4-FFF2-40B4-BE49-F238E27FC236}">
-                <a16:creationId xmlns:a16="http://schemas.microsoft.com/office/drawing/2014/main" id="{483B2D4A-FC88-48C7-BC69-F35F8CAD31F1}"/>
+                <a16:creationId xmlns:a16="http://schemas.microsoft.com/office/drawing/2014/main" xmlns="" id="{483B2D4A-FC88-48C7-BC69-F35F8CAD31F1}"/>
               </a:ext>
             </a:extLst>
           </p:cNvPr>
@@ -21404,7 +23390,7 @@
           <p:cNvPr id="6" name="Fußzeilenplatzhalter 5">
             <a:extLst>
               <a:ext uri="{FF2B5EF4-FFF2-40B4-BE49-F238E27FC236}">
-                <a16:creationId xmlns:a16="http://schemas.microsoft.com/office/drawing/2014/main" id="{48A66440-368A-4039-985D-2DF5DB97B08B}"/>
+                <a16:creationId xmlns:a16="http://schemas.microsoft.com/office/drawing/2014/main" xmlns="" id="{48A66440-368A-4039-985D-2DF5DB97B08B}"/>
               </a:ext>
             </a:extLst>
           </p:cNvPr>
@@ -21433,7 +23419,7 @@
           <p:cNvPr id="7" name="Foliennummernplatzhalter 6">
             <a:extLst>
               <a:ext uri="{FF2B5EF4-FFF2-40B4-BE49-F238E27FC236}">
-                <a16:creationId xmlns:a16="http://schemas.microsoft.com/office/drawing/2014/main" id="{E4EA6C2D-EE40-42B9-B214-992DCA33DA6A}"/>
+                <a16:creationId xmlns:a16="http://schemas.microsoft.com/office/drawing/2014/main" xmlns="" id="{E4EA6C2D-EE40-42B9-B214-992DCA33DA6A}"/>
               </a:ext>
             </a:extLst>
           </p:cNvPr>
@@ -21452,7 +23438,7 @@
             <a:fld id="{9E82CC3C-1DC0-4FDA-9590-6CC506AB67F8}" type="slidenum">
               <a:rPr lang="en-US" smtClean="0"/>
               <a:pPr/>
-              <a:t>4</a:t>
+              <a:t>5</a:t>
             </a:fld>
             <a:endParaRPr lang="en-US" dirty="0"/>
           </a:p>
@@ -21463,7 +23449,7 @@
           <p:cNvPr id="3" name="Pfeil: nach rechts 2">
             <a:extLst>
               <a:ext uri="{FF2B5EF4-FFF2-40B4-BE49-F238E27FC236}">
-                <a16:creationId xmlns:a16="http://schemas.microsoft.com/office/drawing/2014/main" id="{F980D5F1-48F8-4E0D-AE37-C4D107D3A27D}"/>
+                <a16:creationId xmlns:a16="http://schemas.microsoft.com/office/drawing/2014/main" xmlns="" id="{F980D5F1-48F8-4E0D-AE37-C4D107D3A27D}"/>
               </a:ext>
             </a:extLst>
           </p:cNvPr>
@@ -21503,7 +23489,7 @@
           <a:lstStyle/>
           <a:p>
             <a:pPr algn="ctr"/>
-            <a:endParaRPr lang="en-DE" sz="1600" dirty="0"/>
+            <a:endParaRPr lang="x-none" sz="1600" dirty="0"/>
           </a:p>
         </p:txBody>
       </p:sp>
@@ -21517,184 +23503,13 @@
   <p:clrMapOvr>
     <a:masterClrMapping/>
   </p:clrMapOvr>
-</p:sld>
-</file>
-
-<file path=ppt/slides/slide5.xml><?xml version="1.0" encoding="utf-8"?>
-<p:sld xmlns:a="http://schemas.openxmlformats.org/drawingml/2006/main" xmlns:r="http://schemas.openxmlformats.org/officeDocument/2006/relationships" xmlns:p="http://schemas.openxmlformats.org/presentationml/2006/main">
-  <p:cSld>
-    <p:spTree>
-      <p:nvGrpSpPr>
-        <p:cNvPr id="1" name=""/>
-        <p:cNvGrpSpPr/>
-        <p:nvPr/>
-      </p:nvGrpSpPr>
-      <p:grpSpPr>
-        <a:xfrm>
-          <a:off x="0" y="0"/>
-          <a:ext cx="0" cy="0"/>
-          <a:chOff x="0" y="0"/>
-          <a:chExt cx="0" cy="0"/>
-        </a:xfrm>
-      </p:grpSpPr>
-      <p:sp>
-        <p:nvSpPr>
-          <p:cNvPr id="2" name="Titel 1">
-            <a:extLst>
-              <a:ext uri="{FF2B5EF4-FFF2-40B4-BE49-F238E27FC236}">
-                <a16:creationId xmlns:a16="http://schemas.microsoft.com/office/drawing/2014/main" id="{A1774765-755A-474F-9543-BA45693394FC}"/>
-              </a:ext>
-            </a:extLst>
-          </p:cNvPr>
-          <p:cNvSpPr>
-            <a:spLocks noGrp="1"/>
-          </p:cNvSpPr>
-          <p:nvPr>
-            <p:ph type="title"/>
-          </p:nvPr>
-        </p:nvSpPr>
-        <p:spPr/>
-        <p:txBody>
-          <a:bodyPr/>
-          <a:lstStyle/>
-          <a:p>
-            <a:r>
-              <a:rPr lang="de-DE" dirty="0"/>
-              <a:t>Timeline</a:t>
-            </a:r>
-            <a:endParaRPr lang="en-DE" dirty="0"/>
-          </a:p>
-        </p:txBody>
-      </p:sp>
-      <p:graphicFrame>
-        <p:nvGraphicFramePr>
-          <p:cNvPr id="8" name="Inhaltsplatzhalter 7">
-            <a:extLst>
-              <a:ext uri="{FF2B5EF4-FFF2-40B4-BE49-F238E27FC236}">
-                <a16:creationId xmlns:a16="http://schemas.microsoft.com/office/drawing/2014/main" id="{BCE2FE15-3F68-40D4-B0CA-FEBB0416FDE2}"/>
-              </a:ext>
-            </a:extLst>
-          </p:cNvPr>
-          <p:cNvGraphicFramePr>
-            <a:graphicFrameLocks noGrp="1"/>
-          </p:cNvGraphicFramePr>
-          <p:nvPr>
-            <p:ph idx="1"/>
-            <p:extLst>
-              <p:ext uri="{D42A27DB-BD31-4B8C-83A1-F6EECF244321}">
-                <p14:modId xmlns:p14="http://schemas.microsoft.com/office/powerpoint/2010/main" val="3830768111"/>
-              </p:ext>
-            </p:extLst>
-          </p:nvPr>
-        </p:nvGraphicFramePr>
-        <p:xfrm>
-          <a:off x="468313" y="723331"/>
-          <a:ext cx="8243887" cy="3991544"/>
-        </p:xfrm>
-        <a:graphic>
-          <a:graphicData uri="http://schemas.openxmlformats.org/drawingml/2006/diagram">
-            <dgm:relIds xmlns:dgm="http://schemas.openxmlformats.org/drawingml/2006/diagram" xmlns:r="http://schemas.openxmlformats.org/officeDocument/2006/relationships" r:dm="rId3" r:lo="rId4" r:qs="rId5" r:cs="rId6"/>
-          </a:graphicData>
-        </a:graphic>
-      </p:graphicFrame>
-      <p:sp>
-        <p:nvSpPr>
-          <p:cNvPr id="5" name="Datumsplatzhalter 4">
-            <a:extLst>
-              <a:ext uri="{FF2B5EF4-FFF2-40B4-BE49-F238E27FC236}">
-                <a16:creationId xmlns:a16="http://schemas.microsoft.com/office/drawing/2014/main" id="{42DDF672-DADF-4065-8799-92B20688DCA8}"/>
-              </a:ext>
-            </a:extLst>
-          </p:cNvPr>
-          <p:cNvSpPr>
-            <a:spLocks noGrp="1"/>
-          </p:cNvSpPr>
-          <p:nvPr>
-            <p:ph type="dt" sz="half" idx="14"/>
-          </p:nvPr>
-        </p:nvSpPr>
-        <p:spPr/>
-        <p:txBody>
-          <a:bodyPr/>
-          <a:lstStyle/>
-          <a:p>
-            <a:r>
-              <a:rPr lang="de-DE"/>
-              <a:t>08/20/2020</a:t>
-            </a:r>
-            <a:endParaRPr lang="en-US" dirty="0"/>
-          </a:p>
-        </p:txBody>
-      </p:sp>
-      <p:sp>
-        <p:nvSpPr>
-          <p:cNvPr id="6" name="Fußzeilenplatzhalter 5">
-            <a:extLst>
-              <a:ext uri="{FF2B5EF4-FFF2-40B4-BE49-F238E27FC236}">
-                <a16:creationId xmlns:a16="http://schemas.microsoft.com/office/drawing/2014/main" id="{59DD5B0B-4AF0-40C0-9528-4A9773BB6B61}"/>
-              </a:ext>
-            </a:extLst>
-          </p:cNvPr>
-          <p:cNvSpPr>
-            <a:spLocks noGrp="1"/>
-          </p:cNvSpPr>
-          <p:nvPr>
-            <p:ph type="ftr" sz="quarter" idx="15"/>
-          </p:nvPr>
-        </p:nvSpPr>
-        <p:spPr/>
-        <p:txBody>
-          <a:bodyPr/>
-          <a:lstStyle/>
-          <a:p>
-            <a:r>
-              <a:rPr lang="en-US"/>
-              <a:t>University of Stuttgart</a:t>
-            </a:r>
-            <a:endParaRPr lang="en-US" dirty="0"/>
-          </a:p>
-        </p:txBody>
-      </p:sp>
-      <p:sp>
-        <p:nvSpPr>
-          <p:cNvPr id="7" name="Foliennummernplatzhalter 6">
-            <a:extLst>
-              <a:ext uri="{FF2B5EF4-FFF2-40B4-BE49-F238E27FC236}">
-                <a16:creationId xmlns:a16="http://schemas.microsoft.com/office/drawing/2014/main" id="{F727AEF0-24F6-46BD-A767-80DAE4268904}"/>
-              </a:ext>
-            </a:extLst>
-          </p:cNvPr>
-          <p:cNvSpPr>
-            <a:spLocks noGrp="1"/>
-          </p:cNvSpPr>
-          <p:nvPr>
-            <p:ph type="sldNum" sz="quarter" idx="16"/>
-          </p:nvPr>
-        </p:nvSpPr>
-        <p:spPr/>
-        <p:txBody>
-          <a:bodyPr/>
-          <a:lstStyle/>
-          <a:p>
-            <a:fld id="{9E82CC3C-1DC0-4FDA-9590-6CC506AB67F8}" type="slidenum">
-              <a:rPr lang="en-US" smtClean="0"/>
-              <a:pPr/>
-              <a:t>5</a:t>
-            </a:fld>
-            <a:endParaRPr lang="en-US" dirty="0"/>
-          </a:p>
-        </p:txBody>
-      </p:sp>
-    </p:spTree>
-    <p:extLst>
-      <p:ext uri="{BB962C8B-B14F-4D97-AF65-F5344CB8AC3E}">
-        <p14:creationId xmlns:p14="http://schemas.microsoft.com/office/powerpoint/2010/main" val="1510630939"/>
-      </p:ext>
-    </p:extLst>
-  </p:cSld>
-  <p:clrMapOvr>
-    <a:masterClrMapping/>
-  </p:clrMapOvr>
+  <p:timing>
+    <p:tnLst>
+      <p:par>
+        <p:cTn id="1" dur="indefinite" restart="never" nodeType="tmRoot"/>
+      </p:par>
+    </p:tnLst>
+  </p:timing>
 </p:sld>
 </file>
 
@@ -21720,7 +23535,7 @@
           <p:cNvPr id="2" name="Titel 1">
             <a:extLst>
               <a:ext uri="{FF2B5EF4-FFF2-40B4-BE49-F238E27FC236}">
-                <a16:creationId xmlns:a16="http://schemas.microsoft.com/office/drawing/2014/main" id="{CAA406E3-4254-49D6-B572-9AC7F61B0BB9}"/>
+                <a16:creationId xmlns:a16="http://schemas.microsoft.com/office/drawing/2014/main" xmlns="" id="{A1774765-755A-474F-9543-BA45693394FC}"/>
               </a:ext>
             </a:extLst>
           </p:cNvPr>
@@ -21737,86 +23552,50 @@
           <a:lstStyle/>
           <a:p>
             <a:r>
-              <a:rPr lang="de-DE" dirty="0" err="1"/>
-              <a:t>Resource</a:t>
-            </a:r>
-            <a:r>
-              <a:rPr lang="de-DE" dirty="0"/>
-              <a:t> </a:t>
-            </a:r>
-            <a:r>
-              <a:rPr lang="de-DE" dirty="0" err="1"/>
-              <a:t>allocation</a:t>
-            </a:r>
-            <a:endParaRPr lang="en-DE" dirty="0"/>
-          </a:p>
-        </p:txBody>
-      </p:sp>
-      <p:sp>
-        <p:nvSpPr>
-          <p:cNvPr id="4" name="Inhaltsplatzhalter 3">
+              <a:rPr lang="de-DE" dirty="0"/>
+              <a:t>Timeline</a:t>
+            </a:r>
+            <a:endParaRPr lang="x-none" dirty="0"/>
+          </a:p>
+        </p:txBody>
+      </p:sp>
+      <p:graphicFrame>
+        <p:nvGraphicFramePr>
+          <p:cNvPr id="8" name="Inhaltsplatzhalter 7">
             <a:extLst>
               <a:ext uri="{FF2B5EF4-FFF2-40B4-BE49-F238E27FC236}">
-                <a16:creationId xmlns:a16="http://schemas.microsoft.com/office/drawing/2014/main" id="{62617BAC-D774-4DF2-B035-6B681FC7DE34}"/>
+                <a16:creationId xmlns:a16="http://schemas.microsoft.com/office/drawing/2014/main" xmlns="" id="{BCE2FE15-3F68-40D4-B0CA-FEBB0416FDE2}"/>
               </a:ext>
             </a:extLst>
           </p:cNvPr>
-          <p:cNvSpPr>
-            <a:spLocks noGrp="1"/>
-          </p:cNvSpPr>
+          <p:cNvGraphicFramePr>
+            <a:graphicFrameLocks noGrp="1"/>
+          </p:cNvGraphicFramePr>
           <p:nvPr>
             <p:ph idx="1"/>
-          </p:nvPr>
-        </p:nvSpPr>
-        <p:spPr>
-          <a:xfrm>
-            <a:off x="468316" y="1008000"/>
-            <a:ext cx="2625177" cy="3706384"/>
-          </a:xfrm>
-        </p:spPr>
-        <p:txBody>
-          <a:bodyPr/>
-          <a:lstStyle/>
-          <a:p>
-            <a:pPr marL="0" indent="0">
-              <a:buNone/>
-            </a:pPr>
-            <a:r>
-              <a:rPr lang="de-DE" b="1" dirty="0"/>
-              <a:t>Kilian:</a:t>
-            </a:r>
-          </a:p>
-          <a:p>
-            <a:r>
-              <a:rPr lang="de-DE" dirty="0"/>
-              <a:t>Class Data Management</a:t>
-            </a:r>
-          </a:p>
-          <a:p>
-            <a:r>
-              <a:rPr lang="de-DE" dirty="0"/>
-              <a:t>Main </a:t>
-            </a:r>
-            <a:r>
-              <a:rPr lang="de-DE" dirty="0" err="1"/>
-              <a:t>Script</a:t>
-            </a:r>
-            <a:endParaRPr lang="de-DE" dirty="0"/>
-          </a:p>
-          <a:p>
-            <a:pPr marL="0" indent="0">
-              <a:buNone/>
-            </a:pPr>
-            <a:endParaRPr lang="en-DE" dirty="0"/>
-          </a:p>
-        </p:txBody>
-      </p:sp>
+            <p:extLst>
+              <p:ext uri="{D42A27DB-BD31-4B8C-83A1-F6EECF244321}">
+                <p14:modId xmlns:p14="http://schemas.microsoft.com/office/powerpoint/2010/main" val="3830768111"/>
+              </p:ext>
+            </p:extLst>
+          </p:nvPr>
+        </p:nvGraphicFramePr>
+        <p:xfrm>
+          <a:off x="468313" y="723331"/>
+          <a:ext cx="8243887" cy="3991544"/>
+        </p:xfrm>
+        <a:graphic>
+          <a:graphicData uri="http://schemas.openxmlformats.org/drawingml/2006/diagram">
+            <dgm:relIds xmlns:dgm="http://schemas.openxmlformats.org/drawingml/2006/diagram" xmlns:r="http://schemas.openxmlformats.org/officeDocument/2006/relationships" r:dm="rId3" r:lo="rId4" r:qs="rId5" r:cs="rId6"/>
+          </a:graphicData>
+        </a:graphic>
+      </p:graphicFrame>
       <p:sp>
         <p:nvSpPr>
           <p:cNvPr id="5" name="Datumsplatzhalter 4">
             <a:extLst>
               <a:ext uri="{FF2B5EF4-FFF2-40B4-BE49-F238E27FC236}">
-                <a16:creationId xmlns:a16="http://schemas.microsoft.com/office/drawing/2014/main" id="{A4679B42-B6F4-4FF5-9930-68259B3BF1EC}"/>
+                <a16:creationId xmlns:a16="http://schemas.microsoft.com/office/drawing/2014/main" xmlns="" id="{42DDF672-DADF-4065-8799-92B20688DCA8}"/>
               </a:ext>
             </a:extLst>
           </p:cNvPr>
@@ -21845,7 +23624,7 @@
           <p:cNvPr id="6" name="Fußzeilenplatzhalter 5">
             <a:extLst>
               <a:ext uri="{FF2B5EF4-FFF2-40B4-BE49-F238E27FC236}">
-                <a16:creationId xmlns:a16="http://schemas.microsoft.com/office/drawing/2014/main" id="{F6D5420F-CE11-41B3-B13F-326B04E909FA}"/>
+                <a16:creationId xmlns:a16="http://schemas.microsoft.com/office/drawing/2014/main" xmlns="" id="{59DD5B0B-4AF0-40C0-9528-4A9773BB6B61}"/>
               </a:ext>
             </a:extLst>
           </p:cNvPr>
@@ -21874,7 +23653,7 @@
           <p:cNvPr id="7" name="Foliennummernplatzhalter 6">
             <a:extLst>
               <a:ext uri="{FF2B5EF4-FFF2-40B4-BE49-F238E27FC236}">
-                <a16:creationId xmlns:a16="http://schemas.microsoft.com/office/drawing/2014/main" id="{1A53D3BF-AC2F-43B8-96F6-4EADB6010A98}"/>
+                <a16:creationId xmlns:a16="http://schemas.microsoft.com/office/drawing/2014/main" xmlns="" id="{F727AEF0-24F6-46BD-A767-80DAE4268904}"/>
               </a:ext>
             </a:extLst>
           </p:cNvPr>
@@ -21899,515 +23678,23 @@
           </a:p>
         </p:txBody>
       </p:sp>
-      <p:sp>
-        <p:nvSpPr>
-          <p:cNvPr id="8" name="Inhaltsplatzhalter 3">
-            <a:extLst>
-              <a:ext uri="{FF2B5EF4-FFF2-40B4-BE49-F238E27FC236}">
-                <a16:creationId xmlns:a16="http://schemas.microsoft.com/office/drawing/2014/main" id="{96C4C4AC-665E-4ABE-BC06-C9BF41B96D76}"/>
-              </a:ext>
-            </a:extLst>
-          </p:cNvPr>
-          <p:cNvSpPr txBox="1">
-            <a:spLocks/>
-          </p:cNvSpPr>
-          <p:nvPr/>
-        </p:nvSpPr>
-        <p:spPr>
-          <a:xfrm>
-            <a:off x="3191044" y="1008000"/>
-            <a:ext cx="2625177" cy="3706384"/>
-          </a:xfrm>
-          <a:prstGeom prst="rect">
-            <a:avLst/>
-          </a:prstGeom>
-        </p:spPr>
-        <p:txBody>
-          <a:bodyPr vert="horz" lIns="0" tIns="0" rIns="0" bIns="0" rtlCol="0">
-            <a:noAutofit/>
-          </a:bodyPr>
-          <a:lstStyle>
-            <a:lvl1pPr marL="171448" indent="-171448" algn="l" defTabSz="685793" rtl="0" eaLnBrk="1" latinLnBrk="0" hangingPunct="1">
-              <a:lnSpc>
-                <a:spcPct val="120000"/>
-              </a:lnSpc>
-              <a:spcBef>
-                <a:spcPts val="750"/>
-              </a:spcBef>
-              <a:buClr>
-                <a:schemeClr val="accent1"/>
-              </a:buClr>
-              <a:buFont typeface="Arial" panose="020B0604020202020204" pitchFamily="34" charset="0"/>
-              <a:buChar char="•"/>
-              <a:defRPr sz="1600" kern="1200">
-                <a:solidFill>
-                  <a:schemeClr val="tx1"/>
-                </a:solidFill>
-                <a:latin typeface="+mn-lt"/>
-                <a:ea typeface="+mn-ea"/>
-                <a:cs typeface="+mn-cs"/>
-              </a:defRPr>
-            </a:lvl1pPr>
-            <a:lvl2pPr marL="360360" indent="-184148" algn="l" defTabSz="685793" rtl="0" eaLnBrk="1" latinLnBrk="0" hangingPunct="1">
-              <a:lnSpc>
-                <a:spcPct val="120000"/>
-              </a:lnSpc>
-              <a:spcBef>
-                <a:spcPts val="376"/>
-              </a:spcBef>
-              <a:buClr>
-                <a:schemeClr val="tx1"/>
-              </a:buClr>
-              <a:buFont typeface="Arial" panose="020B0604020202020204" pitchFamily="34" charset="0"/>
-              <a:buChar char="•"/>
-              <a:defRPr sz="1600" kern="1200">
-                <a:solidFill>
-                  <a:schemeClr val="tx1"/>
-                </a:solidFill>
-                <a:latin typeface="+mn-lt"/>
-                <a:ea typeface="+mn-ea"/>
-                <a:cs typeface="+mn-cs"/>
-              </a:defRPr>
-            </a:lvl2pPr>
-            <a:lvl3pPr marL="536570" indent="-176212" algn="l" defTabSz="685793" rtl="0" eaLnBrk="1" latinLnBrk="0" hangingPunct="1">
-              <a:lnSpc>
-                <a:spcPct val="120000"/>
-              </a:lnSpc>
-              <a:spcBef>
-                <a:spcPts val="376"/>
-              </a:spcBef>
-              <a:buClr>
-                <a:schemeClr val="tx1"/>
-              </a:buClr>
-              <a:buFont typeface="Arial" panose="020B0604020202020204" pitchFamily="34" charset="0"/>
-              <a:buChar char="•"/>
-              <a:defRPr sz="1400" kern="1200">
-                <a:solidFill>
-                  <a:schemeClr val="tx1"/>
-                </a:solidFill>
-                <a:latin typeface="+mn-lt"/>
-                <a:ea typeface="+mn-ea"/>
-                <a:cs typeface="+mn-cs"/>
-              </a:defRPr>
-            </a:lvl3pPr>
-            <a:lvl4pPr marL="720718" indent="-184148" algn="l" defTabSz="685793" rtl="0" eaLnBrk="1" latinLnBrk="0" hangingPunct="1">
-              <a:lnSpc>
-                <a:spcPct val="120000"/>
-              </a:lnSpc>
-              <a:spcBef>
-                <a:spcPts val="376"/>
-              </a:spcBef>
-              <a:buClr>
-                <a:schemeClr val="tx1"/>
-              </a:buClr>
-              <a:buFont typeface="Arial" panose="020B0604020202020204" pitchFamily="34" charset="0"/>
-              <a:buChar char="•"/>
-              <a:defRPr sz="1400" kern="1200">
-                <a:solidFill>
-                  <a:schemeClr val="tx1"/>
-                </a:solidFill>
-                <a:latin typeface="+mn-lt"/>
-                <a:ea typeface="+mn-ea"/>
-                <a:cs typeface="+mn-cs"/>
-              </a:defRPr>
-            </a:lvl4pPr>
-            <a:lvl5pPr marL="896929" indent="-176212" algn="l" defTabSz="685793" rtl="0" eaLnBrk="1" latinLnBrk="0" hangingPunct="1">
-              <a:lnSpc>
-                <a:spcPct val="120000"/>
-              </a:lnSpc>
-              <a:spcBef>
-                <a:spcPts val="376"/>
-              </a:spcBef>
-              <a:buClr>
-                <a:schemeClr val="tx1"/>
-              </a:buClr>
-              <a:buFont typeface="Arial" panose="020B0604020202020204" pitchFamily="34" charset="0"/>
-              <a:buChar char="•"/>
-              <a:defRPr sz="1400" kern="1200">
-                <a:solidFill>
-                  <a:schemeClr val="tx1"/>
-                </a:solidFill>
-                <a:latin typeface="+mn-lt"/>
-                <a:ea typeface="+mn-ea"/>
-                <a:cs typeface="+mn-cs"/>
-              </a:defRPr>
-            </a:lvl5pPr>
-            <a:lvl6pPr marL="1885931" indent="-171448" algn="l" defTabSz="685793" rtl="0" eaLnBrk="1" latinLnBrk="0" hangingPunct="1">
-              <a:lnSpc>
-                <a:spcPct val="90000"/>
-              </a:lnSpc>
-              <a:spcBef>
-                <a:spcPts val="376"/>
-              </a:spcBef>
-              <a:buFont typeface="Arial" panose="020B0604020202020204" pitchFamily="34" charset="0"/>
-              <a:buChar char="•"/>
-              <a:defRPr sz="1350" kern="1200">
-                <a:solidFill>
-                  <a:schemeClr val="tx1"/>
-                </a:solidFill>
-                <a:latin typeface="+mn-lt"/>
-                <a:ea typeface="+mn-ea"/>
-                <a:cs typeface="+mn-cs"/>
-              </a:defRPr>
-            </a:lvl6pPr>
-            <a:lvl7pPr marL="2228828" indent="-171448" algn="l" defTabSz="685793" rtl="0" eaLnBrk="1" latinLnBrk="0" hangingPunct="1">
-              <a:lnSpc>
-                <a:spcPct val="90000"/>
-              </a:lnSpc>
-              <a:spcBef>
-                <a:spcPts val="376"/>
-              </a:spcBef>
-              <a:buFont typeface="Arial" panose="020B0604020202020204" pitchFamily="34" charset="0"/>
-              <a:buChar char="•"/>
-              <a:defRPr sz="1350" kern="1200">
-                <a:solidFill>
-                  <a:schemeClr val="tx1"/>
-                </a:solidFill>
-                <a:latin typeface="+mn-lt"/>
-                <a:ea typeface="+mn-ea"/>
-                <a:cs typeface="+mn-cs"/>
-              </a:defRPr>
-            </a:lvl7pPr>
-            <a:lvl8pPr marL="2571724" indent="-171448" algn="l" defTabSz="685793" rtl="0" eaLnBrk="1" latinLnBrk="0" hangingPunct="1">
-              <a:lnSpc>
-                <a:spcPct val="90000"/>
-              </a:lnSpc>
-              <a:spcBef>
-                <a:spcPts val="376"/>
-              </a:spcBef>
-              <a:buFont typeface="Arial" panose="020B0604020202020204" pitchFamily="34" charset="0"/>
-              <a:buChar char="•"/>
-              <a:defRPr sz="1350" kern="1200">
-                <a:solidFill>
-                  <a:schemeClr val="tx1"/>
-                </a:solidFill>
-                <a:latin typeface="+mn-lt"/>
-                <a:ea typeface="+mn-ea"/>
-                <a:cs typeface="+mn-cs"/>
-              </a:defRPr>
-            </a:lvl8pPr>
-            <a:lvl9pPr marL="2914621" indent="-171448" algn="l" defTabSz="685793" rtl="0" eaLnBrk="1" latinLnBrk="0" hangingPunct="1">
-              <a:lnSpc>
-                <a:spcPct val="90000"/>
-              </a:lnSpc>
-              <a:spcBef>
-                <a:spcPts val="376"/>
-              </a:spcBef>
-              <a:buFont typeface="Arial" panose="020B0604020202020204" pitchFamily="34" charset="0"/>
-              <a:buChar char="•"/>
-              <a:defRPr sz="1350" kern="1200">
-                <a:solidFill>
-                  <a:schemeClr val="tx1"/>
-                </a:solidFill>
-                <a:latin typeface="+mn-lt"/>
-                <a:ea typeface="+mn-ea"/>
-                <a:cs typeface="+mn-cs"/>
-              </a:defRPr>
-            </a:lvl9pPr>
-          </a:lstStyle>
-          <a:p>
-            <a:pPr marL="0" indent="0">
-              <a:buFont typeface="Arial" panose="020B0604020202020204" pitchFamily="34" charset="0"/>
-              <a:buNone/>
-            </a:pPr>
-            <a:r>
-              <a:rPr lang="de-DE" b="1" dirty="0"/>
-              <a:t>Theresa:</a:t>
-            </a:r>
-          </a:p>
-          <a:p>
-            <a:r>
-              <a:rPr lang="de-DE" dirty="0"/>
-              <a:t>Class Raster </a:t>
-            </a:r>
-            <a:r>
-              <a:rPr lang="de-DE" dirty="0" err="1"/>
-              <a:t>Calculations</a:t>
-            </a:r>
-            <a:endParaRPr lang="de-DE" dirty="0"/>
-          </a:p>
-          <a:p>
-            <a:r>
-              <a:rPr lang="de-DE" dirty="0"/>
-              <a:t>Class Check </a:t>
-            </a:r>
-            <a:r>
-              <a:rPr lang="de-DE" dirty="0" err="1"/>
-              <a:t>Functions</a:t>
-            </a:r>
-            <a:endParaRPr lang="de-DE" dirty="0"/>
-          </a:p>
-        </p:txBody>
-      </p:sp>
-      <p:sp>
-        <p:nvSpPr>
-          <p:cNvPr id="9" name="Inhaltsplatzhalter 3">
-            <a:extLst>
-              <a:ext uri="{FF2B5EF4-FFF2-40B4-BE49-F238E27FC236}">
-                <a16:creationId xmlns:a16="http://schemas.microsoft.com/office/drawing/2014/main" id="{F032022B-B145-41E7-A667-0732AF36230A}"/>
-              </a:ext>
-            </a:extLst>
-          </p:cNvPr>
-          <p:cNvSpPr txBox="1">
-            <a:spLocks/>
-          </p:cNvSpPr>
-          <p:nvPr/>
-        </p:nvSpPr>
-        <p:spPr>
-          <a:xfrm>
-            <a:off x="6061046" y="1008000"/>
-            <a:ext cx="2477903" cy="3706384"/>
-          </a:xfrm>
-          <a:prstGeom prst="rect">
-            <a:avLst/>
-          </a:prstGeom>
-        </p:spPr>
-        <p:txBody>
-          <a:bodyPr vert="horz" lIns="0" tIns="0" rIns="0" bIns="0" rtlCol="0">
-            <a:noAutofit/>
-          </a:bodyPr>
-          <a:lstStyle>
-            <a:lvl1pPr marL="171448" indent="-171448" algn="l" defTabSz="685793" rtl="0" eaLnBrk="1" latinLnBrk="0" hangingPunct="1">
-              <a:lnSpc>
-                <a:spcPct val="120000"/>
-              </a:lnSpc>
-              <a:spcBef>
-                <a:spcPts val="750"/>
-              </a:spcBef>
-              <a:buClr>
-                <a:schemeClr val="accent1"/>
-              </a:buClr>
-              <a:buFont typeface="Arial" panose="020B0604020202020204" pitchFamily="34" charset="0"/>
-              <a:buChar char="•"/>
-              <a:defRPr sz="1600" kern="1200">
-                <a:solidFill>
-                  <a:schemeClr val="tx1"/>
-                </a:solidFill>
-                <a:latin typeface="+mn-lt"/>
-                <a:ea typeface="+mn-ea"/>
-                <a:cs typeface="+mn-cs"/>
-              </a:defRPr>
-            </a:lvl1pPr>
-            <a:lvl2pPr marL="360360" indent="-184148" algn="l" defTabSz="685793" rtl="0" eaLnBrk="1" latinLnBrk="0" hangingPunct="1">
-              <a:lnSpc>
-                <a:spcPct val="120000"/>
-              </a:lnSpc>
-              <a:spcBef>
-                <a:spcPts val="376"/>
-              </a:spcBef>
-              <a:buClr>
-                <a:schemeClr val="tx1"/>
-              </a:buClr>
-              <a:buFont typeface="Arial" panose="020B0604020202020204" pitchFamily="34" charset="0"/>
-              <a:buChar char="•"/>
-              <a:defRPr sz="1600" kern="1200">
-                <a:solidFill>
-                  <a:schemeClr val="tx1"/>
-                </a:solidFill>
-                <a:latin typeface="+mn-lt"/>
-                <a:ea typeface="+mn-ea"/>
-                <a:cs typeface="+mn-cs"/>
-              </a:defRPr>
-            </a:lvl2pPr>
-            <a:lvl3pPr marL="536570" indent="-176212" algn="l" defTabSz="685793" rtl="0" eaLnBrk="1" latinLnBrk="0" hangingPunct="1">
-              <a:lnSpc>
-                <a:spcPct val="120000"/>
-              </a:lnSpc>
-              <a:spcBef>
-                <a:spcPts val="376"/>
-              </a:spcBef>
-              <a:buClr>
-                <a:schemeClr val="tx1"/>
-              </a:buClr>
-              <a:buFont typeface="Arial" panose="020B0604020202020204" pitchFamily="34" charset="0"/>
-              <a:buChar char="•"/>
-              <a:defRPr sz="1400" kern="1200">
-                <a:solidFill>
-                  <a:schemeClr val="tx1"/>
-                </a:solidFill>
-                <a:latin typeface="+mn-lt"/>
-                <a:ea typeface="+mn-ea"/>
-                <a:cs typeface="+mn-cs"/>
-              </a:defRPr>
-            </a:lvl3pPr>
-            <a:lvl4pPr marL="720718" indent="-184148" algn="l" defTabSz="685793" rtl="0" eaLnBrk="1" latinLnBrk="0" hangingPunct="1">
-              <a:lnSpc>
-                <a:spcPct val="120000"/>
-              </a:lnSpc>
-              <a:spcBef>
-                <a:spcPts val="376"/>
-              </a:spcBef>
-              <a:buClr>
-                <a:schemeClr val="tx1"/>
-              </a:buClr>
-              <a:buFont typeface="Arial" panose="020B0604020202020204" pitchFamily="34" charset="0"/>
-              <a:buChar char="•"/>
-              <a:defRPr sz="1400" kern="1200">
-                <a:solidFill>
-                  <a:schemeClr val="tx1"/>
-                </a:solidFill>
-                <a:latin typeface="+mn-lt"/>
-                <a:ea typeface="+mn-ea"/>
-                <a:cs typeface="+mn-cs"/>
-              </a:defRPr>
-            </a:lvl4pPr>
-            <a:lvl5pPr marL="896929" indent="-176212" algn="l" defTabSz="685793" rtl="0" eaLnBrk="1" latinLnBrk="0" hangingPunct="1">
-              <a:lnSpc>
-                <a:spcPct val="120000"/>
-              </a:lnSpc>
-              <a:spcBef>
-                <a:spcPts val="376"/>
-              </a:spcBef>
-              <a:buClr>
-                <a:schemeClr val="tx1"/>
-              </a:buClr>
-              <a:buFont typeface="Arial" panose="020B0604020202020204" pitchFamily="34" charset="0"/>
-              <a:buChar char="•"/>
-              <a:defRPr sz="1400" kern="1200">
-                <a:solidFill>
-                  <a:schemeClr val="tx1"/>
-                </a:solidFill>
-                <a:latin typeface="+mn-lt"/>
-                <a:ea typeface="+mn-ea"/>
-                <a:cs typeface="+mn-cs"/>
-              </a:defRPr>
-            </a:lvl5pPr>
-            <a:lvl6pPr marL="1885931" indent="-171448" algn="l" defTabSz="685793" rtl="0" eaLnBrk="1" latinLnBrk="0" hangingPunct="1">
-              <a:lnSpc>
-                <a:spcPct val="90000"/>
-              </a:lnSpc>
-              <a:spcBef>
-                <a:spcPts val="376"/>
-              </a:spcBef>
-              <a:buFont typeface="Arial" panose="020B0604020202020204" pitchFamily="34" charset="0"/>
-              <a:buChar char="•"/>
-              <a:defRPr sz="1350" kern="1200">
-                <a:solidFill>
-                  <a:schemeClr val="tx1"/>
-                </a:solidFill>
-                <a:latin typeface="+mn-lt"/>
-                <a:ea typeface="+mn-ea"/>
-                <a:cs typeface="+mn-cs"/>
-              </a:defRPr>
-            </a:lvl6pPr>
-            <a:lvl7pPr marL="2228828" indent="-171448" algn="l" defTabSz="685793" rtl="0" eaLnBrk="1" latinLnBrk="0" hangingPunct="1">
-              <a:lnSpc>
-                <a:spcPct val="90000"/>
-              </a:lnSpc>
-              <a:spcBef>
-                <a:spcPts val="376"/>
-              </a:spcBef>
-              <a:buFont typeface="Arial" panose="020B0604020202020204" pitchFamily="34" charset="0"/>
-              <a:buChar char="•"/>
-              <a:defRPr sz="1350" kern="1200">
-                <a:solidFill>
-                  <a:schemeClr val="tx1"/>
-                </a:solidFill>
-                <a:latin typeface="+mn-lt"/>
-                <a:ea typeface="+mn-ea"/>
-                <a:cs typeface="+mn-cs"/>
-              </a:defRPr>
-            </a:lvl7pPr>
-            <a:lvl8pPr marL="2571724" indent="-171448" algn="l" defTabSz="685793" rtl="0" eaLnBrk="1" latinLnBrk="0" hangingPunct="1">
-              <a:lnSpc>
-                <a:spcPct val="90000"/>
-              </a:lnSpc>
-              <a:spcBef>
-                <a:spcPts val="376"/>
-              </a:spcBef>
-              <a:buFont typeface="Arial" panose="020B0604020202020204" pitchFamily="34" charset="0"/>
-              <a:buChar char="•"/>
-              <a:defRPr sz="1350" kern="1200">
-                <a:solidFill>
-                  <a:schemeClr val="tx1"/>
-                </a:solidFill>
-                <a:latin typeface="+mn-lt"/>
-                <a:ea typeface="+mn-ea"/>
-                <a:cs typeface="+mn-cs"/>
-              </a:defRPr>
-            </a:lvl8pPr>
-            <a:lvl9pPr marL="2914621" indent="-171448" algn="l" defTabSz="685793" rtl="0" eaLnBrk="1" latinLnBrk="0" hangingPunct="1">
-              <a:lnSpc>
-                <a:spcPct val="90000"/>
-              </a:lnSpc>
-              <a:spcBef>
-                <a:spcPts val="376"/>
-              </a:spcBef>
-              <a:buFont typeface="Arial" panose="020B0604020202020204" pitchFamily="34" charset="0"/>
-              <a:buChar char="•"/>
-              <a:defRPr sz="1350" kern="1200">
-                <a:solidFill>
-                  <a:schemeClr val="tx1"/>
-                </a:solidFill>
-                <a:latin typeface="+mn-lt"/>
-                <a:ea typeface="+mn-ea"/>
-                <a:cs typeface="+mn-cs"/>
-              </a:defRPr>
-            </a:lvl9pPr>
-          </a:lstStyle>
-          <a:p>
-            <a:pPr marL="0" indent="0">
-              <a:buFont typeface="Arial" panose="020B0604020202020204" pitchFamily="34" charset="0"/>
-              <a:buNone/>
-            </a:pPr>
-            <a:r>
-              <a:rPr lang="de-DE" b="1" dirty="0" err="1"/>
-              <a:t>Together</a:t>
-            </a:r>
-            <a:r>
-              <a:rPr lang="de-DE" b="1" dirty="0"/>
-              <a:t>:</a:t>
-            </a:r>
-          </a:p>
-          <a:p>
-            <a:r>
-              <a:rPr lang="de-DE" dirty="0"/>
-              <a:t>Design code</a:t>
-            </a:r>
-          </a:p>
-          <a:p>
-            <a:r>
-              <a:rPr lang="de-DE" dirty="0"/>
-              <a:t>Readme	</a:t>
-            </a:r>
-          </a:p>
-          <a:p>
-            <a:r>
-              <a:rPr lang="de-DE" dirty="0" err="1"/>
-              <a:t>Presentation</a:t>
-            </a:r>
-            <a:endParaRPr lang="de-DE" dirty="0"/>
-          </a:p>
-          <a:p>
-            <a:r>
-              <a:rPr lang="de-DE" dirty="0"/>
-              <a:t>Check &amp; </a:t>
-            </a:r>
-            <a:r>
-              <a:rPr lang="de-DE" dirty="0" err="1"/>
-              <a:t>correct</a:t>
-            </a:r>
-            <a:endParaRPr lang="de-DE" dirty="0"/>
-          </a:p>
-          <a:p>
-            <a:pPr marL="0" indent="0">
-              <a:buFont typeface="Arial" panose="020B0604020202020204" pitchFamily="34" charset="0"/>
-              <a:buNone/>
-            </a:pPr>
-            <a:endParaRPr lang="en-DE" dirty="0"/>
-          </a:p>
-        </p:txBody>
-      </p:sp>
     </p:spTree>
     <p:extLst>
       <p:ext uri="{BB962C8B-B14F-4D97-AF65-F5344CB8AC3E}">
-        <p14:creationId xmlns:p14="http://schemas.microsoft.com/office/powerpoint/2010/main" val="2682597246"/>
+        <p14:creationId xmlns:p14="http://schemas.microsoft.com/office/powerpoint/2010/main" val="1510630939"/>
       </p:ext>
     </p:extLst>
   </p:cSld>
   <p:clrMapOvr>
     <a:masterClrMapping/>
   </p:clrMapOvr>
+  <p:timing>
+    <p:tnLst>
+      <p:par>
+        <p:cTn id="1" dur="indefinite" restart="never" nodeType="tmRoot"/>
+      </p:par>
+    </p:tnLst>
+  </p:timing>
 </p:sld>
 </file>
 
@@ -22430,10 +23717,730 @@
       </p:grpSpPr>
       <p:sp>
         <p:nvSpPr>
+          <p:cNvPr id="2" name="Titel 1">
+            <a:extLst>
+              <a:ext uri="{FF2B5EF4-FFF2-40B4-BE49-F238E27FC236}">
+                <a16:creationId xmlns:a16="http://schemas.microsoft.com/office/drawing/2014/main" xmlns="" id="{CAA406E3-4254-49D6-B572-9AC7F61B0BB9}"/>
+              </a:ext>
+            </a:extLst>
+          </p:cNvPr>
+          <p:cNvSpPr>
+            <a:spLocks noGrp="1"/>
+          </p:cNvSpPr>
+          <p:nvPr>
+            <p:ph type="title"/>
+          </p:nvPr>
+        </p:nvSpPr>
+        <p:spPr/>
+        <p:txBody>
+          <a:bodyPr/>
+          <a:lstStyle/>
+          <a:p>
+            <a:r>
+              <a:rPr lang="de-DE" dirty="0" err="1"/>
+              <a:t>Resource</a:t>
+            </a:r>
+            <a:r>
+              <a:rPr lang="de-DE" dirty="0"/>
+              <a:t> </a:t>
+            </a:r>
+            <a:r>
+              <a:rPr lang="de-DE" dirty="0" err="1"/>
+              <a:t>allocation</a:t>
+            </a:r>
+            <a:endParaRPr lang="x-none" dirty="0"/>
+          </a:p>
+        </p:txBody>
+      </p:sp>
+      <p:sp>
+        <p:nvSpPr>
+          <p:cNvPr id="4" name="Inhaltsplatzhalter 3">
+            <a:extLst>
+              <a:ext uri="{FF2B5EF4-FFF2-40B4-BE49-F238E27FC236}">
+                <a16:creationId xmlns:a16="http://schemas.microsoft.com/office/drawing/2014/main" xmlns="" id="{62617BAC-D774-4DF2-B035-6B681FC7DE34}"/>
+              </a:ext>
+            </a:extLst>
+          </p:cNvPr>
+          <p:cNvSpPr>
+            <a:spLocks noGrp="1"/>
+          </p:cNvSpPr>
+          <p:nvPr>
+            <p:ph idx="1"/>
+          </p:nvPr>
+        </p:nvSpPr>
+        <p:spPr>
+          <a:xfrm>
+            <a:off x="468316" y="1008000"/>
+            <a:ext cx="2625177" cy="3706384"/>
+          </a:xfrm>
+        </p:spPr>
+        <p:txBody>
+          <a:bodyPr/>
+          <a:lstStyle/>
+          <a:p>
+            <a:pPr marL="0" indent="0">
+              <a:buNone/>
+            </a:pPr>
+            <a:r>
+              <a:rPr lang="de-DE" b="1" dirty="0"/>
+              <a:t>Kilian:</a:t>
+            </a:r>
+          </a:p>
+          <a:p>
+            <a:r>
+              <a:rPr lang="de-DE" dirty="0"/>
+              <a:t>Class Data Management</a:t>
+            </a:r>
+          </a:p>
+          <a:p>
+            <a:r>
+              <a:rPr lang="de-DE" dirty="0"/>
+              <a:t>Main </a:t>
+            </a:r>
+            <a:r>
+              <a:rPr lang="de-DE" dirty="0" err="1"/>
+              <a:t>Script</a:t>
+            </a:r>
+            <a:endParaRPr lang="de-DE" dirty="0"/>
+          </a:p>
+          <a:p>
+            <a:pPr marL="0" indent="0">
+              <a:buNone/>
+            </a:pPr>
+            <a:endParaRPr lang="x-none" dirty="0"/>
+          </a:p>
+        </p:txBody>
+      </p:sp>
+      <p:sp>
+        <p:nvSpPr>
+          <p:cNvPr id="5" name="Datumsplatzhalter 4">
+            <a:extLst>
+              <a:ext uri="{FF2B5EF4-FFF2-40B4-BE49-F238E27FC236}">
+                <a16:creationId xmlns:a16="http://schemas.microsoft.com/office/drawing/2014/main" xmlns="" id="{A4679B42-B6F4-4FF5-9930-68259B3BF1EC}"/>
+              </a:ext>
+            </a:extLst>
+          </p:cNvPr>
+          <p:cNvSpPr>
+            <a:spLocks noGrp="1"/>
+          </p:cNvSpPr>
+          <p:nvPr>
+            <p:ph type="dt" sz="half" idx="14"/>
+          </p:nvPr>
+        </p:nvSpPr>
+        <p:spPr/>
+        <p:txBody>
+          <a:bodyPr/>
+          <a:lstStyle/>
+          <a:p>
+            <a:r>
+              <a:rPr lang="de-DE"/>
+              <a:t>08/20/2020</a:t>
+            </a:r>
+            <a:endParaRPr lang="en-US" dirty="0"/>
+          </a:p>
+        </p:txBody>
+      </p:sp>
+      <p:sp>
+        <p:nvSpPr>
+          <p:cNvPr id="6" name="Fußzeilenplatzhalter 5">
+            <a:extLst>
+              <a:ext uri="{FF2B5EF4-FFF2-40B4-BE49-F238E27FC236}">
+                <a16:creationId xmlns:a16="http://schemas.microsoft.com/office/drawing/2014/main" xmlns="" id="{F6D5420F-CE11-41B3-B13F-326B04E909FA}"/>
+              </a:ext>
+            </a:extLst>
+          </p:cNvPr>
+          <p:cNvSpPr>
+            <a:spLocks noGrp="1"/>
+          </p:cNvSpPr>
+          <p:nvPr>
+            <p:ph type="ftr" sz="quarter" idx="15"/>
+          </p:nvPr>
+        </p:nvSpPr>
+        <p:spPr/>
+        <p:txBody>
+          <a:bodyPr/>
+          <a:lstStyle/>
+          <a:p>
+            <a:r>
+              <a:rPr lang="en-US"/>
+              <a:t>University of Stuttgart</a:t>
+            </a:r>
+            <a:endParaRPr lang="en-US" dirty="0"/>
+          </a:p>
+        </p:txBody>
+      </p:sp>
+      <p:sp>
+        <p:nvSpPr>
+          <p:cNvPr id="7" name="Foliennummernplatzhalter 6">
+            <a:extLst>
+              <a:ext uri="{FF2B5EF4-FFF2-40B4-BE49-F238E27FC236}">
+                <a16:creationId xmlns:a16="http://schemas.microsoft.com/office/drawing/2014/main" xmlns="" id="{1A53D3BF-AC2F-43B8-96F6-4EADB6010A98}"/>
+              </a:ext>
+            </a:extLst>
+          </p:cNvPr>
+          <p:cNvSpPr>
+            <a:spLocks noGrp="1"/>
+          </p:cNvSpPr>
+          <p:nvPr>
+            <p:ph type="sldNum" sz="quarter" idx="16"/>
+          </p:nvPr>
+        </p:nvSpPr>
+        <p:spPr/>
+        <p:txBody>
+          <a:bodyPr/>
+          <a:lstStyle/>
+          <a:p>
+            <a:fld id="{9E82CC3C-1DC0-4FDA-9590-6CC506AB67F8}" type="slidenum">
+              <a:rPr lang="en-US" smtClean="0"/>
+              <a:pPr/>
+              <a:t>7</a:t>
+            </a:fld>
+            <a:endParaRPr lang="en-US" dirty="0"/>
+          </a:p>
+        </p:txBody>
+      </p:sp>
+      <p:sp>
+        <p:nvSpPr>
+          <p:cNvPr id="8" name="Inhaltsplatzhalter 3">
+            <a:extLst>
+              <a:ext uri="{FF2B5EF4-FFF2-40B4-BE49-F238E27FC236}">
+                <a16:creationId xmlns:a16="http://schemas.microsoft.com/office/drawing/2014/main" xmlns="" id="{96C4C4AC-665E-4ABE-BC06-C9BF41B96D76}"/>
+              </a:ext>
+            </a:extLst>
+          </p:cNvPr>
+          <p:cNvSpPr txBox="1">
+            <a:spLocks/>
+          </p:cNvSpPr>
+          <p:nvPr/>
+        </p:nvSpPr>
+        <p:spPr>
+          <a:xfrm>
+            <a:off x="3191044" y="1008000"/>
+            <a:ext cx="2625177" cy="3706384"/>
+          </a:xfrm>
+          <a:prstGeom prst="rect">
+            <a:avLst/>
+          </a:prstGeom>
+        </p:spPr>
+        <p:txBody>
+          <a:bodyPr vert="horz" lIns="0" tIns="0" rIns="0" bIns="0" rtlCol="0">
+            <a:noAutofit/>
+          </a:bodyPr>
+          <a:lstStyle>
+            <a:lvl1pPr marL="171448" indent="-171448" algn="l" defTabSz="685793" rtl="0" eaLnBrk="1" latinLnBrk="0" hangingPunct="1">
+              <a:lnSpc>
+                <a:spcPct val="120000"/>
+              </a:lnSpc>
+              <a:spcBef>
+                <a:spcPts val="750"/>
+              </a:spcBef>
+              <a:buClr>
+                <a:schemeClr val="accent1"/>
+              </a:buClr>
+              <a:buFont typeface="Arial" panose="020B0604020202020204" pitchFamily="34" charset="0"/>
+              <a:buChar char="•"/>
+              <a:defRPr sz="1600" kern="1200">
+                <a:solidFill>
+                  <a:schemeClr val="tx1"/>
+                </a:solidFill>
+                <a:latin typeface="+mn-lt"/>
+                <a:ea typeface="+mn-ea"/>
+                <a:cs typeface="+mn-cs"/>
+              </a:defRPr>
+            </a:lvl1pPr>
+            <a:lvl2pPr marL="360360" indent="-184148" algn="l" defTabSz="685793" rtl="0" eaLnBrk="1" latinLnBrk="0" hangingPunct="1">
+              <a:lnSpc>
+                <a:spcPct val="120000"/>
+              </a:lnSpc>
+              <a:spcBef>
+                <a:spcPts val="376"/>
+              </a:spcBef>
+              <a:buClr>
+                <a:schemeClr val="tx1"/>
+              </a:buClr>
+              <a:buFont typeface="Arial" panose="020B0604020202020204" pitchFamily="34" charset="0"/>
+              <a:buChar char="•"/>
+              <a:defRPr sz="1600" kern="1200">
+                <a:solidFill>
+                  <a:schemeClr val="tx1"/>
+                </a:solidFill>
+                <a:latin typeface="+mn-lt"/>
+                <a:ea typeface="+mn-ea"/>
+                <a:cs typeface="+mn-cs"/>
+              </a:defRPr>
+            </a:lvl2pPr>
+            <a:lvl3pPr marL="536570" indent="-176212" algn="l" defTabSz="685793" rtl="0" eaLnBrk="1" latinLnBrk="0" hangingPunct="1">
+              <a:lnSpc>
+                <a:spcPct val="120000"/>
+              </a:lnSpc>
+              <a:spcBef>
+                <a:spcPts val="376"/>
+              </a:spcBef>
+              <a:buClr>
+                <a:schemeClr val="tx1"/>
+              </a:buClr>
+              <a:buFont typeface="Arial" panose="020B0604020202020204" pitchFamily="34" charset="0"/>
+              <a:buChar char="•"/>
+              <a:defRPr sz="1400" kern="1200">
+                <a:solidFill>
+                  <a:schemeClr val="tx1"/>
+                </a:solidFill>
+                <a:latin typeface="+mn-lt"/>
+                <a:ea typeface="+mn-ea"/>
+                <a:cs typeface="+mn-cs"/>
+              </a:defRPr>
+            </a:lvl3pPr>
+            <a:lvl4pPr marL="720718" indent="-184148" algn="l" defTabSz="685793" rtl="0" eaLnBrk="1" latinLnBrk="0" hangingPunct="1">
+              <a:lnSpc>
+                <a:spcPct val="120000"/>
+              </a:lnSpc>
+              <a:spcBef>
+                <a:spcPts val="376"/>
+              </a:spcBef>
+              <a:buClr>
+                <a:schemeClr val="tx1"/>
+              </a:buClr>
+              <a:buFont typeface="Arial" panose="020B0604020202020204" pitchFamily="34" charset="0"/>
+              <a:buChar char="•"/>
+              <a:defRPr sz="1400" kern="1200">
+                <a:solidFill>
+                  <a:schemeClr val="tx1"/>
+                </a:solidFill>
+                <a:latin typeface="+mn-lt"/>
+                <a:ea typeface="+mn-ea"/>
+                <a:cs typeface="+mn-cs"/>
+              </a:defRPr>
+            </a:lvl4pPr>
+            <a:lvl5pPr marL="896929" indent="-176212" algn="l" defTabSz="685793" rtl="0" eaLnBrk="1" latinLnBrk="0" hangingPunct="1">
+              <a:lnSpc>
+                <a:spcPct val="120000"/>
+              </a:lnSpc>
+              <a:spcBef>
+                <a:spcPts val="376"/>
+              </a:spcBef>
+              <a:buClr>
+                <a:schemeClr val="tx1"/>
+              </a:buClr>
+              <a:buFont typeface="Arial" panose="020B0604020202020204" pitchFamily="34" charset="0"/>
+              <a:buChar char="•"/>
+              <a:defRPr sz="1400" kern="1200">
+                <a:solidFill>
+                  <a:schemeClr val="tx1"/>
+                </a:solidFill>
+                <a:latin typeface="+mn-lt"/>
+                <a:ea typeface="+mn-ea"/>
+                <a:cs typeface="+mn-cs"/>
+              </a:defRPr>
+            </a:lvl5pPr>
+            <a:lvl6pPr marL="1885931" indent="-171448" algn="l" defTabSz="685793" rtl="0" eaLnBrk="1" latinLnBrk="0" hangingPunct="1">
+              <a:lnSpc>
+                <a:spcPct val="90000"/>
+              </a:lnSpc>
+              <a:spcBef>
+                <a:spcPts val="376"/>
+              </a:spcBef>
+              <a:buFont typeface="Arial" panose="020B0604020202020204" pitchFamily="34" charset="0"/>
+              <a:buChar char="•"/>
+              <a:defRPr sz="1350" kern="1200">
+                <a:solidFill>
+                  <a:schemeClr val="tx1"/>
+                </a:solidFill>
+                <a:latin typeface="+mn-lt"/>
+                <a:ea typeface="+mn-ea"/>
+                <a:cs typeface="+mn-cs"/>
+              </a:defRPr>
+            </a:lvl6pPr>
+            <a:lvl7pPr marL="2228828" indent="-171448" algn="l" defTabSz="685793" rtl="0" eaLnBrk="1" latinLnBrk="0" hangingPunct="1">
+              <a:lnSpc>
+                <a:spcPct val="90000"/>
+              </a:lnSpc>
+              <a:spcBef>
+                <a:spcPts val="376"/>
+              </a:spcBef>
+              <a:buFont typeface="Arial" panose="020B0604020202020204" pitchFamily="34" charset="0"/>
+              <a:buChar char="•"/>
+              <a:defRPr sz="1350" kern="1200">
+                <a:solidFill>
+                  <a:schemeClr val="tx1"/>
+                </a:solidFill>
+                <a:latin typeface="+mn-lt"/>
+                <a:ea typeface="+mn-ea"/>
+                <a:cs typeface="+mn-cs"/>
+              </a:defRPr>
+            </a:lvl7pPr>
+            <a:lvl8pPr marL="2571724" indent="-171448" algn="l" defTabSz="685793" rtl="0" eaLnBrk="1" latinLnBrk="0" hangingPunct="1">
+              <a:lnSpc>
+                <a:spcPct val="90000"/>
+              </a:lnSpc>
+              <a:spcBef>
+                <a:spcPts val="376"/>
+              </a:spcBef>
+              <a:buFont typeface="Arial" panose="020B0604020202020204" pitchFamily="34" charset="0"/>
+              <a:buChar char="•"/>
+              <a:defRPr sz="1350" kern="1200">
+                <a:solidFill>
+                  <a:schemeClr val="tx1"/>
+                </a:solidFill>
+                <a:latin typeface="+mn-lt"/>
+                <a:ea typeface="+mn-ea"/>
+                <a:cs typeface="+mn-cs"/>
+              </a:defRPr>
+            </a:lvl8pPr>
+            <a:lvl9pPr marL="2914621" indent="-171448" algn="l" defTabSz="685793" rtl="0" eaLnBrk="1" latinLnBrk="0" hangingPunct="1">
+              <a:lnSpc>
+                <a:spcPct val="90000"/>
+              </a:lnSpc>
+              <a:spcBef>
+                <a:spcPts val="376"/>
+              </a:spcBef>
+              <a:buFont typeface="Arial" panose="020B0604020202020204" pitchFamily="34" charset="0"/>
+              <a:buChar char="•"/>
+              <a:defRPr sz="1350" kern="1200">
+                <a:solidFill>
+                  <a:schemeClr val="tx1"/>
+                </a:solidFill>
+                <a:latin typeface="+mn-lt"/>
+                <a:ea typeface="+mn-ea"/>
+                <a:cs typeface="+mn-cs"/>
+              </a:defRPr>
+            </a:lvl9pPr>
+          </a:lstStyle>
+          <a:p>
+            <a:pPr marL="0" indent="0">
+              <a:buFont typeface="Arial" panose="020B0604020202020204" pitchFamily="34" charset="0"/>
+              <a:buNone/>
+            </a:pPr>
+            <a:r>
+              <a:rPr lang="de-DE" b="1" dirty="0"/>
+              <a:t>Theresa:</a:t>
+            </a:r>
+          </a:p>
+          <a:p>
+            <a:r>
+              <a:rPr lang="de-DE" dirty="0"/>
+              <a:t>Class Raster </a:t>
+            </a:r>
+            <a:r>
+              <a:rPr lang="de-DE" dirty="0" err="1"/>
+              <a:t>Calculations</a:t>
+            </a:r>
+            <a:endParaRPr lang="de-DE" dirty="0"/>
+          </a:p>
+          <a:p>
+            <a:r>
+              <a:rPr lang="de-DE" dirty="0"/>
+              <a:t>Class Check </a:t>
+            </a:r>
+            <a:r>
+              <a:rPr lang="de-DE" dirty="0" err="1"/>
+              <a:t>Functions</a:t>
+            </a:r>
+            <a:endParaRPr lang="de-DE" dirty="0"/>
+          </a:p>
+        </p:txBody>
+      </p:sp>
+      <p:sp>
+        <p:nvSpPr>
+          <p:cNvPr id="9" name="Inhaltsplatzhalter 3">
+            <a:extLst>
+              <a:ext uri="{FF2B5EF4-FFF2-40B4-BE49-F238E27FC236}">
+                <a16:creationId xmlns:a16="http://schemas.microsoft.com/office/drawing/2014/main" xmlns="" id="{F032022B-B145-41E7-A667-0732AF36230A}"/>
+              </a:ext>
+            </a:extLst>
+          </p:cNvPr>
+          <p:cNvSpPr txBox="1">
+            <a:spLocks/>
+          </p:cNvSpPr>
+          <p:nvPr/>
+        </p:nvSpPr>
+        <p:spPr>
+          <a:xfrm>
+            <a:off x="6061046" y="1008000"/>
+            <a:ext cx="2477903" cy="3706384"/>
+          </a:xfrm>
+          <a:prstGeom prst="rect">
+            <a:avLst/>
+          </a:prstGeom>
+        </p:spPr>
+        <p:txBody>
+          <a:bodyPr vert="horz" lIns="0" tIns="0" rIns="0" bIns="0" rtlCol="0">
+            <a:noAutofit/>
+          </a:bodyPr>
+          <a:lstStyle>
+            <a:lvl1pPr marL="171448" indent="-171448" algn="l" defTabSz="685793" rtl="0" eaLnBrk="1" latinLnBrk="0" hangingPunct="1">
+              <a:lnSpc>
+                <a:spcPct val="120000"/>
+              </a:lnSpc>
+              <a:spcBef>
+                <a:spcPts val="750"/>
+              </a:spcBef>
+              <a:buClr>
+                <a:schemeClr val="accent1"/>
+              </a:buClr>
+              <a:buFont typeface="Arial" panose="020B0604020202020204" pitchFamily="34" charset="0"/>
+              <a:buChar char="•"/>
+              <a:defRPr sz="1600" kern="1200">
+                <a:solidFill>
+                  <a:schemeClr val="tx1"/>
+                </a:solidFill>
+                <a:latin typeface="+mn-lt"/>
+                <a:ea typeface="+mn-ea"/>
+                <a:cs typeface="+mn-cs"/>
+              </a:defRPr>
+            </a:lvl1pPr>
+            <a:lvl2pPr marL="360360" indent="-184148" algn="l" defTabSz="685793" rtl="0" eaLnBrk="1" latinLnBrk="0" hangingPunct="1">
+              <a:lnSpc>
+                <a:spcPct val="120000"/>
+              </a:lnSpc>
+              <a:spcBef>
+                <a:spcPts val="376"/>
+              </a:spcBef>
+              <a:buClr>
+                <a:schemeClr val="tx1"/>
+              </a:buClr>
+              <a:buFont typeface="Arial" panose="020B0604020202020204" pitchFamily="34" charset="0"/>
+              <a:buChar char="•"/>
+              <a:defRPr sz="1600" kern="1200">
+                <a:solidFill>
+                  <a:schemeClr val="tx1"/>
+                </a:solidFill>
+                <a:latin typeface="+mn-lt"/>
+                <a:ea typeface="+mn-ea"/>
+                <a:cs typeface="+mn-cs"/>
+              </a:defRPr>
+            </a:lvl2pPr>
+            <a:lvl3pPr marL="536570" indent="-176212" algn="l" defTabSz="685793" rtl="0" eaLnBrk="1" latinLnBrk="0" hangingPunct="1">
+              <a:lnSpc>
+                <a:spcPct val="120000"/>
+              </a:lnSpc>
+              <a:spcBef>
+                <a:spcPts val="376"/>
+              </a:spcBef>
+              <a:buClr>
+                <a:schemeClr val="tx1"/>
+              </a:buClr>
+              <a:buFont typeface="Arial" panose="020B0604020202020204" pitchFamily="34" charset="0"/>
+              <a:buChar char="•"/>
+              <a:defRPr sz="1400" kern="1200">
+                <a:solidFill>
+                  <a:schemeClr val="tx1"/>
+                </a:solidFill>
+                <a:latin typeface="+mn-lt"/>
+                <a:ea typeface="+mn-ea"/>
+                <a:cs typeface="+mn-cs"/>
+              </a:defRPr>
+            </a:lvl3pPr>
+            <a:lvl4pPr marL="720718" indent="-184148" algn="l" defTabSz="685793" rtl="0" eaLnBrk="1" latinLnBrk="0" hangingPunct="1">
+              <a:lnSpc>
+                <a:spcPct val="120000"/>
+              </a:lnSpc>
+              <a:spcBef>
+                <a:spcPts val="376"/>
+              </a:spcBef>
+              <a:buClr>
+                <a:schemeClr val="tx1"/>
+              </a:buClr>
+              <a:buFont typeface="Arial" panose="020B0604020202020204" pitchFamily="34" charset="0"/>
+              <a:buChar char="•"/>
+              <a:defRPr sz="1400" kern="1200">
+                <a:solidFill>
+                  <a:schemeClr val="tx1"/>
+                </a:solidFill>
+                <a:latin typeface="+mn-lt"/>
+                <a:ea typeface="+mn-ea"/>
+                <a:cs typeface="+mn-cs"/>
+              </a:defRPr>
+            </a:lvl4pPr>
+            <a:lvl5pPr marL="896929" indent="-176212" algn="l" defTabSz="685793" rtl="0" eaLnBrk="1" latinLnBrk="0" hangingPunct="1">
+              <a:lnSpc>
+                <a:spcPct val="120000"/>
+              </a:lnSpc>
+              <a:spcBef>
+                <a:spcPts val="376"/>
+              </a:spcBef>
+              <a:buClr>
+                <a:schemeClr val="tx1"/>
+              </a:buClr>
+              <a:buFont typeface="Arial" panose="020B0604020202020204" pitchFamily="34" charset="0"/>
+              <a:buChar char="•"/>
+              <a:defRPr sz="1400" kern="1200">
+                <a:solidFill>
+                  <a:schemeClr val="tx1"/>
+                </a:solidFill>
+                <a:latin typeface="+mn-lt"/>
+                <a:ea typeface="+mn-ea"/>
+                <a:cs typeface="+mn-cs"/>
+              </a:defRPr>
+            </a:lvl5pPr>
+            <a:lvl6pPr marL="1885931" indent="-171448" algn="l" defTabSz="685793" rtl="0" eaLnBrk="1" latinLnBrk="0" hangingPunct="1">
+              <a:lnSpc>
+                <a:spcPct val="90000"/>
+              </a:lnSpc>
+              <a:spcBef>
+                <a:spcPts val="376"/>
+              </a:spcBef>
+              <a:buFont typeface="Arial" panose="020B0604020202020204" pitchFamily="34" charset="0"/>
+              <a:buChar char="•"/>
+              <a:defRPr sz="1350" kern="1200">
+                <a:solidFill>
+                  <a:schemeClr val="tx1"/>
+                </a:solidFill>
+                <a:latin typeface="+mn-lt"/>
+                <a:ea typeface="+mn-ea"/>
+                <a:cs typeface="+mn-cs"/>
+              </a:defRPr>
+            </a:lvl6pPr>
+            <a:lvl7pPr marL="2228828" indent="-171448" algn="l" defTabSz="685793" rtl="0" eaLnBrk="1" latinLnBrk="0" hangingPunct="1">
+              <a:lnSpc>
+                <a:spcPct val="90000"/>
+              </a:lnSpc>
+              <a:spcBef>
+                <a:spcPts val="376"/>
+              </a:spcBef>
+              <a:buFont typeface="Arial" panose="020B0604020202020204" pitchFamily="34" charset="0"/>
+              <a:buChar char="•"/>
+              <a:defRPr sz="1350" kern="1200">
+                <a:solidFill>
+                  <a:schemeClr val="tx1"/>
+                </a:solidFill>
+                <a:latin typeface="+mn-lt"/>
+                <a:ea typeface="+mn-ea"/>
+                <a:cs typeface="+mn-cs"/>
+              </a:defRPr>
+            </a:lvl7pPr>
+            <a:lvl8pPr marL="2571724" indent="-171448" algn="l" defTabSz="685793" rtl="0" eaLnBrk="1" latinLnBrk="0" hangingPunct="1">
+              <a:lnSpc>
+                <a:spcPct val="90000"/>
+              </a:lnSpc>
+              <a:spcBef>
+                <a:spcPts val="376"/>
+              </a:spcBef>
+              <a:buFont typeface="Arial" panose="020B0604020202020204" pitchFamily="34" charset="0"/>
+              <a:buChar char="•"/>
+              <a:defRPr sz="1350" kern="1200">
+                <a:solidFill>
+                  <a:schemeClr val="tx1"/>
+                </a:solidFill>
+                <a:latin typeface="+mn-lt"/>
+                <a:ea typeface="+mn-ea"/>
+                <a:cs typeface="+mn-cs"/>
+              </a:defRPr>
+            </a:lvl8pPr>
+            <a:lvl9pPr marL="2914621" indent="-171448" algn="l" defTabSz="685793" rtl="0" eaLnBrk="1" latinLnBrk="0" hangingPunct="1">
+              <a:lnSpc>
+                <a:spcPct val="90000"/>
+              </a:lnSpc>
+              <a:spcBef>
+                <a:spcPts val="376"/>
+              </a:spcBef>
+              <a:buFont typeface="Arial" panose="020B0604020202020204" pitchFamily="34" charset="0"/>
+              <a:buChar char="•"/>
+              <a:defRPr sz="1350" kern="1200">
+                <a:solidFill>
+                  <a:schemeClr val="tx1"/>
+                </a:solidFill>
+                <a:latin typeface="+mn-lt"/>
+                <a:ea typeface="+mn-ea"/>
+                <a:cs typeface="+mn-cs"/>
+              </a:defRPr>
+            </a:lvl9pPr>
+          </a:lstStyle>
+          <a:p>
+            <a:pPr marL="0" indent="0">
+              <a:buFont typeface="Arial" panose="020B0604020202020204" pitchFamily="34" charset="0"/>
+              <a:buNone/>
+            </a:pPr>
+            <a:r>
+              <a:rPr lang="de-DE" b="1" dirty="0" err="1"/>
+              <a:t>Together</a:t>
+            </a:r>
+            <a:r>
+              <a:rPr lang="de-DE" b="1" dirty="0"/>
+              <a:t>:</a:t>
+            </a:r>
+          </a:p>
+          <a:p>
+            <a:r>
+              <a:rPr lang="de-DE" dirty="0"/>
+              <a:t>Design code</a:t>
+            </a:r>
+          </a:p>
+          <a:p>
+            <a:r>
+              <a:rPr lang="de-DE" dirty="0"/>
+              <a:t>Readme	</a:t>
+            </a:r>
+          </a:p>
+          <a:p>
+            <a:r>
+              <a:rPr lang="de-DE" dirty="0" err="1"/>
+              <a:t>Presentation</a:t>
+            </a:r>
+            <a:endParaRPr lang="de-DE" dirty="0"/>
+          </a:p>
+          <a:p>
+            <a:r>
+              <a:rPr lang="de-DE" dirty="0"/>
+              <a:t>Check &amp; </a:t>
+            </a:r>
+            <a:r>
+              <a:rPr lang="de-DE" dirty="0" err="1"/>
+              <a:t>correct</a:t>
+            </a:r>
+            <a:endParaRPr lang="de-DE" dirty="0"/>
+          </a:p>
+          <a:p>
+            <a:pPr marL="0" indent="0">
+              <a:buFont typeface="Arial" panose="020B0604020202020204" pitchFamily="34" charset="0"/>
+              <a:buNone/>
+            </a:pPr>
+            <a:endParaRPr lang="x-none" dirty="0"/>
+          </a:p>
+        </p:txBody>
+      </p:sp>
+    </p:spTree>
+    <p:extLst>
+      <p:ext uri="{BB962C8B-B14F-4D97-AF65-F5344CB8AC3E}">
+        <p14:creationId xmlns:p14="http://schemas.microsoft.com/office/powerpoint/2010/main" val="2682597246"/>
+      </p:ext>
+    </p:extLst>
+  </p:cSld>
+  <p:clrMapOvr>
+    <a:masterClrMapping/>
+  </p:clrMapOvr>
+  <p:timing>
+    <p:tnLst>
+      <p:par>
+        <p:cTn id="1" dur="indefinite" restart="never" nodeType="tmRoot"/>
+      </p:par>
+    </p:tnLst>
+  </p:timing>
+</p:sld>
+</file>
+
+<file path=ppt/slides/slide8.xml><?xml version="1.0" encoding="utf-8"?>
+<p:sld xmlns:a="http://schemas.openxmlformats.org/drawingml/2006/main" xmlns:r="http://schemas.openxmlformats.org/officeDocument/2006/relationships" xmlns:p="http://schemas.openxmlformats.org/presentationml/2006/main">
+  <p:cSld>
+    <p:spTree>
+      <p:nvGrpSpPr>
+        <p:cNvPr id="1" name=""/>
+        <p:cNvGrpSpPr/>
+        <p:nvPr/>
+      </p:nvGrpSpPr>
+      <p:grpSpPr>
+        <a:xfrm>
+          <a:off x="0" y="0"/>
+          <a:ext cx="0" cy="0"/>
+          <a:chOff x="0" y="0"/>
+          <a:chExt cx="0" cy="0"/>
+        </a:xfrm>
+      </p:grpSpPr>
+      <p:sp>
+        <p:nvSpPr>
           <p:cNvPr id="34" name="Bildplatzhalter 33">
             <a:extLst>
               <a:ext uri="{FF2B5EF4-FFF2-40B4-BE49-F238E27FC236}">
-                <a16:creationId xmlns:a16="http://schemas.microsoft.com/office/drawing/2014/main" id="{B78DCF98-ED3F-40D4-90DA-221458EF840E}"/>
+                <a16:creationId xmlns:a16="http://schemas.microsoft.com/office/drawing/2014/main" xmlns="" id="{B78DCF98-ED3F-40D4-90DA-221458EF840E}"/>
               </a:ext>
             </a:extLst>
           </p:cNvPr>
@@ -22451,7 +24458,7 @@
           <p:cNvPr id="35" name="Textplatzhalter 34">
             <a:extLst>
               <a:ext uri="{FF2B5EF4-FFF2-40B4-BE49-F238E27FC236}">
-                <a16:creationId xmlns:a16="http://schemas.microsoft.com/office/drawing/2014/main" id="{1464EF3D-1034-4CC4-82A7-7999F030BE6A}"/>
+                <a16:creationId xmlns:a16="http://schemas.microsoft.com/office/drawing/2014/main" xmlns="" id="{1464EF3D-1034-4CC4-82A7-7999F030BE6A}"/>
               </a:ext>
             </a:extLst>
           </p:cNvPr>
@@ -22476,7 +24483,7 @@
           <p:cNvPr id="27" name="Textplatzhalter 26">
             <a:extLst>
               <a:ext uri="{FF2B5EF4-FFF2-40B4-BE49-F238E27FC236}">
-                <a16:creationId xmlns:a16="http://schemas.microsoft.com/office/drawing/2014/main" id="{2616FDAF-68EE-44D0-8491-AFCD8786CB5D}"/>
+                <a16:creationId xmlns:a16="http://schemas.microsoft.com/office/drawing/2014/main" xmlns="" id="{2616FDAF-68EE-44D0-8491-AFCD8786CB5D}"/>
               </a:ext>
             </a:extLst>
           </p:cNvPr>
@@ -22510,7 +24517,7 @@
           <p:cNvPr id="40" name="Textplatzhalter 39">
             <a:extLst>
               <a:ext uri="{FF2B5EF4-FFF2-40B4-BE49-F238E27FC236}">
-                <a16:creationId xmlns:a16="http://schemas.microsoft.com/office/drawing/2014/main" id="{E401F403-868B-4976-90D2-F9F421810FAE}"/>
+                <a16:creationId xmlns:a16="http://schemas.microsoft.com/office/drawing/2014/main" xmlns="" id="{E401F403-868B-4976-90D2-F9F421810FAE}"/>
               </a:ext>
             </a:extLst>
           </p:cNvPr>
@@ -22535,7 +24542,7 @@
           <p:cNvPr id="28" name="Textplatzhalter 27">
             <a:extLst>
               <a:ext uri="{FF2B5EF4-FFF2-40B4-BE49-F238E27FC236}">
-                <a16:creationId xmlns:a16="http://schemas.microsoft.com/office/drawing/2014/main" id="{C84D60E2-1F4C-4A96-898B-55A78DD86501}"/>
+                <a16:creationId xmlns:a16="http://schemas.microsoft.com/office/drawing/2014/main" xmlns="" id="{C84D60E2-1F4C-4A96-898B-55A78DD86501}"/>
               </a:ext>
             </a:extLst>
           </p:cNvPr>
@@ -22572,7 +24579,7 @@
           <p:cNvPr id="37" name="Textplatzhalter 36">
             <a:extLst>
               <a:ext uri="{FF2B5EF4-FFF2-40B4-BE49-F238E27FC236}">
-                <a16:creationId xmlns:a16="http://schemas.microsoft.com/office/drawing/2014/main" id="{749AF92F-74E7-4967-873D-3010136A0959}"/>
+                <a16:creationId xmlns:a16="http://schemas.microsoft.com/office/drawing/2014/main" xmlns="" id="{749AF92F-74E7-4967-873D-3010136A0959}"/>
               </a:ext>
             </a:extLst>
           </p:cNvPr>
@@ -22597,7 +24604,7 @@
           <p:cNvPr id="29" name="Textplatzhalter 28">
             <a:extLst>
               <a:ext uri="{FF2B5EF4-FFF2-40B4-BE49-F238E27FC236}">
-                <a16:creationId xmlns:a16="http://schemas.microsoft.com/office/drawing/2014/main" id="{724B4D00-FE3F-462E-BB95-4CC30BACB90E}"/>
+                <a16:creationId xmlns:a16="http://schemas.microsoft.com/office/drawing/2014/main" xmlns="" id="{724B4D00-FE3F-462E-BB95-4CC30BACB90E}"/>
               </a:ext>
             </a:extLst>
           </p:cNvPr>
@@ -22630,7 +24637,7 @@
           <p:cNvPr id="38" name="Textplatzhalter 37">
             <a:extLst>
               <a:ext uri="{FF2B5EF4-FFF2-40B4-BE49-F238E27FC236}">
-                <a16:creationId xmlns:a16="http://schemas.microsoft.com/office/drawing/2014/main" id="{A1F0591E-3BA2-4E47-8F55-EDEA54E2D804}"/>
+                <a16:creationId xmlns:a16="http://schemas.microsoft.com/office/drawing/2014/main" xmlns="" id="{A1F0591E-3BA2-4E47-8F55-EDEA54E2D804}"/>
               </a:ext>
             </a:extLst>
           </p:cNvPr>
@@ -22655,7 +24662,7 @@
           <p:cNvPr id="41" name="Textplatzhalter 40">
             <a:extLst>
               <a:ext uri="{FF2B5EF4-FFF2-40B4-BE49-F238E27FC236}">
-                <a16:creationId xmlns:a16="http://schemas.microsoft.com/office/drawing/2014/main" id="{708B3E26-9925-4BF9-8FE0-0F2A1984231A}"/>
+                <a16:creationId xmlns:a16="http://schemas.microsoft.com/office/drawing/2014/main" xmlns="" id="{708B3E26-9925-4BF9-8FE0-0F2A1984231A}"/>
               </a:ext>
             </a:extLst>
           </p:cNvPr>
@@ -22691,7 +24698,7 @@
           <p:cNvPr id="39" name="Textplatzhalter 38">
             <a:extLst>
               <a:ext uri="{FF2B5EF4-FFF2-40B4-BE49-F238E27FC236}">
-                <a16:creationId xmlns:a16="http://schemas.microsoft.com/office/drawing/2014/main" id="{B3694E20-7FDA-46EE-BDF6-7A4567AAA6A2}"/>
+                <a16:creationId xmlns:a16="http://schemas.microsoft.com/office/drawing/2014/main" xmlns="" id="{B3694E20-7FDA-46EE-BDF6-7A4567AAA6A2}"/>
               </a:ext>
             </a:extLst>
           </p:cNvPr>
@@ -22716,7 +24723,7 @@
           <p:cNvPr id="36" name="Textplatzhalter 35">
             <a:extLst>
               <a:ext uri="{FF2B5EF4-FFF2-40B4-BE49-F238E27FC236}">
-                <a16:creationId xmlns:a16="http://schemas.microsoft.com/office/drawing/2014/main" id="{EDDA513E-2DDE-4BD8-9FBB-02730A060A63}"/>
+                <a16:creationId xmlns:a16="http://schemas.microsoft.com/office/drawing/2014/main" xmlns="" id="{EDDA513E-2DDE-4BD8-9FBB-02730A060A63}"/>
               </a:ext>
             </a:extLst>
           </p:cNvPr>
@@ -22746,6 +24753,510 @@
   <p:clrMapOvr>
     <a:masterClrMapping/>
   </p:clrMapOvr>
+  <p:timing>
+    <p:tnLst>
+      <p:par>
+        <p:cTn id="1" dur="indefinite" restart="never" nodeType="tmRoot"/>
+      </p:par>
+    </p:tnLst>
+  </p:timing>
+</p:sld>
+</file>
+
+<file path=ppt/slides/slide9.xml><?xml version="1.0" encoding="utf-8"?>
+<p:sld xmlns:a="http://schemas.openxmlformats.org/drawingml/2006/main" xmlns:r="http://schemas.openxmlformats.org/officeDocument/2006/relationships" xmlns:p="http://schemas.openxmlformats.org/presentationml/2006/main">
+  <p:cSld>
+    <p:spTree>
+      <p:nvGrpSpPr>
+        <p:cNvPr id="1" name=""/>
+        <p:cNvGrpSpPr/>
+        <p:nvPr/>
+      </p:nvGrpSpPr>
+      <p:grpSpPr>
+        <a:xfrm>
+          <a:off x="0" y="0"/>
+          <a:ext cx="0" cy="0"/>
+          <a:chOff x="0" y="0"/>
+          <a:chExt cx="0" cy="0"/>
+        </a:xfrm>
+      </p:grpSpPr>
+      <p:sp>
+        <p:nvSpPr>
+          <p:cNvPr id="2" name="Titel 1"/>
+          <p:cNvSpPr>
+            <a:spLocks noGrp="1"/>
+          </p:cNvSpPr>
+          <p:nvPr>
+            <p:ph type="title"/>
+          </p:nvPr>
+        </p:nvSpPr>
+        <p:spPr/>
+        <p:txBody>
+          <a:bodyPr/>
+          <a:lstStyle/>
+          <a:p>
+            <a:r>
+              <a:rPr lang="en-US" dirty="0" smtClean="0"/>
+              <a:t>Additional</a:t>
+            </a:r>
+            <a:endParaRPr lang="en-US" dirty="0"/>
+          </a:p>
+        </p:txBody>
+      </p:sp>
+      <p:sp>
+        <p:nvSpPr>
+          <p:cNvPr id="3" name="Textplatzhalter 2"/>
+          <p:cNvSpPr>
+            <a:spLocks noGrp="1"/>
+          </p:cNvSpPr>
+          <p:nvPr>
+            <p:ph type="body" sz="quarter" idx="13"/>
+          </p:nvPr>
+        </p:nvSpPr>
+        <p:spPr/>
+        <p:txBody>
+          <a:bodyPr/>
+          <a:lstStyle/>
+          <a:p>
+            <a:endParaRPr lang="en-US"/>
+          </a:p>
+        </p:txBody>
+      </p:sp>
+      <p:sp>
+        <p:nvSpPr>
+          <p:cNvPr id="4" name="Inhaltsplatzhalter 3"/>
+          <p:cNvSpPr>
+            <a:spLocks noGrp="1"/>
+          </p:cNvSpPr>
+          <p:nvPr>
+            <p:ph idx="1"/>
+          </p:nvPr>
+        </p:nvSpPr>
+        <p:spPr/>
+        <p:txBody>
+          <a:bodyPr/>
+          <a:lstStyle/>
+          <a:p>
+            <a:endParaRPr lang="en-US" dirty="0"/>
+          </a:p>
+        </p:txBody>
+      </p:sp>
+      <p:sp>
+        <p:nvSpPr>
+          <p:cNvPr id="5" name="Datumsplatzhalter 4"/>
+          <p:cNvSpPr>
+            <a:spLocks noGrp="1"/>
+          </p:cNvSpPr>
+          <p:nvPr>
+            <p:ph type="dt" sz="half" idx="14"/>
+          </p:nvPr>
+        </p:nvSpPr>
+        <p:spPr/>
+        <p:txBody>
+          <a:bodyPr/>
+          <a:lstStyle/>
+          <a:p>
+            <a:r>
+              <a:rPr lang="de-DE" smtClean="0"/>
+              <a:t>08/20/2020</a:t>
+            </a:r>
+            <a:endParaRPr lang="en-US" dirty="0"/>
+          </a:p>
+        </p:txBody>
+      </p:sp>
+      <p:sp>
+        <p:nvSpPr>
+          <p:cNvPr id="6" name="Fußzeilenplatzhalter 5"/>
+          <p:cNvSpPr>
+            <a:spLocks noGrp="1"/>
+          </p:cNvSpPr>
+          <p:nvPr>
+            <p:ph type="ftr" sz="quarter" idx="15"/>
+          </p:nvPr>
+        </p:nvSpPr>
+        <p:spPr/>
+        <p:txBody>
+          <a:bodyPr/>
+          <a:lstStyle/>
+          <a:p>
+            <a:r>
+              <a:rPr lang="en-US" smtClean="0"/>
+              <a:t>University of Stuttgart</a:t>
+            </a:r>
+            <a:endParaRPr lang="en-US" dirty="0"/>
+          </a:p>
+        </p:txBody>
+      </p:sp>
+      <p:sp>
+        <p:nvSpPr>
+          <p:cNvPr id="7" name="Foliennummernplatzhalter 6"/>
+          <p:cNvSpPr>
+            <a:spLocks noGrp="1"/>
+          </p:cNvSpPr>
+          <p:nvPr>
+            <p:ph type="sldNum" sz="quarter" idx="16"/>
+          </p:nvPr>
+        </p:nvSpPr>
+        <p:spPr/>
+        <p:txBody>
+          <a:bodyPr/>
+          <a:lstStyle/>
+          <a:p>
+            <a:fld id="{9E82CC3C-1DC0-4FDA-9590-6CC506AB67F8}" type="slidenum">
+              <a:rPr lang="en-US" smtClean="0"/>
+              <a:pPr/>
+              <a:t>9</a:t>
+            </a:fld>
+            <a:endParaRPr lang="en-US" dirty="0"/>
+          </a:p>
+        </p:txBody>
+      </p:sp>
+      <p:pic>
+        <p:nvPicPr>
+          <p:cNvPr id="8" name="Picture 5"/>
+          <p:cNvPicPr>
+            <a:picLocks noChangeAspect="1" noChangeArrowheads="1"/>
+          </p:cNvPicPr>
+          <p:nvPr/>
+        </p:nvPicPr>
+        <p:blipFill>
+          <a:blip r:embed="rId2" cstate="print">
+            <a:extLst>
+              <a:ext uri="{28A0092B-C50C-407E-A947-70E740481C1C}">
+                <a14:useLocalDpi xmlns:a14="http://schemas.microsoft.com/office/drawing/2010/main" val="0"/>
+              </a:ext>
+            </a:extLst>
+          </a:blip>
+          <a:srcRect/>
+          <a:stretch>
+            <a:fillRect/>
+          </a:stretch>
+        </p:blipFill>
+        <p:spPr bwMode="auto">
+          <a:xfrm>
+            <a:off x="5171576" y="971553"/>
+            <a:ext cx="2329114" cy="1757362"/>
+          </a:xfrm>
+          <a:prstGeom prst="rect">
+            <a:avLst/>
+          </a:prstGeom>
+          <a:noFill/>
+          <a:ln>
+            <a:noFill/>
+          </a:ln>
+          <a:extLst>
+            <a:ext uri="{909E8E84-426E-40DD-AFC4-6F175D3DCCD1}">
+              <a14:hiddenFill xmlns:a14="http://schemas.microsoft.com/office/drawing/2010/main">
+                <a:solidFill>
+                  <a:schemeClr val="accent1"/>
+                </a:solidFill>
+              </a14:hiddenFill>
+            </a:ext>
+            <a:ext uri="{91240B29-F687-4F45-9708-019B960494DF}">
+              <a14:hiddenLine xmlns:a14="http://schemas.microsoft.com/office/drawing/2010/main" w="9525">
+                <a:solidFill>
+                  <a:schemeClr val="tx1"/>
+                </a:solidFill>
+                <a:miter lim="800000"/>
+                <a:headEnd/>
+                <a:tailEnd/>
+              </a14:hiddenLine>
+            </a:ext>
+          </a:extLst>
+        </p:spPr>
+      </p:pic>
+      <p:pic>
+        <p:nvPicPr>
+          <p:cNvPr id="9" name="Picture 6"/>
+          <p:cNvPicPr>
+            <a:picLocks noChangeAspect="1" noChangeArrowheads="1"/>
+          </p:cNvPicPr>
+          <p:nvPr/>
+        </p:nvPicPr>
+        <p:blipFill>
+          <a:blip r:embed="rId3" cstate="print">
+            <a:extLst>
+              <a:ext uri="{28A0092B-C50C-407E-A947-70E740481C1C}">
+                <a14:useLocalDpi xmlns:a14="http://schemas.microsoft.com/office/drawing/2010/main" val="0"/>
+              </a:ext>
+            </a:extLst>
+          </a:blip>
+          <a:srcRect/>
+          <a:stretch>
+            <a:fillRect/>
+          </a:stretch>
+        </p:blipFill>
+        <p:spPr bwMode="auto">
+          <a:xfrm>
+            <a:off x="910469" y="1921671"/>
+            <a:ext cx="2369604" cy="1757362"/>
+          </a:xfrm>
+          <a:prstGeom prst="rect">
+            <a:avLst/>
+          </a:prstGeom>
+          <a:noFill/>
+          <a:ln>
+            <a:noFill/>
+          </a:ln>
+          <a:extLst>
+            <a:ext uri="{909E8E84-426E-40DD-AFC4-6F175D3DCCD1}">
+              <a14:hiddenFill xmlns:a14="http://schemas.microsoft.com/office/drawing/2010/main">
+                <a:solidFill>
+                  <a:schemeClr val="accent1"/>
+                </a:solidFill>
+              </a14:hiddenFill>
+            </a:ext>
+            <a:ext uri="{91240B29-F687-4F45-9708-019B960494DF}">
+              <a14:hiddenLine xmlns:a14="http://schemas.microsoft.com/office/drawing/2010/main" w="9525">
+                <a:solidFill>
+                  <a:schemeClr val="tx1"/>
+                </a:solidFill>
+                <a:miter lim="800000"/>
+                <a:headEnd/>
+                <a:tailEnd/>
+              </a14:hiddenLine>
+            </a:ext>
+          </a:extLst>
+        </p:spPr>
+      </p:pic>
+      <p:pic>
+        <p:nvPicPr>
+          <p:cNvPr id="10" name="Picture 7"/>
+          <p:cNvPicPr>
+            <a:picLocks noChangeAspect="1" noChangeArrowheads="1"/>
+          </p:cNvPicPr>
+          <p:nvPr/>
+        </p:nvPicPr>
+        <p:blipFill>
+          <a:blip r:embed="rId4" cstate="print">
+            <a:extLst>
+              <a:ext uri="{28A0092B-C50C-407E-A947-70E740481C1C}">
+                <a14:useLocalDpi xmlns:a14="http://schemas.microsoft.com/office/drawing/2010/main" val="0"/>
+              </a:ext>
+            </a:extLst>
+          </a:blip>
+          <a:srcRect/>
+          <a:stretch>
+            <a:fillRect/>
+          </a:stretch>
+        </p:blipFill>
+        <p:spPr bwMode="auto">
+          <a:xfrm>
+            <a:off x="5209804" y="2878934"/>
+            <a:ext cx="2290886" cy="1757362"/>
+          </a:xfrm>
+          <a:prstGeom prst="rect">
+            <a:avLst/>
+          </a:prstGeom>
+          <a:noFill/>
+          <a:ln>
+            <a:noFill/>
+          </a:ln>
+          <a:extLst>
+            <a:ext uri="{909E8E84-426E-40DD-AFC4-6F175D3DCCD1}">
+              <a14:hiddenFill xmlns:a14="http://schemas.microsoft.com/office/drawing/2010/main">
+                <a:solidFill>
+                  <a:schemeClr val="accent1"/>
+                </a:solidFill>
+              </a14:hiddenFill>
+            </a:ext>
+            <a:ext uri="{91240B29-F687-4F45-9708-019B960494DF}">
+              <a14:hiddenLine xmlns:a14="http://schemas.microsoft.com/office/drawing/2010/main" w="9525">
+                <a:solidFill>
+                  <a:schemeClr val="tx1"/>
+                </a:solidFill>
+                <a:miter lim="800000"/>
+                <a:headEnd/>
+                <a:tailEnd/>
+              </a14:hiddenLine>
+            </a:ext>
+          </a:extLst>
+        </p:spPr>
+      </p:pic>
+      <p:pic>
+        <p:nvPicPr>
+          <p:cNvPr id="12" name="Picture 6"/>
+          <p:cNvPicPr>
+            <a:picLocks noChangeAspect="1" noChangeArrowheads="1"/>
+          </p:cNvPicPr>
+          <p:nvPr/>
+        </p:nvPicPr>
+        <p:blipFill>
+          <a:blip r:embed="rId3" cstate="print">
+            <a:extLst>
+              <a:ext uri="{28A0092B-C50C-407E-A947-70E740481C1C}">
+                <a14:useLocalDpi xmlns:a14="http://schemas.microsoft.com/office/drawing/2010/main" val="0"/>
+              </a:ext>
+            </a:extLst>
+          </a:blip>
+          <a:srcRect/>
+          <a:stretch>
+            <a:fillRect/>
+          </a:stretch>
+        </p:blipFill>
+        <p:spPr bwMode="auto">
+          <a:xfrm>
+            <a:off x="912621" y="1925244"/>
+            <a:ext cx="2369604" cy="1757362"/>
+          </a:xfrm>
+          <a:prstGeom prst="rect">
+            <a:avLst/>
+          </a:prstGeom>
+          <a:noFill/>
+          <a:ln>
+            <a:noFill/>
+          </a:ln>
+          <a:extLst>
+            <a:ext uri="{909E8E84-426E-40DD-AFC4-6F175D3DCCD1}">
+              <a14:hiddenFill xmlns:a14="http://schemas.microsoft.com/office/drawing/2010/main">
+                <a:solidFill>
+                  <a:schemeClr val="accent1"/>
+                </a:solidFill>
+              </a14:hiddenFill>
+            </a:ext>
+            <a:ext uri="{91240B29-F687-4F45-9708-019B960494DF}">
+              <a14:hiddenLine xmlns:a14="http://schemas.microsoft.com/office/drawing/2010/main" w="9525">
+                <a:solidFill>
+                  <a:schemeClr val="tx1"/>
+                </a:solidFill>
+                <a:miter lim="800000"/>
+                <a:headEnd/>
+                <a:tailEnd/>
+              </a14:hiddenLine>
+            </a:ext>
+          </a:extLst>
+        </p:spPr>
+      </p:pic>
+    </p:spTree>
+    <p:extLst>
+      <p:ext uri="{BB962C8B-B14F-4D97-AF65-F5344CB8AC3E}">
+        <p14:creationId xmlns:p14="http://schemas.microsoft.com/office/powerpoint/2010/main" val="3192674187"/>
+      </p:ext>
+    </p:extLst>
+  </p:cSld>
+  <p:clrMapOvr>
+    <a:masterClrMapping/>
+  </p:clrMapOvr>
+  <p:timing>
+    <p:tnLst>
+      <p:par>
+        <p:cTn id="1" dur="indefinite" restart="never" nodeType="tmRoot">
+          <p:childTnLst>
+            <p:seq concurrent="1" nextAc="seek">
+              <p:cTn id="2" dur="indefinite" nodeType="mainSeq">
+                <p:childTnLst>
+                  <p:par>
+                    <p:cTn id="3" fill="hold">
+                      <p:stCondLst>
+                        <p:cond delay="indefinite"/>
+                      </p:stCondLst>
+                      <p:childTnLst>
+                        <p:par>
+                          <p:cTn id="4" fill="hold">
+                            <p:stCondLst>
+                              <p:cond delay="0"/>
+                            </p:stCondLst>
+                            <p:childTnLst>
+                              <p:par>
+                                <p:cTn id="5" presetID="1" presetClass="entr" presetSubtype="0" fill="hold" nodeType="clickEffect">
+                                  <p:stCondLst>
+                                    <p:cond delay="0"/>
+                                  </p:stCondLst>
+                                  <p:childTnLst>
+                                    <p:set>
+                                      <p:cBhvr>
+                                        <p:cTn id="6" dur="1" fill="hold">
+                                          <p:stCondLst>
+                                            <p:cond delay="0"/>
+                                          </p:stCondLst>
+                                        </p:cTn>
+                                        <p:tgtEl>
+                                          <p:spTgt spid="8"/>
+                                        </p:tgtEl>
+                                        <p:attrNameLst>
+                                          <p:attrName>style.visibility</p:attrName>
+                                        </p:attrNameLst>
+                                      </p:cBhvr>
+                                      <p:to>
+                                        <p:strVal val="visible"/>
+                                      </p:to>
+                                    </p:set>
+                                  </p:childTnLst>
+                                </p:cTn>
+                              </p:par>
+                            </p:childTnLst>
+                          </p:cTn>
+                        </p:par>
+                      </p:childTnLst>
+                    </p:cTn>
+                  </p:par>
+                  <p:par>
+                    <p:cTn id="7" fill="hold">
+                      <p:stCondLst>
+                        <p:cond delay="indefinite"/>
+                      </p:stCondLst>
+                      <p:childTnLst>
+                        <p:par>
+                          <p:cTn id="8" fill="hold">
+                            <p:stCondLst>
+                              <p:cond delay="0"/>
+                            </p:stCondLst>
+                            <p:childTnLst>
+                              <p:par>
+                                <p:cTn id="9" presetID="1" presetClass="entr" presetSubtype="0" fill="hold" nodeType="clickEffect">
+                                  <p:stCondLst>
+                                    <p:cond delay="0"/>
+                                  </p:stCondLst>
+                                  <p:childTnLst>
+                                    <p:set>
+                                      <p:cBhvr>
+                                        <p:cTn id="10" dur="1" fill="hold">
+                                          <p:stCondLst>
+                                            <p:cond delay="0"/>
+                                          </p:stCondLst>
+                                        </p:cTn>
+                                        <p:tgtEl>
+                                          <p:spTgt spid="10"/>
+                                        </p:tgtEl>
+                                        <p:attrNameLst>
+                                          <p:attrName>style.visibility</p:attrName>
+                                        </p:attrNameLst>
+                                      </p:cBhvr>
+                                      <p:to>
+                                        <p:strVal val="visible"/>
+                                      </p:to>
+                                    </p:set>
+                                  </p:childTnLst>
+                                </p:cTn>
+                              </p:par>
+                            </p:childTnLst>
+                          </p:cTn>
+                        </p:par>
+                      </p:childTnLst>
+                    </p:cTn>
+                  </p:par>
+                </p:childTnLst>
+              </p:cTn>
+              <p:prevCondLst>
+                <p:cond evt="onPrev" delay="0">
+                  <p:tgtEl>
+                    <p:sldTgt/>
+                  </p:tgtEl>
+                </p:cond>
+              </p:prevCondLst>
+              <p:nextCondLst>
+                <p:cond evt="onNext" delay="0">
+                  <p:tgtEl>
+                    <p:sldTgt/>
+                  </p:tgtEl>
+                </p:cond>
+              </p:nextCondLst>
+            </p:seq>
+          </p:childTnLst>
+        </p:cTn>
+      </p:par>
+    </p:tnLst>
+  </p:timing>
 </p:sld>
 </file>
 
@@ -23023,7 +25534,7 @@
   <a:extraClrSchemeLst/>
   <a:extLst>
     <a:ext uri="{05A4C25C-085E-4340-85A3-A5531E510DB2}">
-      <thm15:themeFamily xmlns:thm15="http://schemas.microsoft.com/office/thememl/2012/main" name="Uni Master D_16zu10 Institute.potx" id="{C3B3A38B-0338-49FB-B231-116B7D339AEF}" vid="{AA825256-4409-4510-8B2A-E00170960EBA}"/>
+      <thm15:themeFamily xmlns:thm15="http://schemas.microsoft.com/office/thememl/2012/main" xmlns="" name="Uni Master D_16zu10 Institute.potx" id="{C3B3A38B-0338-49FB-B231-116B7D339AEF}" vid="{AA825256-4409-4510-8B2A-E00170960EBA}"/>
     </a:ext>
   </a:extLst>
 </a:theme>
@@ -23224,7 +25735,7 @@
   <a:extraClrSchemeLst/>
   <a:extLst>
     <a:ext uri="{05A4C25C-085E-4340-85A3-A5531E510DB2}">
-      <thm15:themeFamily xmlns:thm15="http://schemas.microsoft.com/office/thememl/2012/main" name="Office Theme" id="{62F939B6-93AF-4DB8-9C6B-D6C7DFDC589F}" vid="{4A3C46E8-61CC-4603-A589-7422A47A8E4A}"/>
+      <thm15:themeFamily xmlns:thm15="http://schemas.microsoft.com/office/thememl/2012/main" xmlns="" name="Office Theme" id="{62F939B6-93AF-4DB8-9C6B-D6C7DFDC589F}" vid="{4A3C46E8-61CC-4603-A589-7422A47A8E4A}"/>
     </a:ext>
   </a:extLst>
 </a:theme>
@@ -23425,7 +25936,7 @@
   <a:extraClrSchemeLst/>
   <a:extLst>
     <a:ext uri="{05A4C25C-085E-4340-85A3-A5531E510DB2}">
-      <thm15:themeFamily xmlns:thm15="http://schemas.microsoft.com/office/thememl/2012/main" name="Office Theme" id="{62F939B6-93AF-4DB8-9C6B-D6C7DFDC589F}" vid="{4A3C46E8-61CC-4603-A589-7422A47A8E4A}"/>
+      <thm15:themeFamily xmlns:thm15="http://schemas.microsoft.com/office/thememl/2012/main" xmlns="" name="Office Theme" id="{62F939B6-93AF-4DB8-9C6B-D6C7DFDC589F}" vid="{4A3C46E8-61CC-4603-A589-7422A47A8E4A}"/>
     </a:ext>
   </a:extLst>
 </a:theme>
